--- a/Slide MNIST FASHION.pptx
+++ b/Slide MNIST FASHION.pptx
@@ -5,7 +5,7 @@
     <p:sldMasterId id="2147483680" r:id="rId1"/>
   </p:sldMasterIdLst>
   <p:notesMasterIdLst>
-    <p:notesMasterId r:id="rId13"/>
+    <p:notesMasterId r:id="rId16"/>
   </p:notesMasterIdLst>
   <p:sldIdLst>
     <p:sldId id="256" r:id="rId2"/>
@@ -16,48 +16,51 @@
     <p:sldId id="264" r:id="rId7"/>
     <p:sldId id="297" r:id="rId8"/>
     <p:sldId id="298" r:id="rId9"/>
-    <p:sldId id="299" r:id="rId10"/>
-    <p:sldId id="274" r:id="rId11"/>
-    <p:sldId id="275" r:id="rId12"/>
+    <p:sldId id="300" r:id="rId10"/>
+    <p:sldId id="301" r:id="rId11"/>
+    <p:sldId id="299" r:id="rId12"/>
+    <p:sldId id="302" r:id="rId13"/>
+    <p:sldId id="274" r:id="rId14"/>
+    <p:sldId id="275" r:id="rId15"/>
   </p:sldIdLst>
   <p:sldSz cx="9144000" cy="5143500" type="screen16x9"/>
   <p:notesSz cx="6858000" cy="9144000"/>
   <p:embeddedFontLst>
     <p:embeddedFont>
-      <p:font typeface="Raleway" pitchFamily="2" charset="0"/>
-      <p:regular r:id="rId14"/>
-      <p:bold r:id="rId15"/>
-      <p:italic r:id="rId16"/>
-      <p:boldItalic r:id="rId17"/>
+      <p:font typeface="Roboto Condensed Light" panose="02000000000000000000" pitchFamily="2" charset="0"/>
+      <p:regular r:id="rId17"/>
+      <p:italic r:id="rId18"/>
     </p:embeddedFont>
     <p:embeddedFont>
-      <p:font typeface="Roboto Condensed Light" panose="02000000000000000000" pitchFamily="2" charset="0"/>
-      <p:regular r:id="rId18"/>
-      <p:italic r:id="rId19"/>
+      <p:font typeface="Archivo" panose="020B0604020202020204" charset="0"/>
+      <p:regular r:id="rId19"/>
+      <p:bold r:id="rId20"/>
+      <p:italic r:id="rId21"/>
+      <p:boldItalic r:id="rId22"/>
+    </p:embeddedFont>
+    <p:embeddedFont>
+      <p:font typeface="Assistant" panose="020B0604020202020204" charset="-79"/>
+      <p:regular r:id="rId23"/>
+      <p:bold r:id="rId24"/>
+    </p:embeddedFont>
+    <p:embeddedFont>
+      <p:font typeface="Open Sans" panose="020B0606030504020204" pitchFamily="34" charset="0"/>
+      <p:regular r:id="rId25"/>
+      <p:bold r:id="rId26"/>
+      <p:italic r:id="rId27"/>
+      <p:boldItalic r:id="rId28"/>
     </p:embeddedFont>
     <p:embeddedFont>
       <p:font typeface="Archivo ExtraBold" panose="020B0604020202020204" charset="0"/>
-      <p:bold r:id="rId20"/>
-      <p:boldItalic r:id="rId21"/>
+      <p:bold r:id="rId29"/>
+      <p:boldItalic r:id="rId30"/>
     </p:embeddedFont>
     <p:embeddedFont>
-      <p:font typeface="Open Sans" panose="020B0606030504020204" pitchFamily="34" charset="0"/>
-      <p:regular r:id="rId22"/>
-      <p:bold r:id="rId23"/>
-      <p:italic r:id="rId24"/>
-      <p:boldItalic r:id="rId25"/>
-    </p:embeddedFont>
-    <p:embeddedFont>
-      <p:font typeface="Assistant" panose="020B0604020202020204" charset="-79"/>
-      <p:regular r:id="rId26"/>
-      <p:bold r:id="rId27"/>
-    </p:embeddedFont>
-    <p:embeddedFont>
-      <p:font typeface="Archivo" panose="020B0604020202020204" charset="0"/>
-      <p:regular r:id="rId28"/>
-      <p:bold r:id="rId29"/>
-      <p:italic r:id="rId30"/>
-      <p:boldItalic r:id="rId31"/>
+      <p:font typeface="Raleway" pitchFamily="2" charset="0"/>
+      <p:regular r:id="rId31"/>
+      <p:bold r:id="rId32"/>
+      <p:italic r:id="rId33"/>
+      <p:boldItalic r:id="rId34"/>
     </p:embeddedFont>
   </p:embeddedFontLst>
   <p:defaultTextStyle>
@@ -289,6 +292,11 @@
       </a:defRPr>
     </a:lvl9pPr>
   </p:defaultTextStyle>
+  <p:extLst>
+    <p:ext uri="{EFAFB233-063F-42B5-8137-9DF3F51BA10A}">
+      <p15:sldGuideLst xmlns:p15="http://schemas.microsoft.com/office/powerpoint/2012/main"/>
+    </p:ext>
+  </p:extLst>
 </p:presentation>
 </file>
 
@@ -842,6 +850,333 @@
   <p:cSld>
     <p:spTree>
       <p:nvGrpSpPr>
+        <p:cNvPr id="1" name="Shape 495"/>
+        <p:cNvGrpSpPr/>
+        <p:nvPr/>
+      </p:nvGrpSpPr>
+      <p:grpSpPr>
+        <a:xfrm>
+          <a:off x="0" y="0"/>
+          <a:ext cx="0" cy="0"/>
+          <a:chOff x="0" y="0"/>
+          <a:chExt cx="0" cy="0"/>
+        </a:xfrm>
+      </p:grpSpPr>
+      <p:sp>
+        <p:nvSpPr>
+          <p:cNvPr id="496" name="Google Shape;496;gdb0f9523dd_0_77:notes"/>
+          <p:cNvSpPr>
+            <a:spLocks noGrp="1" noRot="1" noChangeAspect="1"/>
+          </p:cNvSpPr>
+          <p:nvPr>
+            <p:ph type="sldImg" idx="2"/>
+          </p:nvPr>
+        </p:nvSpPr>
+        <p:spPr>
+          <a:xfrm>
+            <a:off x="381000" y="685800"/>
+            <a:ext cx="6096000" cy="3429000"/>
+          </a:xfrm>
+          <a:custGeom>
+            <a:avLst/>
+            <a:gdLst/>
+            <a:ahLst/>
+            <a:cxnLst/>
+            <a:rect l="l" t="t" r="r" b="b"/>
+            <a:pathLst>
+              <a:path w="120000" h="120000" extrusionOk="0">
+                <a:moveTo>
+                  <a:pt x="0" y="0"/>
+                </a:moveTo>
+                <a:lnTo>
+                  <a:pt x="120000" y="0"/>
+                </a:lnTo>
+                <a:lnTo>
+                  <a:pt x="120000" y="120000"/>
+                </a:lnTo>
+                <a:lnTo>
+                  <a:pt x="0" y="120000"/>
+                </a:lnTo>
+                <a:close/>
+              </a:path>
+            </a:pathLst>
+          </a:custGeom>
+        </p:spPr>
+      </p:sp>
+      <p:sp>
+        <p:nvSpPr>
+          <p:cNvPr id="497" name="Google Shape;497;gdb0f9523dd_0_77:notes"/>
+          <p:cNvSpPr txBox="1">
+            <a:spLocks noGrp="1"/>
+          </p:cNvSpPr>
+          <p:nvPr>
+            <p:ph type="body" idx="1"/>
+          </p:nvPr>
+        </p:nvSpPr>
+        <p:spPr>
+          <a:xfrm>
+            <a:off x="685800" y="4343400"/>
+            <a:ext cx="5486400" cy="4114800"/>
+          </a:xfrm>
+          <a:prstGeom prst="rect">
+            <a:avLst/>
+          </a:prstGeom>
+        </p:spPr>
+        <p:txBody>
+          <a:bodyPr spcFirstLastPara="1" wrap="square" lIns="91425" tIns="91425" rIns="91425" bIns="91425" anchor="t" anchorCtr="0">
+            <a:noAutofit/>
+          </a:bodyPr>
+          <a:lstStyle/>
+          <a:p>
+            <a:pPr marL="0" lvl="0" indent="0" algn="l" rtl="0">
+              <a:spcBef>
+                <a:spcPts val="0"/>
+              </a:spcBef>
+              <a:spcAft>
+                <a:spcPts val="0"/>
+              </a:spcAft>
+              <a:buNone/>
+            </a:pPr>
+            <a:endParaRPr/>
+          </a:p>
+        </p:txBody>
+      </p:sp>
+    </p:spTree>
+    <p:extLst>
+      <p:ext uri="{BB962C8B-B14F-4D97-AF65-F5344CB8AC3E}">
+        <p14:creationId xmlns:p14="http://schemas.microsoft.com/office/powerpoint/2010/main" val="3028868710"/>
+      </p:ext>
+    </p:extLst>
+  </p:cSld>
+  <p:clrMapOvr>
+    <a:masterClrMapping/>
+  </p:clrMapOvr>
+</p:notes>
+</file>
+
+<file path=ppt/notesSlides/notesSlide11.xml><?xml version="1.0" encoding="utf-8"?>
+<p:notes xmlns:a="http://schemas.openxmlformats.org/drawingml/2006/main" xmlns:r="http://schemas.openxmlformats.org/officeDocument/2006/relationships" xmlns:p="http://schemas.openxmlformats.org/presentationml/2006/main" showMasterSp="0" showMasterPhAnim="0">
+  <p:cSld>
+    <p:spTree>
+      <p:nvGrpSpPr>
+        <p:cNvPr id="1" name="Shape 495"/>
+        <p:cNvGrpSpPr/>
+        <p:nvPr/>
+      </p:nvGrpSpPr>
+      <p:grpSpPr>
+        <a:xfrm>
+          <a:off x="0" y="0"/>
+          <a:ext cx="0" cy="0"/>
+          <a:chOff x="0" y="0"/>
+          <a:chExt cx="0" cy="0"/>
+        </a:xfrm>
+      </p:grpSpPr>
+      <p:sp>
+        <p:nvSpPr>
+          <p:cNvPr id="496" name="Google Shape;496;gdb0f9523dd_0_77:notes"/>
+          <p:cNvSpPr>
+            <a:spLocks noGrp="1" noRot="1" noChangeAspect="1"/>
+          </p:cNvSpPr>
+          <p:nvPr>
+            <p:ph type="sldImg" idx="2"/>
+          </p:nvPr>
+        </p:nvSpPr>
+        <p:spPr>
+          <a:xfrm>
+            <a:off x="381000" y="685800"/>
+            <a:ext cx="6096000" cy="3429000"/>
+          </a:xfrm>
+          <a:custGeom>
+            <a:avLst/>
+            <a:gdLst/>
+            <a:ahLst/>
+            <a:cxnLst/>
+            <a:rect l="l" t="t" r="r" b="b"/>
+            <a:pathLst>
+              <a:path w="120000" h="120000" extrusionOk="0">
+                <a:moveTo>
+                  <a:pt x="0" y="0"/>
+                </a:moveTo>
+                <a:lnTo>
+                  <a:pt x="120000" y="0"/>
+                </a:lnTo>
+                <a:lnTo>
+                  <a:pt x="120000" y="120000"/>
+                </a:lnTo>
+                <a:lnTo>
+                  <a:pt x="0" y="120000"/>
+                </a:lnTo>
+                <a:close/>
+              </a:path>
+            </a:pathLst>
+          </a:custGeom>
+        </p:spPr>
+      </p:sp>
+      <p:sp>
+        <p:nvSpPr>
+          <p:cNvPr id="497" name="Google Shape;497;gdb0f9523dd_0_77:notes"/>
+          <p:cNvSpPr txBox="1">
+            <a:spLocks noGrp="1"/>
+          </p:cNvSpPr>
+          <p:nvPr>
+            <p:ph type="body" idx="1"/>
+          </p:nvPr>
+        </p:nvSpPr>
+        <p:spPr>
+          <a:xfrm>
+            <a:off x="685800" y="4343400"/>
+            <a:ext cx="5486400" cy="4114800"/>
+          </a:xfrm>
+          <a:prstGeom prst="rect">
+            <a:avLst/>
+          </a:prstGeom>
+        </p:spPr>
+        <p:txBody>
+          <a:bodyPr spcFirstLastPara="1" wrap="square" lIns="91425" tIns="91425" rIns="91425" bIns="91425" anchor="t" anchorCtr="0">
+            <a:noAutofit/>
+          </a:bodyPr>
+          <a:lstStyle/>
+          <a:p>
+            <a:pPr marL="0" lvl="0" indent="0" algn="l" rtl="0">
+              <a:spcBef>
+                <a:spcPts val="0"/>
+              </a:spcBef>
+              <a:spcAft>
+                <a:spcPts val="0"/>
+              </a:spcAft>
+              <a:buNone/>
+            </a:pPr>
+            <a:endParaRPr/>
+          </a:p>
+        </p:txBody>
+      </p:sp>
+    </p:spTree>
+    <p:extLst>
+      <p:ext uri="{BB962C8B-B14F-4D97-AF65-F5344CB8AC3E}">
+        <p14:creationId xmlns:p14="http://schemas.microsoft.com/office/powerpoint/2010/main" val="2763023882"/>
+      </p:ext>
+    </p:extLst>
+  </p:cSld>
+  <p:clrMapOvr>
+    <a:masterClrMapping/>
+  </p:clrMapOvr>
+</p:notes>
+</file>
+
+<file path=ppt/notesSlides/notesSlide12.xml><?xml version="1.0" encoding="utf-8"?>
+<p:notes xmlns:a="http://schemas.openxmlformats.org/drawingml/2006/main" xmlns:r="http://schemas.openxmlformats.org/officeDocument/2006/relationships" xmlns:p="http://schemas.openxmlformats.org/presentationml/2006/main" showMasterSp="0" showMasterPhAnim="0">
+  <p:cSld>
+    <p:spTree>
+      <p:nvGrpSpPr>
+        <p:cNvPr id="1" name="Shape 495"/>
+        <p:cNvGrpSpPr/>
+        <p:nvPr/>
+      </p:nvGrpSpPr>
+      <p:grpSpPr>
+        <a:xfrm>
+          <a:off x="0" y="0"/>
+          <a:ext cx="0" cy="0"/>
+          <a:chOff x="0" y="0"/>
+          <a:chExt cx="0" cy="0"/>
+        </a:xfrm>
+      </p:grpSpPr>
+      <p:sp>
+        <p:nvSpPr>
+          <p:cNvPr id="496" name="Google Shape;496;gdb0f9523dd_0_77:notes"/>
+          <p:cNvSpPr>
+            <a:spLocks noGrp="1" noRot="1" noChangeAspect="1"/>
+          </p:cNvSpPr>
+          <p:nvPr>
+            <p:ph type="sldImg" idx="2"/>
+          </p:nvPr>
+        </p:nvSpPr>
+        <p:spPr>
+          <a:xfrm>
+            <a:off x="381000" y="685800"/>
+            <a:ext cx="6096000" cy="3429000"/>
+          </a:xfrm>
+          <a:custGeom>
+            <a:avLst/>
+            <a:gdLst/>
+            <a:ahLst/>
+            <a:cxnLst/>
+            <a:rect l="l" t="t" r="r" b="b"/>
+            <a:pathLst>
+              <a:path w="120000" h="120000" extrusionOk="0">
+                <a:moveTo>
+                  <a:pt x="0" y="0"/>
+                </a:moveTo>
+                <a:lnTo>
+                  <a:pt x="120000" y="0"/>
+                </a:lnTo>
+                <a:lnTo>
+                  <a:pt x="120000" y="120000"/>
+                </a:lnTo>
+                <a:lnTo>
+                  <a:pt x="0" y="120000"/>
+                </a:lnTo>
+                <a:close/>
+              </a:path>
+            </a:pathLst>
+          </a:custGeom>
+        </p:spPr>
+      </p:sp>
+      <p:sp>
+        <p:nvSpPr>
+          <p:cNvPr id="497" name="Google Shape;497;gdb0f9523dd_0_77:notes"/>
+          <p:cNvSpPr txBox="1">
+            <a:spLocks noGrp="1"/>
+          </p:cNvSpPr>
+          <p:nvPr>
+            <p:ph type="body" idx="1"/>
+          </p:nvPr>
+        </p:nvSpPr>
+        <p:spPr>
+          <a:xfrm>
+            <a:off x="685800" y="4343400"/>
+            <a:ext cx="5486400" cy="4114800"/>
+          </a:xfrm>
+          <a:prstGeom prst="rect">
+            <a:avLst/>
+          </a:prstGeom>
+        </p:spPr>
+        <p:txBody>
+          <a:bodyPr spcFirstLastPara="1" wrap="square" lIns="91425" tIns="91425" rIns="91425" bIns="91425" anchor="t" anchorCtr="0">
+            <a:noAutofit/>
+          </a:bodyPr>
+          <a:lstStyle/>
+          <a:p>
+            <a:pPr marL="0" lvl="0" indent="0" algn="l" rtl="0">
+              <a:spcBef>
+                <a:spcPts val="0"/>
+              </a:spcBef>
+              <a:spcAft>
+                <a:spcPts val="0"/>
+              </a:spcAft>
+              <a:buNone/>
+            </a:pPr>
+            <a:endParaRPr/>
+          </a:p>
+        </p:txBody>
+      </p:sp>
+    </p:spTree>
+    <p:extLst>
+      <p:ext uri="{BB962C8B-B14F-4D97-AF65-F5344CB8AC3E}">
+        <p14:creationId xmlns:p14="http://schemas.microsoft.com/office/powerpoint/2010/main" val="1092761031"/>
+      </p:ext>
+    </p:extLst>
+  </p:cSld>
+  <p:clrMapOvr>
+    <a:masterClrMapping/>
+  </p:clrMapOvr>
+</p:notes>
+</file>
+
+<file path=ppt/notesSlides/notesSlide13.xml><?xml version="1.0" encoding="utf-8"?>
+<p:notes xmlns:a="http://schemas.openxmlformats.org/drawingml/2006/main" xmlns:r="http://schemas.openxmlformats.org/officeDocument/2006/relationships" xmlns:p="http://schemas.openxmlformats.org/presentationml/2006/main" showMasterSp="0" showMasterPhAnim="0">
+  <p:cSld>
+    <p:spTree>
+      <p:nvGrpSpPr>
         <p:cNvPr id="1" name="Shape 712"/>
         <p:cNvGrpSpPr/>
         <p:nvPr/>
@@ -941,7 +1276,7 @@
 </p:notes>
 </file>
 
-<file path=ppt/notesSlides/notesSlide11.xml><?xml version="1.0" encoding="utf-8"?>
+<file path=ppt/notesSlides/notesSlide14.xml><?xml version="1.0" encoding="utf-8"?>
 <p:notes xmlns:a="http://schemas.openxmlformats.org/drawingml/2006/main" xmlns:r="http://schemas.openxmlformats.org/officeDocument/2006/relationships" xmlns:p="http://schemas.openxmlformats.org/presentationml/2006/main" showMasterSp="0" showMasterPhAnim="0">
   <p:cSld>
     <p:spTree>
@@ -1882,7 +2217,7 @@
     </p:spTree>
     <p:extLst>
       <p:ext uri="{BB962C8B-B14F-4D97-AF65-F5344CB8AC3E}">
-        <p14:creationId xmlns:p14="http://schemas.microsoft.com/office/powerpoint/2010/main" val="2763023882"/>
+        <p14:creationId xmlns:p14="http://schemas.microsoft.com/office/powerpoint/2010/main" val="454785872"/>
       </p:ext>
     </p:extLst>
   </p:cSld>
@@ -18824,6 +19159,5262 @@
   <p:cSld>
     <p:spTree>
       <p:nvGrpSpPr>
+        <p:cNvPr id="1" name="Shape 498"/>
+        <p:cNvGrpSpPr/>
+        <p:nvPr/>
+      </p:nvGrpSpPr>
+      <p:grpSpPr>
+        <a:xfrm>
+          <a:off x="0" y="0"/>
+          <a:ext cx="0" cy="0"/>
+          <a:chOff x="0" y="0"/>
+          <a:chExt cx="0" cy="0"/>
+        </a:xfrm>
+      </p:grpSpPr>
+      <p:sp>
+        <p:nvSpPr>
+          <p:cNvPr id="500" name="Google Shape;500;p43"/>
+          <p:cNvSpPr txBox="1">
+            <a:spLocks noGrp="1"/>
+          </p:cNvSpPr>
+          <p:nvPr>
+            <p:ph type="title" idx="6"/>
+          </p:nvPr>
+        </p:nvSpPr>
+        <p:spPr>
+          <a:xfrm>
+            <a:off x="1292429" y="413702"/>
+            <a:ext cx="7704000" cy="572700"/>
+          </a:xfrm>
+          <a:prstGeom prst="rect">
+            <a:avLst/>
+          </a:prstGeom>
+        </p:spPr>
+        <p:txBody>
+          <a:bodyPr spcFirstLastPara="1" wrap="square" lIns="91425" tIns="91425" rIns="91425" bIns="91425" anchor="t" anchorCtr="0">
+            <a:noAutofit/>
+          </a:bodyPr>
+          <a:lstStyle/>
+          <a:p>
+            <a:pPr marL="0" lvl="0" indent="0" algn="l" rtl="0">
+              <a:spcBef>
+                <a:spcPts val="0"/>
+              </a:spcBef>
+              <a:spcAft>
+                <a:spcPts val="0"/>
+              </a:spcAft>
+              <a:buNone/>
+            </a:pPr>
+            <a:r>
+              <a:rPr lang="en" dirty="0" smtClean="0"/>
+              <a:t>Xây dựng mô hình CNN</a:t>
+            </a:r>
+            <a:endParaRPr dirty="0"/>
+          </a:p>
+        </p:txBody>
+      </p:sp>
+      <p:sp>
+        <p:nvSpPr>
+          <p:cNvPr id="32" name="Google Shape;451;p38"/>
+          <p:cNvSpPr txBox="1">
+            <a:spLocks/>
+          </p:cNvSpPr>
+          <p:nvPr/>
+        </p:nvSpPr>
+        <p:spPr>
+          <a:xfrm>
+            <a:off x="5787016" y="420711"/>
+            <a:ext cx="642408" cy="612370"/>
+          </a:xfrm>
+          <a:prstGeom prst="rect">
+            <a:avLst/>
+          </a:prstGeom>
+          <a:noFill/>
+          <a:ln w="57150"/>
+        </p:spPr>
+        <p:style>
+          <a:lnRef idx="2">
+            <a:schemeClr val="dk1"/>
+          </a:lnRef>
+          <a:fillRef idx="1">
+            <a:schemeClr val="lt1"/>
+          </a:fillRef>
+          <a:effectRef idx="0">
+            <a:schemeClr val="dk1"/>
+          </a:effectRef>
+          <a:fontRef idx="minor">
+            <a:schemeClr val="dk1"/>
+          </a:fontRef>
+        </p:style>
+        <p:txBody>
+          <a:bodyPr spcFirstLastPara="1" wrap="square" lIns="91425" tIns="91425" rIns="91425" bIns="91425" anchor="ctr" anchorCtr="0">
+            <a:noAutofit/>
+          </a:bodyPr>
+          <a:lstStyle>
+            <a:defPPr marR="0" lvl="0" algn="l" rtl="0">
+              <a:lnSpc>
+                <a:spcPct val="100000"/>
+              </a:lnSpc>
+              <a:spcBef>
+                <a:spcPts val="0"/>
+              </a:spcBef>
+              <a:spcAft>
+                <a:spcPts val="0"/>
+              </a:spcAft>
+            </a:defPPr>
+            <a:lvl1pPr marR="0" lvl="0" algn="ctr" rtl="0">
+              <a:lnSpc>
+                <a:spcPct val="100000"/>
+              </a:lnSpc>
+              <a:spcBef>
+                <a:spcPts val="0"/>
+              </a:spcBef>
+              <a:spcAft>
+                <a:spcPts val="0"/>
+              </a:spcAft>
+              <a:buClr>
+                <a:schemeClr val="accent1"/>
+              </a:buClr>
+              <a:buSzPts val="3000"/>
+              <a:buFont typeface="Archivo ExtraBold"/>
+              <a:buNone/>
+              <a:defRPr sz="1800" b="0" i="0" u="none" strike="noStrike" cap="none">
+                <a:solidFill>
+                  <a:schemeClr val="accent1"/>
+                </a:solidFill>
+                <a:latin typeface="Archivo ExtraBold"/>
+                <a:ea typeface="Archivo ExtraBold"/>
+                <a:cs typeface="Archivo ExtraBold"/>
+                <a:sym typeface="Archivo ExtraBold"/>
+              </a:defRPr>
+            </a:lvl1pPr>
+            <a:lvl2pPr marR="0" lvl="1" algn="ctr" rtl="0">
+              <a:lnSpc>
+                <a:spcPct val="100000"/>
+              </a:lnSpc>
+              <a:spcBef>
+                <a:spcPts val="0"/>
+              </a:spcBef>
+              <a:spcAft>
+                <a:spcPts val="0"/>
+              </a:spcAft>
+              <a:buClr>
+                <a:schemeClr val="accent1"/>
+              </a:buClr>
+              <a:buSzPts val="3000"/>
+              <a:buFont typeface="Archivo ExtraBold"/>
+              <a:buNone/>
+              <a:defRPr sz="3000" b="0" i="0" u="none" strike="noStrike" cap="none">
+                <a:solidFill>
+                  <a:schemeClr val="accent1"/>
+                </a:solidFill>
+                <a:latin typeface="Archivo ExtraBold"/>
+                <a:ea typeface="Archivo ExtraBold"/>
+                <a:cs typeface="Archivo ExtraBold"/>
+                <a:sym typeface="Archivo ExtraBold"/>
+              </a:defRPr>
+            </a:lvl2pPr>
+            <a:lvl3pPr marR="0" lvl="2" algn="ctr" rtl="0">
+              <a:lnSpc>
+                <a:spcPct val="100000"/>
+              </a:lnSpc>
+              <a:spcBef>
+                <a:spcPts val="0"/>
+              </a:spcBef>
+              <a:spcAft>
+                <a:spcPts val="0"/>
+              </a:spcAft>
+              <a:buClr>
+                <a:schemeClr val="accent1"/>
+              </a:buClr>
+              <a:buSzPts val="3000"/>
+              <a:buFont typeface="Archivo ExtraBold"/>
+              <a:buNone/>
+              <a:defRPr sz="3000" b="0" i="0" u="none" strike="noStrike" cap="none">
+                <a:solidFill>
+                  <a:schemeClr val="accent1"/>
+                </a:solidFill>
+                <a:latin typeface="Archivo ExtraBold"/>
+                <a:ea typeface="Archivo ExtraBold"/>
+                <a:cs typeface="Archivo ExtraBold"/>
+                <a:sym typeface="Archivo ExtraBold"/>
+              </a:defRPr>
+            </a:lvl3pPr>
+            <a:lvl4pPr marR="0" lvl="3" algn="ctr" rtl="0">
+              <a:lnSpc>
+                <a:spcPct val="100000"/>
+              </a:lnSpc>
+              <a:spcBef>
+                <a:spcPts val="0"/>
+              </a:spcBef>
+              <a:spcAft>
+                <a:spcPts val="0"/>
+              </a:spcAft>
+              <a:buClr>
+                <a:schemeClr val="accent1"/>
+              </a:buClr>
+              <a:buSzPts val="3000"/>
+              <a:buFont typeface="Archivo ExtraBold"/>
+              <a:buNone/>
+              <a:defRPr sz="3000" b="0" i="0" u="none" strike="noStrike" cap="none">
+                <a:solidFill>
+                  <a:schemeClr val="accent1"/>
+                </a:solidFill>
+                <a:latin typeface="Archivo ExtraBold"/>
+                <a:ea typeface="Archivo ExtraBold"/>
+                <a:cs typeface="Archivo ExtraBold"/>
+                <a:sym typeface="Archivo ExtraBold"/>
+              </a:defRPr>
+            </a:lvl4pPr>
+            <a:lvl5pPr marR="0" lvl="4" algn="ctr" rtl="0">
+              <a:lnSpc>
+                <a:spcPct val="100000"/>
+              </a:lnSpc>
+              <a:spcBef>
+                <a:spcPts val="0"/>
+              </a:spcBef>
+              <a:spcAft>
+                <a:spcPts val="0"/>
+              </a:spcAft>
+              <a:buClr>
+                <a:schemeClr val="accent1"/>
+              </a:buClr>
+              <a:buSzPts val="3000"/>
+              <a:buFont typeface="Archivo ExtraBold"/>
+              <a:buNone/>
+              <a:defRPr sz="3000" b="0" i="0" u="none" strike="noStrike" cap="none">
+                <a:solidFill>
+                  <a:schemeClr val="accent1"/>
+                </a:solidFill>
+                <a:latin typeface="Archivo ExtraBold"/>
+                <a:ea typeface="Archivo ExtraBold"/>
+                <a:cs typeface="Archivo ExtraBold"/>
+                <a:sym typeface="Archivo ExtraBold"/>
+              </a:defRPr>
+            </a:lvl5pPr>
+            <a:lvl6pPr marR="0" lvl="5" algn="ctr" rtl="0">
+              <a:lnSpc>
+                <a:spcPct val="100000"/>
+              </a:lnSpc>
+              <a:spcBef>
+                <a:spcPts val="0"/>
+              </a:spcBef>
+              <a:spcAft>
+                <a:spcPts val="0"/>
+              </a:spcAft>
+              <a:buClr>
+                <a:schemeClr val="accent1"/>
+              </a:buClr>
+              <a:buSzPts val="3000"/>
+              <a:buFont typeface="Archivo ExtraBold"/>
+              <a:buNone/>
+              <a:defRPr sz="3000" b="0" i="0" u="none" strike="noStrike" cap="none">
+                <a:solidFill>
+                  <a:schemeClr val="accent1"/>
+                </a:solidFill>
+                <a:latin typeface="Archivo ExtraBold"/>
+                <a:ea typeface="Archivo ExtraBold"/>
+                <a:cs typeface="Archivo ExtraBold"/>
+                <a:sym typeface="Archivo ExtraBold"/>
+              </a:defRPr>
+            </a:lvl6pPr>
+            <a:lvl7pPr marR="0" lvl="6" algn="ctr" rtl="0">
+              <a:lnSpc>
+                <a:spcPct val="100000"/>
+              </a:lnSpc>
+              <a:spcBef>
+                <a:spcPts val="0"/>
+              </a:spcBef>
+              <a:spcAft>
+                <a:spcPts val="0"/>
+              </a:spcAft>
+              <a:buClr>
+                <a:schemeClr val="accent1"/>
+              </a:buClr>
+              <a:buSzPts val="3000"/>
+              <a:buFont typeface="Archivo ExtraBold"/>
+              <a:buNone/>
+              <a:defRPr sz="3000" b="0" i="0" u="none" strike="noStrike" cap="none">
+                <a:solidFill>
+                  <a:schemeClr val="accent1"/>
+                </a:solidFill>
+                <a:latin typeface="Archivo ExtraBold"/>
+                <a:ea typeface="Archivo ExtraBold"/>
+                <a:cs typeface="Archivo ExtraBold"/>
+                <a:sym typeface="Archivo ExtraBold"/>
+              </a:defRPr>
+            </a:lvl7pPr>
+            <a:lvl8pPr marR="0" lvl="7" algn="ctr" rtl="0">
+              <a:lnSpc>
+                <a:spcPct val="100000"/>
+              </a:lnSpc>
+              <a:spcBef>
+                <a:spcPts val="0"/>
+              </a:spcBef>
+              <a:spcAft>
+                <a:spcPts val="0"/>
+              </a:spcAft>
+              <a:buClr>
+                <a:schemeClr val="accent1"/>
+              </a:buClr>
+              <a:buSzPts val="3000"/>
+              <a:buFont typeface="Archivo ExtraBold"/>
+              <a:buNone/>
+              <a:defRPr sz="3000" b="0" i="0" u="none" strike="noStrike" cap="none">
+                <a:solidFill>
+                  <a:schemeClr val="accent1"/>
+                </a:solidFill>
+                <a:latin typeface="Archivo ExtraBold"/>
+                <a:ea typeface="Archivo ExtraBold"/>
+                <a:cs typeface="Archivo ExtraBold"/>
+                <a:sym typeface="Archivo ExtraBold"/>
+              </a:defRPr>
+            </a:lvl8pPr>
+            <a:lvl9pPr marR="0" lvl="8" algn="ctr" rtl="0">
+              <a:lnSpc>
+                <a:spcPct val="100000"/>
+              </a:lnSpc>
+              <a:spcBef>
+                <a:spcPts val="0"/>
+              </a:spcBef>
+              <a:spcAft>
+                <a:spcPts val="0"/>
+              </a:spcAft>
+              <a:buClr>
+                <a:schemeClr val="accent1"/>
+              </a:buClr>
+              <a:buSzPts val="3000"/>
+              <a:buFont typeface="Archivo ExtraBold"/>
+              <a:buNone/>
+              <a:defRPr sz="3000" b="0" i="0" u="none" strike="noStrike" cap="none">
+                <a:solidFill>
+                  <a:schemeClr val="accent1"/>
+                </a:solidFill>
+                <a:latin typeface="Archivo ExtraBold"/>
+                <a:ea typeface="Archivo ExtraBold"/>
+                <a:cs typeface="Archivo ExtraBold"/>
+                <a:sym typeface="Archivo ExtraBold"/>
+              </a:defRPr>
+            </a:lvl9pPr>
+          </a:lstStyle>
+          <a:p>
+            <a:r>
+              <a:rPr lang="en" dirty="0" smtClean="0"/>
+              <a:t>03</a:t>
+            </a:r>
+            <a:endParaRPr lang="en" dirty="0"/>
+          </a:p>
+        </p:txBody>
+      </p:sp>
+      <p:sp>
+        <p:nvSpPr>
+          <p:cNvPr id="40" name="Subtitle 7"/>
+          <p:cNvSpPr>
+            <a:spLocks noGrp="1"/>
+          </p:cNvSpPr>
+          <p:nvPr>
+            <p:ph type="subTitle" idx="1"/>
+          </p:nvPr>
+        </p:nvSpPr>
+        <p:spPr>
+          <a:xfrm>
+            <a:off x="835877" y="1006237"/>
+            <a:ext cx="7542408" cy="3298134"/>
+          </a:xfrm>
+        </p:spPr>
+        <p:txBody>
+          <a:bodyPr/>
+          <a:lstStyle/>
+          <a:p>
+            <a:pPr algn="l">
+              <a:spcBef>
+                <a:spcPts val="600"/>
+              </a:spcBef>
+            </a:pPr>
+            <a:r>
+              <a:rPr lang="en-US" sz="1600" dirty="0" err="1" smtClean="0">
+                <a:latin typeface="Archivo ExtraBold" panose="020B0604020202020204" charset="0"/>
+                <a:cs typeface="Archivo ExtraBold" panose="020B0604020202020204" charset="0"/>
+              </a:rPr>
+              <a:t>Huấn</a:t>
+            </a:r>
+            <a:r>
+              <a:rPr lang="en-US" sz="1600" dirty="0" smtClean="0">
+                <a:latin typeface="Archivo ExtraBold" panose="020B0604020202020204" charset="0"/>
+                <a:cs typeface="Archivo ExtraBold" panose="020B0604020202020204" charset="0"/>
+              </a:rPr>
+              <a:t> luyện </a:t>
+            </a:r>
+            <a:r>
+              <a:rPr lang="en-US" sz="1600" dirty="0" err="1" smtClean="0">
+                <a:latin typeface="Archivo ExtraBold" panose="020B0604020202020204" charset="0"/>
+                <a:cs typeface="Archivo ExtraBold" panose="020B0604020202020204" charset="0"/>
+              </a:rPr>
+              <a:t>mô</a:t>
+            </a:r>
+            <a:r>
+              <a:rPr lang="en-US" sz="1600" dirty="0" smtClean="0">
+                <a:latin typeface="Archivo ExtraBold" panose="020B0604020202020204" charset="0"/>
+                <a:cs typeface="Archivo ExtraBold" panose="020B0604020202020204" charset="0"/>
+              </a:rPr>
+              <a:t> hình</a:t>
+            </a:r>
+          </a:p>
+          <a:p>
+            <a:pPr algn="l">
+              <a:spcBef>
+                <a:spcPts val="600"/>
+              </a:spcBef>
+            </a:pPr>
+            <a:endParaRPr lang="en-US" sz="1600" dirty="0">
+              <a:latin typeface="Archivo ExtraBold" panose="020B0604020202020204" charset="0"/>
+              <a:cs typeface="Archivo ExtraBold" panose="020B0604020202020204" charset="0"/>
+            </a:endParaRPr>
+          </a:p>
+          <a:p>
+            <a:pPr algn="l">
+              <a:spcBef>
+                <a:spcPts val="600"/>
+              </a:spcBef>
+            </a:pPr>
+            <a:endParaRPr lang="en-US" sz="1600" dirty="0" smtClean="0">
+              <a:latin typeface="Archivo ExtraBold" panose="020B0604020202020204" charset="0"/>
+              <a:cs typeface="Archivo ExtraBold" panose="020B0604020202020204" charset="0"/>
+            </a:endParaRPr>
+          </a:p>
+          <a:p>
+            <a:pPr algn="l">
+              <a:spcBef>
+                <a:spcPts val="600"/>
+              </a:spcBef>
+            </a:pPr>
+            <a:endParaRPr lang="en-US" sz="1600" dirty="0" smtClean="0">
+              <a:latin typeface="Archivo ExtraBold" panose="020B0604020202020204" charset="0"/>
+              <a:cs typeface="Archivo ExtraBold" panose="020B0604020202020204" charset="0"/>
+            </a:endParaRPr>
+          </a:p>
+          <a:p>
+            <a:pPr algn="l">
+              <a:spcBef>
+                <a:spcPts val="600"/>
+              </a:spcBef>
+            </a:pPr>
+            <a:r>
+              <a:rPr lang="en-US" sz="1600" dirty="0" smtClean="0">
+                <a:latin typeface="Archivo ExtraBold" panose="020B0604020202020204" charset="0"/>
+                <a:cs typeface="Archivo ExtraBold" panose="020B0604020202020204" charset="0"/>
+              </a:rPr>
+              <a:t>Độ </a:t>
+            </a:r>
+            <a:r>
+              <a:rPr lang="en-US" sz="1600" dirty="0" err="1" smtClean="0">
+                <a:latin typeface="Archivo ExtraBold" panose="020B0604020202020204" charset="0"/>
+                <a:cs typeface="Archivo ExtraBold" panose="020B0604020202020204" charset="0"/>
+              </a:rPr>
+              <a:t>chính</a:t>
+            </a:r>
+            <a:r>
+              <a:rPr lang="en-US" sz="1600" dirty="0" smtClean="0">
+                <a:latin typeface="Archivo ExtraBold" panose="020B0604020202020204" charset="0"/>
+                <a:cs typeface="Archivo ExtraBold" panose="020B0604020202020204" charset="0"/>
+              </a:rPr>
+              <a:t> xác trên tập test</a:t>
+            </a:r>
+          </a:p>
+          <a:p>
+            <a:pPr algn="l">
+              <a:spcBef>
+                <a:spcPts val="600"/>
+              </a:spcBef>
+            </a:pPr>
+            <a:endParaRPr lang="en-US" sz="1600" dirty="0">
+              <a:latin typeface="Archivo ExtraBold" panose="020B0604020202020204" charset="0"/>
+              <a:cs typeface="Archivo ExtraBold" panose="020B0604020202020204" charset="0"/>
+            </a:endParaRPr>
+          </a:p>
+          <a:p>
+            <a:pPr algn="l">
+              <a:spcBef>
+                <a:spcPts val="600"/>
+              </a:spcBef>
+            </a:pPr>
+            <a:endParaRPr lang="en-US" sz="1600" dirty="0">
+              <a:latin typeface="Archivo ExtraBold" panose="020B0604020202020204" charset="0"/>
+              <a:cs typeface="Archivo ExtraBold" panose="020B0604020202020204" charset="0"/>
+            </a:endParaRPr>
+          </a:p>
+          <a:p>
+            <a:pPr algn="l">
+              <a:spcBef>
+                <a:spcPts val="600"/>
+              </a:spcBef>
+            </a:pPr>
+            <a:endParaRPr lang="en-US" sz="1600" dirty="0" smtClean="0">
+              <a:latin typeface="Archivo ExtraBold" panose="020B0604020202020204" charset="0"/>
+              <a:cs typeface="Archivo ExtraBold" panose="020B0604020202020204" charset="0"/>
+            </a:endParaRPr>
+          </a:p>
+          <a:p>
+            <a:pPr algn="l">
+              <a:spcBef>
+                <a:spcPts val="600"/>
+              </a:spcBef>
+            </a:pPr>
+            <a:endParaRPr lang="en-US" sz="1600" dirty="0">
+              <a:latin typeface="Archivo ExtraBold" panose="020B0604020202020204" charset="0"/>
+              <a:cs typeface="Archivo ExtraBold" panose="020B0604020202020204" charset="0"/>
+            </a:endParaRPr>
+          </a:p>
+          <a:p>
+            <a:pPr algn="l">
+              <a:spcBef>
+                <a:spcPts val="600"/>
+              </a:spcBef>
+            </a:pPr>
+            <a:endParaRPr lang="en-US" sz="1600" dirty="0" smtClean="0">
+              <a:latin typeface="Archivo ExtraBold" panose="020B0604020202020204" charset="0"/>
+              <a:cs typeface="Archivo ExtraBold" panose="020B0604020202020204" charset="0"/>
+            </a:endParaRPr>
+          </a:p>
+          <a:p>
+            <a:pPr algn="l">
+              <a:spcBef>
+                <a:spcPts val="600"/>
+              </a:spcBef>
+            </a:pPr>
+            <a:endParaRPr lang="en-US" sz="1600" dirty="0">
+              <a:latin typeface="Archivo ExtraBold" panose="020B0604020202020204" charset="0"/>
+              <a:cs typeface="Archivo ExtraBold" panose="020B0604020202020204" charset="0"/>
+            </a:endParaRPr>
+          </a:p>
+          <a:p>
+            <a:pPr algn="l">
+              <a:spcBef>
+                <a:spcPts val="600"/>
+              </a:spcBef>
+            </a:pPr>
+            <a:endParaRPr lang="en-US" sz="1600" dirty="0" smtClean="0">
+              <a:latin typeface="Archivo ExtraBold" panose="020B0604020202020204" charset="0"/>
+              <a:cs typeface="Archivo ExtraBold" panose="020B0604020202020204" charset="0"/>
+            </a:endParaRPr>
+          </a:p>
+          <a:p>
+            <a:pPr algn="l">
+              <a:spcBef>
+                <a:spcPts val="600"/>
+              </a:spcBef>
+            </a:pPr>
+            <a:endParaRPr lang="en-US" sz="1600" dirty="0" smtClean="0">
+              <a:latin typeface="Archivo ExtraBold" panose="020B0604020202020204" charset="0"/>
+              <a:cs typeface="Archivo ExtraBold" panose="020B0604020202020204" charset="0"/>
+            </a:endParaRPr>
+          </a:p>
+        </p:txBody>
+      </p:sp>
+      <p:grpSp>
+        <p:nvGrpSpPr>
+          <p:cNvPr id="8" name="Google Shape;10876;p71"/>
+          <p:cNvGrpSpPr/>
+          <p:nvPr/>
+        </p:nvGrpSpPr>
+        <p:grpSpPr>
+          <a:xfrm>
+            <a:off x="7786286" y="968430"/>
+            <a:ext cx="591999" cy="498051"/>
+            <a:chOff x="3527780" y="2885263"/>
+            <a:chExt cx="347435" cy="345534"/>
+          </a:xfrm>
+        </p:grpSpPr>
+        <p:sp>
+          <p:nvSpPr>
+            <p:cNvPr id="10" name="Google Shape;10877;p71"/>
+            <p:cNvSpPr/>
+            <p:nvPr/>
+          </p:nvSpPr>
+          <p:spPr>
+            <a:xfrm>
+              <a:off x="3527780" y="2885263"/>
+              <a:ext cx="347435" cy="345534"/>
+            </a:xfrm>
+            <a:custGeom>
+              <a:avLst/>
+              <a:gdLst/>
+              <a:ahLst/>
+              <a:cxnLst/>
+              <a:rect l="l" t="t" r="r" b="b"/>
+              <a:pathLst>
+                <a:path w="10967" h="10907" extrusionOk="0">
+                  <a:moveTo>
+                    <a:pt x="3751" y="298"/>
+                  </a:moveTo>
+                  <a:cubicBezTo>
+                    <a:pt x="3811" y="298"/>
+                    <a:pt x="3847" y="345"/>
+                    <a:pt x="3847" y="405"/>
+                  </a:cubicBezTo>
+                  <a:cubicBezTo>
+                    <a:pt x="3847" y="464"/>
+                    <a:pt x="3811" y="512"/>
+                    <a:pt x="3751" y="512"/>
+                  </a:cubicBezTo>
+                  <a:cubicBezTo>
+                    <a:pt x="3692" y="512"/>
+                    <a:pt x="3644" y="464"/>
+                    <a:pt x="3644" y="405"/>
+                  </a:cubicBezTo>
+                  <a:cubicBezTo>
+                    <a:pt x="3656" y="345"/>
+                    <a:pt x="3704" y="298"/>
+                    <a:pt x="3751" y="298"/>
+                  </a:cubicBezTo>
+                  <a:close/>
+                  <a:moveTo>
+                    <a:pt x="5490" y="298"/>
+                  </a:moveTo>
+                  <a:cubicBezTo>
+                    <a:pt x="5549" y="298"/>
+                    <a:pt x="5597" y="345"/>
+                    <a:pt x="5597" y="405"/>
+                  </a:cubicBezTo>
+                  <a:cubicBezTo>
+                    <a:pt x="5597" y="464"/>
+                    <a:pt x="5549" y="512"/>
+                    <a:pt x="5490" y="512"/>
+                  </a:cubicBezTo>
+                  <a:cubicBezTo>
+                    <a:pt x="5430" y="512"/>
+                    <a:pt x="5382" y="464"/>
+                    <a:pt x="5382" y="405"/>
+                  </a:cubicBezTo>
+                  <a:cubicBezTo>
+                    <a:pt x="5382" y="345"/>
+                    <a:pt x="5430" y="298"/>
+                    <a:pt x="5490" y="298"/>
+                  </a:cubicBezTo>
+                  <a:close/>
+                  <a:moveTo>
+                    <a:pt x="7216" y="298"/>
+                  </a:moveTo>
+                  <a:cubicBezTo>
+                    <a:pt x="7276" y="298"/>
+                    <a:pt x="7323" y="345"/>
+                    <a:pt x="7323" y="405"/>
+                  </a:cubicBezTo>
+                  <a:cubicBezTo>
+                    <a:pt x="7323" y="464"/>
+                    <a:pt x="7276" y="512"/>
+                    <a:pt x="7216" y="512"/>
+                  </a:cubicBezTo>
+                  <a:cubicBezTo>
+                    <a:pt x="7156" y="512"/>
+                    <a:pt x="7109" y="464"/>
+                    <a:pt x="7109" y="405"/>
+                  </a:cubicBezTo>
+                  <a:cubicBezTo>
+                    <a:pt x="7109" y="345"/>
+                    <a:pt x="7156" y="298"/>
+                    <a:pt x="7216" y="298"/>
+                  </a:cubicBezTo>
+                  <a:close/>
+                  <a:moveTo>
+                    <a:pt x="394" y="3632"/>
+                  </a:moveTo>
+                  <a:cubicBezTo>
+                    <a:pt x="453" y="3632"/>
+                    <a:pt x="501" y="3679"/>
+                    <a:pt x="501" y="3739"/>
+                  </a:cubicBezTo>
+                  <a:cubicBezTo>
+                    <a:pt x="501" y="3798"/>
+                    <a:pt x="453" y="3846"/>
+                    <a:pt x="394" y="3846"/>
+                  </a:cubicBezTo>
+                  <a:cubicBezTo>
+                    <a:pt x="334" y="3846"/>
+                    <a:pt x="287" y="3798"/>
+                    <a:pt x="287" y="3739"/>
+                  </a:cubicBezTo>
+                  <a:cubicBezTo>
+                    <a:pt x="287" y="3679"/>
+                    <a:pt x="334" y="3632"/>
+                    <a:pt x="394" y="3632"/>
+                  </a:cubicBezTo>
+                  <a:close/>
+                  <a:moveTo>
+                    <a:pt x="10562" y="3655"/>
+                  </a:moveTo>
+                  <a:cubicBezTo>
+                    <a:pt x="10621" y="3655"/>
+                    <a:pt x="10669" y="3691"/>
+                    <a:pt x="10669" y="3763"/>
+                  </a:cubicBezTo>
+                  <a:cubicBezTo>
+                    <a:pt x="10669" y="3822"/>
+                    <a:pt x="10621" y="3858"/>
+                    <a:pt x="10562" y="3858"/>
+                  </a:cubicBezTo>
+                  <a:cubicBezTo>
+                    <a:pt x="10502" y="3858"/>
+                    <a:pt x="10454" y="3822"/>
+                    <a:pt x="10454" y="3763"/>
+                  </a:cubicBezTo>
+                  <a:cubicBezTo>
+                    <a:pt x="10454" y="3691"/>
+                    <a:pt x="10502" y="3655"/>
+                    <a:pt x="10562" y="3655"/>
+                  </a:cubicBezTo>
+                  <a:close/>
+                  <a:moveTo>
+                    <a:pt x="394" y="5382"/>
+                  </a:moveTo>
+                  <a:cubicBezTo>
+                    <a:pt x="453" y="5382"/>
+                    <a:pt x="501" y="5417"/>
+                    <a:pt x="501" y="5477"/>
+                  </a:cubicBezTo>
+                  <a:cubicBezTo>
+                    <a:pt x="501" y="5548"/>
+                    <a:pt x="453" y="5584"/>
+                    <a:pt x="394" y="5584"/>
+                  </a:cubicBezTo>
+                  <a:cubicBezTo>
+                    <a:pt x="334" y="5584"/>
+                    <a:pt x="287" y="5548"/>
+                    <a:pt x="287" y="5477"/>
+                  </a:cubicBezTo>
+                  <a:cubicBezTo>
+                    <a:pt x="287" y="5417"/>
+                    <a:pt x="334" y="5382"/>
+                    <a:pt x="394" y="5382"/>
+                  </a:cubicBezTo>
+                  <a:close/>
+                  <a:moveTo>
+                    <a:pt x="10562" y="5382"/>
+                  </a:moveTo>
+                  <a:cubicBezTo>
+                    <a:pt x="10621" y="5382"/>
+                    <a:pt x="10669" y="5429"/>
+                    <a:pt x="10669" y="5489"/>
+                  </a:cubicBezTo>
+                  <a:cubicBezTo>
+                    <a:pt x="10669" y="5548"/>
+                    <a:pt x="10621" y="5584"/>
+                    <a:pt x="10562" y="5584"/>
+                  </a:cubicBezTo>
+                  <a:cubicBezTo>
+                    <a:pt x="10502" y="5584"/>
+                    <a:pt x="10454" y="5548"/>
+                    <a:pt x="10454" y="5489"/>
+                  </a:cubicBezTo>
+                  <a:cubicBezTo>
+                    <a:pt x="10454" y="5429"/>
+                    <a:pt x="10502" y="5382"/>
+                    <a:pt x="10562" y="5382"/>
+                  </a:cubicBezTo>
+                  <a:close/>
+                  <a:moveTo>
+                    <a:pt x="394" y="7108"/>
+                  </a:moveTo>
+                  <a:cubicBezTo>
+                    <a:pt x="453" y="7108"/>
+                    <a:pt x="501" y="7144"/>
+                    <a:pt x="501" y="7215"/>
+                  </a:cubicBezTo>
+                  <a:cubicBezTo>
+                    <a:pt x="501" y="7275"/>
+                    <a:pt x="453" y="7311"/>
+                    <a:pt x="394" y="7311"/>
+                  </a:cubicBezTo>
+                  <a:cubicBezTo>
+                    <a:pt x="334" y="7311"/>
+                    <a:pt x="287" y="7275"/>
+                    <a:pt x="287" y="7215"/>
+                  </a:cubicBezTo>
+                  <a:cubicBezTo>
+                    <a:pt x="287" y="7144"/>
+                    <a:pt x="334" y="7108"/>
+                    <a:pt x="394" y="7108"/>
+                  </a:cubicBezTo>
+                  <a:close/>
+                  <a:moveTo>
+                    <a:pt x="10562" y="7120"/>
+                  </a:moveTo>
+                  <a:cubicBezTo>
+                    <a:pt x="10621" y="7120"/>
+                    <a:pt x="10669" y="7168"/>
+                    <a:pt x="10669" y="7227"/>
+                  </a:cubicBezTo>
+                  <a:cubicBezTo>
+                    <a:pt x="10669" y="7287"/>
+                    <a:pt x="10621" y="7334"/>
+                    <a:pt x="10562" y="7334"/>
+                  </a:cubicBezTo>
+                  <a:cubicBezTo>
+                    <a:pt x="10502" y="7334"/>
+                    <a:pt x="10454" y="7287"/>
+                    <a:pt x="10454" y="7227"/>
+                  </a:cubicBezTo>
+                  <a:cubicBezTo>
+                    <a:pt x="10454" y="7168"/>
+                    <a:pt x="10502" y="7120"/>
+                    <a:pt x="10562" y="7120"/>
+                  </a:cubicBezTo>
+                  <a:close/>
+                  <a:moveTo>
+                    <a:pt x="3751" y="10454"/>
+                  </a:moveTo>
+                  <a:cubicBezTo>
+                    <a:pt x="3811" y="10454"/>
+                    <a:pt x="3847" y="10501"/>
+                    <a:pt x="3847" y="10561"/>
+                  </a:cubicBezTo>
+                  <a:cubicBezTo>
+                    <a:pt x="3847" y="10621"/>
+                    <a:pt x="3811" y="10668"/>
+                    <a:pt x="3751" y="10668"/>
+                  </a:cubicBezTo>
+                  <a:cubicBezTo>
+                    <a:pt x="3692" y="10668"/>
+                    <a:pt x="3644" y="10621"/>
+                    <a:pt x="3644" y="10561"/>
+                  </a:cubicBezTo>
+                  <a:cubicBezTo>
+                    <a:pt x="3644" y="10501"/>
+                    <a:pt x="3680" y="10454"/>
+                    <a:pt x="3751" y="10454"/>
+                  </a:cubicBezTo>
+                  <a:close/>
+                  <a:moveTo>
+                    <a:pt x="5490" y="10454"/>
+                  </a:moveTo>
+                  <a:cubicBezTo>
+                    <a:pt x="5549" y="10454"/>
+                    <a:pt x="5597" y="10501"/>
+                    <a:pt x="5597" y="10561"/>
+                  </a:cubicBezTo>
+                  <a:cubicBezTo>
+                    <a:pt x="5597" y="10621"/>
+                    <a:pt x="5537" y="10668"/>
+                    <a:pt x="5490" y="10668"/>
+                  </a:cubicBezTo>
+                  <a:cubicBezTo>
+                    <a:pt x="5430" y="10668"/>
+                    <a:pt x="5382" y="10621"/>
+                    <a:pt x="5382" y="10561"/>
+                  </a:cubicBezTo>
+                  <a:cubicBezTo>
+                    <a:pt x="5382" y="10501"/>
+                    <a:pt x="5430" y="10454"/>
+                    <a:pt x="5490" y="10454"/>
+                  </a:cubicBezTo>
+                  <a:close/>
+                  <a:moveTo>
+                    <a:pt x="7216" y="10454"/>
+                  </a:moveTo>
+                  <a:cubicBezTo>
+                    <a:pt x="7276" y="10454"/>
+                    <a:pt x="7323" y="10501"/>
+                    <a:pt x="7323" y="10561"/>
+                  </a:cubicBezTo>
+                  <a:cubicBezTo>
+                    <a:pt x="7323" y="10621"/>
+                    <a:pt x="7276" y="10668"/>
+                    <a:pt x="7216" y="10668"/>
+                  </a:cubicBezTo>
+                  <a:cubicBezTo>
+                    <a:pt x="7156" y="10668"/>
+                    <a:pt x="7109" y="10621"/>
+                    <a:pt x="7109" y="10561"/>
+                  </a:cubicBezTo>
+                  <a:cubicBezTo>
+                    <a:pt x="7109" y="10501"/>
+                    <a:pt x="7156" y="10454"/>
+                    <a:pt x="7216" y="10454"/>
+                  </a:cubicBezTo>
+                  <a:close/>
+                  <a:moveTo>
+                    <a:pt x="3811" y="0"/>
+                  </a:moveTo>
+                  <a:cubicBezTo>
+                    <a:pt x="3561" y="0"/>
+                    <a:pt x="3394" y="203"/>
+                    <a:pt x="3394" y="417"/>
+                  </a:cubicBezTo>
+                  <a:cubicBezTo>
+                    <a:pt x="3394" y="595"/>
+                    <a:pt x="3489" y="750"/>
+                    <a:pt x="3656" y="810"/>
+                  </a:cubicBezTo>
+                  <a:lnTo>
+                    <a:pt x="3656" y="1738"/>
+                  </a:lnTo>
+                  <a:lnTo>
+                    <a:pt x="1965" y="1738"/>
+                  </a:lnTo>
+                  <a:cubicBezTo>
+                    <a:pt x="1870" y="1738"/>
+                    <a:pt x="1799" y="1810"/>
+                    <a:pt x="1799" y="1893"/>
+                  </a:cubicBezTo>
+                  <a:lnTo>
+                    <a:pt x="1799" y="3596"/>
+                  </a:lnTo>
+                  <a:lnTo>
+                    <a:pt x="799" y="3596"/>
+                  </a:lnTo>
+                  <a:cubicBezTo>
+                    <a:pt x="739" y="3441"/>
+                    <a:pt x="596" y="3322"/>
+                    <a:pt x="418" y="3322"/>
+                  </a:cubicBezTo>
+                  <a:cubicBezTo>
+                    <a:pt x="179" y="3322"/>
+                    <a:pt x="1" y="3524"/>
+                    <a:pt x="1" y="3739"/>
+                  </a:cubicBezTo>
+                  <a:cubicBezTo>
+                    <a:pt x="1" y="3977"/>
+                    <a:pt x="191" y="4155"/>
+                    <a:pt x="418" y="4155"/>
+                  </a:cubicBezTo>
+                  <a:cubicBezTo>
+                    <a:pt x="596" y="4155"/>
+                    <a:pt x="739" y="4048"/>
+                    <a:pt x="799" y="3893"/>
+                  </a:cubicBezTo>
+                  <a:lnTo>
+                    <a:pt x="1727" y="3893"/>
+                  </a:lnTo>
+                  <a:lnTo>
+                    <a:pt x="1727" y="5310"/>
+                  </a:lnTo>
+                  <a:lnTo>
+                    <a:pt x="799" y="5310"/>
+                  </a:lnTo>
+                  <a:cubicBezTo>
+                    <a:pt x="739" y="5156"/>
+                    <a:pt x="596" y="5036"/>
+                    <a:pt x="418" y="5036"/>
+                  </a:cubicBezTo>
+                  <a:cubicBezTo>
+                    <a:pt x="179" y="5036"/>
+                    <a:pt x="1" y="5227"/>
+                    <a:pt x="1" y="5453"/>
+                  </a:cubicBezTo>
+                  <a:cubicBezTo>
+                    <a:pt x="1" y="5691"/>
+                    <a:pt x="191" y="5870"/>
+                    <a:pt x="418" y="5870"/>
+                  </a:cubicBezTo>
+                  <a:cubicBezTo>
+                    <a:pt x="596" y="5870"/>
+                    <a:pt x="739" y="5763"/>
+                    <a:pt x="799" y="5608"/>
+                  </a:cubicBezTo>
+                  <a:lnTo>
+                    <a:pt x="1727" y="5608"/>
+                  </a:lnTo>
+                  <a:lnTo>
+                    <a:pt x="1727" y="7013"/>
+                  </a:lnTo>
+                  <a:lnTo>
+                    <a:pt x="799" y="7013"/>
+                  </a:lnTo>
+                  <a:cubicBezTo>
+                    <a:pt x="739" y="6870"/>
+                    <a:pt x="596" y="6751"/>
+                    <a:pt x="418" y="6751"/>
+                  </a:cubicBezTo>
+                  <a:cubicBezTo>
+                    <a:pt x="179" y="6751"/>
+                    <a:pt x="1" y="6941"/>
+                    <a:pt x="1" y="7168"/>
+                  </a:cubicBezTo>
+                  <a:cubicBezTo>
+                    <a:pt x="1" y="7406"/>
+                    <a:pt x="191" y="7584"/>
+                    <a:pt x="418" y="7584"/>
+                  </a:cubicBezTo>
+                  <a:cubicBezTo>
+                    <a:pt x="596" y="7584"/>
+                    <a:pt x="739" y="7477"/>
+                    <a:pt x="799" y="7311"/>
+                  </a:cubicBezTo>
+                  <a:lnTo>
+                    <a:pt x="1727" y="7311"/>
+                  </a:lnTo>
+                  <a:lnTo>
+                    <a:pt x="1727" y="9013"/>
+                  </a:lnTo>
+                  <a:cubicBezTo>
+                    <a:pt x="1727" y="9097"/>
+                    <a:pt x="1799" y="9180"/>
+                    <a:pt x="1882" y="9180"/>
+                  </a:cubicBezTo>
+                  <a:lnTo>
+                    <a:pt x="3585" y="9180"/>
+                  </a:lnTo>
+                  <a:lnTo>
+                    <a:pt x="3585" y="10097"/>
+                  </a:lnTo>
+                  <a:cubicBezTo>
+                    <a:pt x="3430" y="10156"/>
+                    <a:pt x="3311" y="10311"/>
+                    <a:pt x="3311" y="10490"/>
+                  </a:cubicBezTo>
+                  <a:cubicBezTo>
+                    <a:pt x="3311" y="10728"/>
+                    <a:pt x="3513" y="10906"/>
+                    <a:pt x="3727" y="10906"/>
+                  </a:cubicBezTo>
+                  <a:cubicBezTo>
+                    <a:pt x="3966" y="10906"/>
+                    <a:pt x="4144" y="10704"/>
+                    <a:pt x="4144" y="10490"/>
+                  </a:cubicBezTo>
+                  <a:cubicBezTo>
+                    <a:pt x="4144" y="10311"/>
+                    <a:pt x="4049" y="10156"/>
+                    <a:pt x="3882" y="10097"/>
+                  </a:cubicBezTo>
+                  <a:lnTo>
+                    <a:pt x="3882" y="9180"/>
+                  </a:lnTo>
+                  <a:lnTo>
+                    <a:pt x="5299" y="9180"/>
+                  </a:lnTo>
+                  <a:lnTo>
+                    <a:pt x="5299" y="10097"/>
+                  </a:lnTo>
+                  <a:cubicBezTo>
+                    <a:pt x="5144" y="10156"/>
+                    <a:pt x="5025" y="10311"/>
+                    <a:pt x="5025" y="10490"/>
+                  </a:cubicBezTo>
+                  <a:cubicBezTo>
+                    <a:pt x="5025" y="10728"/>
+                    <a:pt x="5216" y="10906"/>
+                    <a:pt x="5442" y="10906"/>
+                  </a:cubicBezTo>
+                  <a:cubicBezTo>
+                    <a:pt x="5680" y="10906"/>
+                    <a:pt x="5859" y="10704"/>
+                    <a:pt x="5859" y="10490"/>
+                  </a:cubicBezTo>
+                  <a:cubicBezTo>
+                    <a:pt x="5859" y="10311"/>
+                    <a:pt x="5752" y="10156"/>
+                    <a:pt x="5597" y="10097"/>
+                  </a:cubicBezTo>
+                  <a:lnTo>
+                    <a:pt x="5597" y="9180"/>
+                  </a:lnTo>
+                  <a:lnTo>
+                    <a:pt x="7002" y="9180"/>
+                  </a:lnTo>
+                  <a:lnTo>
+                    <a:pt x="7002" y="10097"/>
+                  </a:lnTo>
+                  <a:cubicBezTo>
+                    <a:pt x="6859" y="10156"/>
+                    <a:pt x="6740" y="10311"/>
+                    <a:pt x="6740" y="10490"/>
+                  </a:cubicBezTo>
+                  <a:cubicBezTo>
+                    <a:pt x="6740" y="10728"/>
+                    <a:pt x="6930" y="10906"/>
+                    <a:pt x="7156" y="10906"/>
+                  </a:cubicBezTo>
+                  <a:cubicBezTo>
+                    <a:pt x="7383" y="10906"/>
+                    <a:pt x="7573" y="10704"/>
+                    <a:pt x="7573" y="10490"/>
+                  </a:cubicBezTo>
+                  <a:cubicBezTo>
+                    <a:pt x="7573" y="10311"/>
+                    <a:pt x="7466" y="10156"/>
+                    <a:pt x="7299" y="10097"/>
+                  </a:cubicBezTo>
+                  <a:lnTo>
+                    <a:pt x="7299" y="9180"/>
+                  </a:lnTo>
+                  <a:lnTo>
+                    <a:pt x="9002" y="9180"/>
+                  </a:lnTo>
+                  <a:cubicBezTo>
+                    <a:pt x="9085" y="9180"/>
+                    <a:pt x="9169" y="9097"/>
+                    <a:pt x="9169" y="9013"/>
+                  </a:cubicBezTo>
+                  <a:lnTo>
+                    <a:pt x="9169" y="7311"/>
+                  </a:lnTo>
+                  <a:lnTo>
+                    <a:pt x="10085" y="7311"/>
+                  </a:lnTo>
+                  <a:cubicBezTo>
+                    <a:pt x="10145" y="7465"/>
+                    <a:pt x="10300" y="7584"/>
+                    <a:pt x="10478" y="7584"/>
+                  </a:cubicBezTo>
+                  <a:cubicBezTo>
+                    <a:pt x="10716" y="7584"/>
+                    <a:pt x="10895" y="7394"/>
+                    <a:pt x="10895" y="7168"/>
+                  </a:cubicBezTo>
+                  <a:cubicBezTo>
+                    <a:pt x="10895" y="6930"/>
+                    <a:pt x="10693" y="6751"/>
+                    <a:pt x="10478" y="6751"/>
+                  </a:cubicBezTo>
+                  <a:cubicBezTo>
+                    <a:pt x="10300" y="6751"/>
+                    <a:pt x="10145" y="6858"/>
+                    <a:pt x="10085" y="7013"/>
+                  </a:cubicBezTo>
+                  <a:lnTo>
+                    <a:pt x="9169" y="7013"/>
+                  </a:lnTo>
+                  <a:lnTo>
+                    <a:pt x="9240" y="5644"/>
+                  </a:lnTo>
+                  <a:lnTo>
+                    <a:pt x="10157" y="5644"/>
+                  </a:lnTo>
+                  <a:cubicBezTo>
+                    <a:pt x="10216" y="5798"/>
+                    <a:pt x="10371" y="5918"/>
+                    <a:pt x="10550" y="5918"/>
+                  </a:cubicBezTo>
+                  <a:cubicBezTo>
+                    <a:pt x="10788" y="5918"/>
+                    <a:pt x="10966" y="5727"/>
+                    <a:pt x="10966" y="5501"/>
+                  </a:cubicBezTo>
+                  <a:cubicBezTo>
+                    <a:pt x="10966" y="5263"/>
+                    <a:pt x="10776" y="5084"/>
+                    <a:pt x="10550" y="5084"/>
+                  </a:cubicBezTo>
+                  <a:cubicBezTo>
+                    <a:pt x="10371" y="5084"/>
+                    <a:pt x="10216" y="5191"/>
+                    <a:pt x="10157" y="5346"/>
+                  </a:cubicBezTo>
+                  <a:lnTo>
+                    <a:pt x="9240" y="5346"/>
+                  </a:lnTo>
+                  <a:lnTo>
+                    <a:pt x="9240" y="3905"/>
+                  </a:lnTo>
+                  <a:lnTo>
+                    <a:pt x="10157" y="3905"/>
+                  </a:lnTo>
+                  <a:cubicBezTo>
+                    <a:pt x="10216" y="4060"/>
+                    <a:pt x="10371" y="4179"/>
+                    <a:pt x="10550" y="4179"/>
+                  </a:cubicBezTo>
+                  <a:cubicBezTo>
+                    <a:pt x="10788" y="4179"/>
+                    <a:pt x="10966" y="3977"/>
+                    <a:pt x="10966" y="3763"/>
+                  </a:cubicBezTo>
+                  <a:cubicBezTo>
+                    <a:pt x="10966" y="3524"/>
+                    <a:pt x="10776" y="3346"/>
+                    <a:pt x="10550" y="3346"/>
+                  </a:cubicBezTo>
+                  <a:cubicBezTo>
+                    <a:pt x="10371" y="3346"/>
+                    <a:pt x="10216" y="3441"/>
+                    <a:pt x="10157" y="3608"/>
+                  </a:cubicBezTo>
+                  <a:lnTo>
+                    <a:pt x="9240" y="3608"/>
+                  </a:lnTo>
+                  <a:lnTo>
+                    <a:pt x="9240" y="1917"/>
+                  </a:lnTo>
+                  <a:cubicBezTo>
+                    <a:pt x="9240" y="1822"/>
+                    <a:pt x="9169" y="1750"/>
+                    <a:pt x="9073" y="1750"/>
+                  </a:cubicBezTo>
+                  <a:lnTo>
+                    <a:pt x="8395" y="1750"/>
+                  </a:lnTo>
+                  <a:cubicBezTo>
+                    <a:pt x="8299" y="1750"/>
+                    <a:pt x="8228" y="1822"/>
+                    <a:pt x="8228" y="1917"/>
+                  </a:cubicBezTo>
+                  <a:cubicBezTo>
+                    <a:pt x="8228" y="2000"/>
+                    <a:pt x="8299" y="2072"/>
+                    <a:pt x="8395" y="2072"/>
+                  </a:cubicBezTo>
+                  <a:lnTo>
+                    <a:pt x="8930" y="2072"/>
+                  </a:lnTo>
+                  <a:lnTo>
+                    <a:pt x="8930" y="3763"/>
+                  </a:lnTo>
+                  <a:lnTo>
+                    <a:pt x="8930" y="5489"/>
+                  </a:lnTo>
+                  <a:lnTo>
+                    <a:pt x="8930" y="7215"/>
+                  </a:lnTo>
+                  <a:lnTo>
+                    <a:pt x="8930" y="8906"/>
+                  </a:lnTo>
+                  <a:lnTo>
+                    <a:pt x="2049" y="8906"/>
+                  </a:lnTo>
+                  <a:lnTo>
+                    <a:pt x="2049" y="7215"/>
+                  </a:lnTo>
+                  <a:lnTo>
+                    <a:pt x="2049" y="5489"/>
+                  </a:lnTo>
+                  <a:lnTo>
+                    <a:pt x="2049" y="3763"/>
+                  </a:lnTo>
+                  <a:lnTo>
+                    <a:pt x="2049" y="2060"/>
+                  </a:lnTo>
+                  <a:lnTo>
+                    <a:pt x="7752" y="2060"/>
+                  </a:lnTo>
+                  <a:cubicBezTo>
+                    <a:pt x="7835" y="2060"/>
+                    <a:pt x="7918" y="1988"/>
+                    <a:pt x="7918" y="1893"/>
+                  </a:cubicBezTo>
+                  <a:cubicBezTo>
+                    <a:pt x="7918" y="1810"/>
+                    <a:pt x="7835" y="1738"/>
+                    <a:pt x="7752" y="1738"/>
+                  </a:cubicBezTo>
+                  <a:lnTo>
+                    <a:pt x="7383" y="1738"/>
+                  </a:lnTo>
+                  <a:lnTo>
+                    <a:pt x="7383" y="810"/>
+                  </a:lnTo>
+                  <a:cubicBezTo>
+                    <a:pt x="7526" y="750"/>
+                    <a:pt x="7645" y="595"/>
+                    <a:pt x="7645" y="417"/>
+                  </a:cubicBezTo>
+                  <a:cubicBezTo>
+                    <a:pt x="7645" y="179"/>
+                    <a:pt x="7454" y="0"/>
+                    <a:pt x="7228" y="0"/>
+                  </a:cubicBezTo>
+                  <a:cubicBezTo>
+                    <a:pt x="6990" y="0"/>
+                    <a:pt x="6811" y="203"/>
+                    <a:pt x="6811" y="417"/>
+                  </a:cubicBezTo>
+                  <a:cubicBezTo>
+                    <a:pt x="6811" y="595"/>
+                    <a:pt x="6918" y="750"/>
+                    <a:pt x="7085" y="810"/>
+                  </a:cubicBezTo>
+                  <a:lnTo>
+                    <a:pt x="7085" y="1738"/>
+                  </a:lnTo>
+                  <a:lnTo>
+                    <a:pt x="5668" y="1738"/>
+                  </a:lnTo>
+                  <a:lnTo>
+                    <a:pt x="5668" y="810"/>
+                  </a:lnTo>
+                  <a:cubicBezTo>
+                    <a:pt x="5811" y="750"/>
+                    <a:pt x="5930" y="595"/>
+                    <a:pt x="5930" y="417"/>
+                  </a:cubicBezTo>
+                  <a:cubicBezTo>
+                    <a:pt x="5930" y="179"/>
+                    <a:pt x="5740" y="0"/>
+                    <a:pt x="5513" y="0"/>
+                  </a:cubicBezTo>
+                  <a:cubicBezTo>
+                    <a:pt x="5275" y="0"/>
+                    <a:pt x="5097" y="203"/>
+                    <a:pt x="5097" y="417"/>
+                  </a:cubicBezTo>
+                  <a:cubicBezTo>
+                    <a:pt x="5097" y="595"/>
+                    <a:pt x="5204" y="750"/>
+                    <a:pt x="5371" y="810"/>
+                  </a:cubicBezTo>
+                  <a:lnTo>
+                    <a:pt x="5371" y="1738"/>
+                  </a:lnTo>
+                  <a:lnTo>
+                    <a:pt x="3954" y="1738"/>
+                  </a:lnTo>
+                  <a:lnTo>
+                    <a:pt x="3954" y="810"/>
+                  </a:lnTo>
+                  <a:cubicBezTo>
+                    <a:pt x="4108" y="750"/>
+                    <a:pt x="4216" y="595"/>
+                    <a:pt x="4216" y="417"/>
+                  </a:cubicBezTo>
+                  <a:cubicBezTo>
+                    <a:pt x="4216" y="179"/>
+                    <a:pt x="4025" y="0"/>
+                    <a:pt x="3811" y="0"/>
+                  </a:cubicBezTo>
+                  <a:close/>
+                </a:path>
+              </a:pathLst>
+            </a:custGeom>
+            <a:solidFill>
+              <a:srgbClr val="657E93"/>
+            </a:solidFill>
+            <a:ln>
+              <a:noFill/>
+            </a:ln>
+          </p:spPr>
+          <p:txBody>
+            <a:bodyPr spcFirstLastPara="1" wrap="square" lIns="91425" tIns="91425" rIns="91425" bIns="91425" anchor="ctr" anchorCtr="0">
+              <a:noAutofit/>
+            </a:bodyPr>
+            <a:lstStyle/>
+            <a:p>
+              <a:pPr marL="0" lvl="0" indent="0" algn="l" rtl="0">
+                <a:spcBef>
+                  <a:spcPts val="0"/>
+                </a:spcBef>
+                <a:spcAft>
+                  <a:spcPts val="0"/>
+                </a:spcAft>
+                <a:buNone/>
+              </a:pPr>
+              <a:endParaRPr/>
+            </a:p>
+          </p:txBody>
+        </p:sp>
+        <p:sp>
+          <p:nvSpPr>
+            <p:cNvPr id="11" name="Google Shape;10878;p71"/>
+            <p:cNvSpPr/>
+            <p:nvPr/>
+          </p:nvSpPr>
+          <p:spPr>
+            <a:xfrm>
+              <a:off x="3599440" y="2956543"/>
+              <a:ext cx="204494" cy="204843"/>
+            </a:xfrm>
+            <a:custGeom>
+              <a:avLst/>
+              <a:gdLst/>
+              <a:ahLst/>
+              <a:cxnLst/>
+              <a:rect l="l" t="t" r="r" b="b"/>
+              <a:pathLst>
+                <a:path w="6455" h="6466" extrusionOk="0">
+                  <a:moveTo>
+                    <a:pt x="156" y="0"/>
+                  </a:moveTo>
+                  <a:cubicBezTo>
+                    <a:pt x="72" y="0"/>
+                    <a:pt x="1" y="84"/>
+                    <a:pt x="1" y="167"/>
+                  </a:cubicBezTo>
+                  <a:lnTo>
+                    <a:pt x="1" y="4644"/>
+                  </a:lnTo>
+                  <a:cubicBezTo>
+                    <a:pt x="1" y="4739"/>
+                    <a:pt x="72" y="4811"/>
+                    <a:pt x="156" y="4811"/>
+                  </a:cubicBezTo>
+                  <a:cubicBezTo>
+                    <a:pt x="251" y="4811"/>
+                    <a:pt x="322" y="4739"/>
+                    <a:pt x="322" y="4644"/>
+                  </a:cubicBezTo>
+                  <a:lnTo>
+                    <a:pt x="322" y="334"/>
+                  </a:lnTo>
+                  <a:lnTo>
+                    <a:pt x="6133" y="334"/>
+                  </a:lnTo>
+                  <a:lnTo>
+                    <a:pt x="6133" y="6132"/>
+                  </a:lnTo>
+                  <a:lnTo>
+                    <a:pt x="322" y="6132"/>
+                  </a:lnTo>
+                  <a:lnTo>
+                    <a:pt x="322" y="5287"/>
+                  </a:lnTo>
+                  <a:cubicBezTo>
+                    <a:pt x="322" y="5203"/>
+                    <a:pt x="251" y="5120"/>
+                    <a:pt x="156" y="5120"/>
+                  </a:cubicBezTo>
+                  <a:cubicBezTo>
+                    <a:pt x="72" y="5120"/>
+                    <a:pt x="1" y="5203"/>
+                    <a:pt x="1" y="5287"/>
+                  </a:cubicBezTo>
+                  <a:lnTo>
+                    <a:pt x="1" y="6299"/>
+                  </a:lnTo>
+                  <a:cubicBezTo>
+                    <a:pt x="1" y="6394"/>
+                    <a:pt x="72" y="6466"/>
+                    <a:pt x="156" y="6466"/>
+                  </a:cubicBezTo>
+                  <a:lnTo>
+                    <a:pt x="6287" y="6466"/>
+                  </a:lnTo>
+                  <a:cubicBezTo>
+                    <a:pt x="6383" y="6466"/>
+                    <a:pt x="6454" y="6394"/>
+                    <a:pt x="6454" y="6299"/>
+                  </a:cubicBezTo>
+                  <a:lnTo>
+                    <a:pt x="6454" y="167"/>
+                  </a:lnTo>
+                  <a:cubicBezTo>
+                    <a:pt x="6442" y="84"/>
+                    <a:pt x="6383" y="0"/>
+                    <a:pt x="6287" y="0"/>
+                  </a:cubicBezTo>
+                  <a:close/>
+                </a:path>
+              </a:pathLst>
+            </a:custGeom>
+            <a:solidFill>
+              <a:srgbClr val="657E93"/>
+            </a:solidFill>
+            <a:ln>
+              <a:noFill/>
+            </a:ln>
+          </p:spPr>
+          <p:txBody>
+            <a:bodyPr spcFirstLastPara="1" wrap="square" lIns="91425" tIns="91425" rIns="91425" bIns="91425" anchor="ctr" anchorCtr="0">
+              <a:noAutofit/>
+            </a:bodyPr>
+            <a:lstStyle/>
+            <a:p>
+              <a:pPr marL="0" lvl="0" indent="0" algn="l" rtl="0">
+                <a:spcBef>
+                  <a:spcPts val="0"/>
+                </a:spcBef>
+                <a:spcAft>
+                  <a:spcPts val="0"/>
+                </a:spcAft>
+                <a:buNone/>
+              </a:pPr>
+              <a:endParaRPr/>
+            </a:p>
+          </p:txBody>
+        </p:sp>
+        <p:sp>
+          <p:nvSpPr>
+            <p:cNvPr id="12" name="Google Shape;10879;p71"/>
+            <p:cNvSpPr/>
+            <p:nvPr/>
+          </p:nvSpPr>
+          <p:spPr>
+            <a:xfrm>
+              <a:off x="3661691" y="3018763"/>
+              <a:ext cx="79992" cy="80372"/>
+            </a:xfrm>
+            <a:custGeom>
+              <a:avLst/>
+              <a:gdLst/>
+              <a:ahLst/>
+              <a:cxnLst/>
+              <a:rect l="l" t="t" r="r" b="b"/>
+              <a:pathLst>
+                <a:path w="2525" h="2537" extrusionOk="0">
+                  <a:moveTo>
+                    <a:pt x="155" y="1"/>
+                  </a:moveTo>
+                  <a:cubicBezTo>
+                    <a:pt x="72" y="1"/>
+                    <a:pt x="1" y="84"/>
+                    <a:pt x="1" y="168"/>
+                  </a:cubicBezTo>
+                  <a:lnTo>
+                    <a:pt x="1" y="2370"/>
+                  </a:lnTo>
+                  <a:cubicBezTo>
+                    <a:pt x="1" y="2466"/>
+                    <a:pt x="72" y="2537"/>
+                    <a:pt x="155" y="2537"/>
+                  </a:cubicBezTo>
+                  <a:lnTo>
+                    <a:pt x="1013" y="2537"/>
+                  </a:lnTo>
+                  <a:cubicBezTo>
+                    <a:pt x="1096" y="2537"/>
+                    <a:pt x="1167" y="2466"/>
+                    <a:pt x="1167" y="2370"/>
+                  </a:cubicBezTo>
+                  <a:cubicBezTo>
+                    <a:pt x="1167" y="2287"/>
+                    <a:pt x="1096" y="2204"/>
+                    <a:pt x="1013" y="2204"/>
+                  </a:cubicBezTo>
+                  <a:lnTo>
+                    <a:pt x="322" y="2204"/>
+                  </a:lnTo>
+                  <a:lnTo>
+                    <a:pt x="322" y="322"/>
+                  </a:lnTo>
+                  <a:lnTo>
+                    <a:pt x="2215" y="322"/>
+                  </a:lnTo>
+                  <a:lnTo>
+                    <a:pt x="2215" y="2204"/>
+                  </a:lnTo>
+                  <a:lnTo>
+                    <a:pt x="1632" y="2204"/>
+                  </a:lnTo>
+                  <a:cubicBezTo>
+                    <a:pt x="1548" y="2204"/>
+                    <a:pt x="1465" y="2287"/>
+                    <a:pt x="1465" y="2370"/>
+                  </a:cubicBezTo>
+                  <a:cubicBezTo>
+                    <a:pt x="1465" y="2466"/>
+                    <a:pt x="1548" y="2537"/>
+                    <a:pt x="1632" y="2537"/>
+                  </a:cubicBezTo>
+                  <a:lnTo>
+                    <a:pt x="2346" y="2537"/>
+                  </a:lnTo>
+                  <a:cubicBezTo>
+                    <a:pt x="2441" y="2537"/>
+                    <a:pt x="2513" y="2466"/>
+                    <a:pt x="2513" y="2370"/>
+                  </a:cubicBezTo>
+                  <a:lnTo>
+                    <a:pt x="2513" y="168"/>
+                  </a:lnTo>
+                  <a:cubicBezTo>
+                    <a:pt x="2525" y="84"/>
+                    <a:pt x="2453" y="1"/>
+                    <a:pt x="2358" y="1"/>
+                  </a:cubicBezTo>
+                  <a:close/>
+                </a:path>
+              </a:pathLst>
+            </a:custGeom>
+            <a:solidFill>
+              <a:srgbClr val="657E93"/>
+            </a:solidFill>
+            <a:ln>
+              <a:noFill/>
+            </a:ln>
+          </p:spPr>
+          <p:txBody>
+            <a:bodyPr spcFirstLastPara="1" wrap="square" lIns="91425" tIns="91425" rIns="91425" bIns="91425" anchor="ctr" anchorCtr="0">
+              <a:noAutofit/>
+            </a:bodyPr>
+            <a:lstStyle/>
+            <a:p>
+              <a:pPr marL="0" lvl="0" indent="0" algn="l" rtl="0">
+                <a:spcBef>
+                  <a:spcPts val="0"/>
+                </a:spcBef>
+                <a:spcAft>
+                  <a:spcPts val="0"/>
+                </a:spcAft>
+                <a:buNone/>
+              </a:pPr>
+              <a:endParaRPr/>
+            </a:p>
+          </p:txBody>
+        </p:sp>
+        <p:sp>
+          <p:nvSpPr>
+            <p:cNvPr id="13" name="Google Shape;10880;p71"/>
+            <p:cNvSpPr/>
+            <p:nvPr/>
+          </p:nvSpPr>
+          <p:spPr>
+            <a:xfrm>
+              <a:off x="3625101" y="2982552"/>
+              <a:ext cx="18501" cy="18533"/>
+            </a:xfrm>
+            <a:custGeom>
+              <a:avLst/>
+              <a:gdLst/>
+              <a:ahLst/>
+              <a:cxnLst/>
+              <a:rect l="l" t="t" r="r" b="b"/>
+              <a:pathLst>
+                <a:path w="584" h="585" extrusionOk="0">
+                  <a:moveTo>
+                    <a:pt x="167" y="1"/>
+                  </a:moveTo>
+                  <a:cubicBezTo>
+                    <a:pt x="84" y="1"/>
+                    <a:pt x="1" y="72"/>
+                    <a:pt x="1" y="168"/>
+                  </a:cubicBezTo>
+                  <a:lnTo>
+                    <a:pt x="1" y="418"/>
+                  </a:lnTo>
+                  <a:cubicBezTo>
+                    <a:pt x="1" y="513"/>
+                    <a:pt x="84" y="584"/>
+                    <a:pt x="167" y="584"/>
+                  </a:cubicBezTo>
+                  <a:lnTo>
+                    <a:pt x="417" y="584"/>
+                  </a:lnTo>
+                  <a:cubicBezTo>
+                    <a:pt x="513" y="584"/>
+                    <a:pt x="584" y="513"/>
+                    <a:pt x="584" y="418"/>
+                  </a:cubicBezTo>
+                  <a:lnTo>
+                    <a:pt x="584" y="168"/>
+                  </a:lnTo>
+                  <a:cubicBezTo>
+                    <a:pt x="584" y="72"/>
+                    <a:pt x="513" y="1"/>
+                    <a:pt x="417" y="1"/>
+                  </a:cubicBezTo>
+                  <a:close/>
+                </a:path>
+              </a:pathLst>
+            </a:custGeom>
+            <a:solidFill>
+              <a:srgbClr val="657E93"/>
+            </a:solidFill>
+            <a:ln>
+              <a:noFill/>
+            </a:ln>
+          </p:spPr>
+          <p:txBody>
+            <a:bodyPr spcFirstLastPara="1" wrap="square" lIns="91425" tIns="91425" rIns="91425" bIns="91425" anchor="ctr" anchorCtr="0">
+              <a:noAutofit/>
+            </a:bodyPr>
+            <a:lstStyle/>
+            <a:p>
+              <a:pPr marL="0" lvl="0" indent="0" algn="l" rtl="0">
+                <a:spcBef>
+                  <a:spcPts val="0"/>
+                </a:spcBef>
+                <a:spcAft>
+                  <a:spcPts val="0"/>
+                </a:spcAft>
+                <a:buNone/>
+              </a:pPr>
+              <a:endParaRPr/>
+            </a:p>
+          </p:txBody>
+        </p:sp>
+        <p:sp>
+          <p:nvSpPr>
+            <p:cNvPr id="14" name="Google Shape;10881;p71"/>
+            <p:cNvSpPr/>
+            <p:nvPr/>
+          </p:nvSpPr>
+          <p:spPr>
+            <a:xfrm>
+              <a:off x="3651522" y="2982552"/>
+              <a:ext cx="18881" cy="18533"/>
+            </a:xfrm>
+            <a:custGeom>
+              <a:avLst/>
+              <a:gdLst/>
+              <a:ahLst/>
+              <a:cxnLst/>
+              <a:rect l="l" t="t" r="r" b="b"/>
+              <a:pathLst>
+                <a:path w="596" h="585" extrusionOk="0">
+                  <a:moveTo>
+                    <a:pt x="167" y="1"/>
+                  </a:moveTo>
+                  <a:cubicBezTo>
+                    <a:pt x="83" y="1"/>
+                    <a:pt x="0" y="72"/>
+                    <a:pt x="0" y="168"/>
+                  </a:cubicBezTo>
+                  <a:lnTo>
+                    <a:pt x="0" y="418"/>
+                  </a:lnTo>
+                  <a:cubicBezTo>
+                    <a:pt x="0" y="513"/>
+                    <a:pt x="83" y="584"/>
+                    <a:pt x="167" y="584"/>
+                  </a:cubicBezTo>
+                  <a:lnTo>
+                    <a:pt x="417" y="584"/>
+                  </a:lnTo>
+                  <a:cubicBezTo>
+                    <a:pt x="512" y="584"/>
+                    <a:pt x="583" y="513"/>
+                    <a:pt x="583" y="418"/>
+                  </a:cubicBezTo>
+                  <a:lnTo>
+                    <a:pt x="583" y="168"/>
+                  </a:lnTo>
+                  <a:cubicBezTo>
+                    <a:pt x="595" y="72"/>
+                    <a:pt x="524" y="1"/>
+                    <a:pt x="441" y="1"/>
+                  </a:cubicBezTo>
+                  <a:close/>
+                </a:path>
+              </a:pathLst>
+            </a:custGeom>
+            <a:solidFill>
+              <a:srgbClr val="657E93"/>
+            </a:solidFill>
+            <a:ln>
+              <a:noFill/>
+            </a:ln>
+          </p:spPr>
+          <p:txBody>
+            <a:bodyPr spcFirstLastPara="1" wrap="square" lIns="91425" tIns="91425" rIns="91425" bIns="91425" anchor="ctr" anchorCtr="0">
+              <a:noAutofit/>
+            </a:bodyPr>
+            <a:lstStyle/>
+            <a:p>
+              <a:pPr marL="0" lvl="0" indent="0" algn="l" rtl="0">
+                <a:spcBef>
+                  <a:spcPts val="0"/>
+                </a:spcBef>
+                <a:spcAft>
+                  <a:spcPts val="0"/>
+                </a:spcAft>
+                <a:buNone/>
+              </a:pPr>
+              <a:endParaRPr/>
+            </a:p>
+          </p:txBody>
+        </p:sp>
+        <p:sp>
+          <p:nvSpPr>
+            <p:cNvPr id="15" name="Google Shape;10882;p71"/>
+            <p:cNvSpPr/>
+            <p:nvPr/>
+          </p:nvSpPr>
+          <p:spPr>
+            <a:xfrm>
+              <a:off x="3679052" y="2982552"/>
+              <a:ext cx="18501" cy="18533"/>
+            </a:xfrm>
+            <a:custGeom>
+              <a:avLst/>
+              <a:gdLst/>
+              <a:ahLst/>
+              <a:cxnLst/>
+              <a:rect l="l" t="t" r="r" b="b"/>
+              <a:pathLst>
+                <a:path w="584" h="585" extrusionOk="0">
+                  <a:moveTo>
+                    <a:pt x="167" y="1"/>
+                  </a:moveTo>
+                  <a:cubicBezTo>
+                    <a:pt x="72" y="1"/>
+                    <a:pt x="0" y="72"/>
+                    <a:pt x="0" y="168"/>
+                  </a:cubicBezTo>
+                  <a:lnTo>
+                    <a:pt x="0" y="418"/>
+                  </a:lnTo>
+                  <a:cubicBezTo>
+                    <a:pt x="0" y="513"/>
+                    <a:pt x="72" y="584"/>
+                    <a:pt x="167" y="584"/>
+                  </a:cubicBezTo>
+                  <a:lnTo>
+                    <a:pt x="417" y="584"/>
+                  </a:lnTo>
+                  <a:cubicBezTo>
+                    <a:pt x="500" y="584"/>
+                    <a:pt x="584" y="513"/>
+                    <a:pt x="584" y="418"/>
+                  </a:cubicBezTo>
+                  <a:lnTo>
+                    <a:pt x="584" y="168"/>
+                  </a:lnTo>
+                  <a:cubicBezTo>
+                    <a:pt x="584" y="72"/>
+                    <a:pt x="500" y="1"/>
+                    <a:pt x="417" y="1"/>
+                  </a:cubicBezTo>
+                  <a:close/>
+                </a:path>
+              </a:pathLst>
+            </a:custGeom>
+            <a:solidFill>
+              <a:srgbClr val="657E93"/>
+            </a:solidFill>
+            <a:ln>
+              <a:noFill/>
+            </a:ln>
+          </p:spPr>
+          <p:txBody>
+            <a:bodyPr spcFirstLastPara="1" wrap="square" lIns="91425" tIns="91425" rIns="91425" bIns="91425" anchor="ctr" anchorCtr="0">
+              <a:noAutofit/>
+            </a:bodyPr>
+            <a:lstStyle/>
+            <a:p>
+              <a:pPr marL="0" lvl="0" indent="0" algn="l" rtl="0">
+                <a:spcBef>
+                  <a:spcPts val="0"/>
+                </a:spcBef>
+                <a:spcAft>
+                  <a:spcPts val="0"/>
+                </a:spcAft>
+                <a:buNone/>
+              </a:pPr>
+              <a:endParaRPr/>
+            </a:p>
+          </p:txBody>
+        </p:sp>
+        <p:sp>
+          <p:nvSpPr>
+            <p:cNvPr id="16" name="Google Shape;10883;p71"/>
+            <p:cNvSpPr/>
+            <p:nvPr/>
+          </p:nvSpPr>
+          <p:spPr>
+            <a:xfrm>
+              <a:off x="3705822" y="2982552"/>
+              <a:ext cx="18501" cy="18533"/>
+            </a:xfrm>
+            <a:custGeom>
+              <a:avLst/>
+              <a:gdLst/>
+              <a:ahLst/>
+              <a:cxnLst/>
+              <a:rect l="l" t="t" r="r" b="b"/>
+              <a:pathLst>
+                <a:path w="584" h="585" extrusionOk="0">
+                  <a:moveTo>
+                    <a:pt x="167" y="1"/>
+                  </a:moveTo>
+                  <a:cubicBezTo>
+                    <a:pt x="72" y="1"/>
+                    <a:pt x="1" y="72"/>
+                    <a:pt x="1" y="168"/>
+                  </a:cubicBezTo>
+                  <a:lnTo>
+                    <a:pt x="1" y="418"/>
+                  </a:lnTo>
+                  <a:cubicBezTo>
+                    <a:pt x="1" y="513"/>
+                    <a:pt x="72" y="584"/>
+                    <a:pt x="167" y="584"/>
+                  </a:cubicBezTo>
+                  <a:lnTo>
+                    <a:pt x="417" y="584"/>
+                  </a:lnTo>
+                  <a:cubicBezTo>
+                    <a:pt x="513" y="584"/>
+                    <a:pt x="584" y="513"/>
+                    <a:pt x="584" y="418"/>
+                  </a:cubicBezTo>
+                  <a:lnTo>
+                    <a:pt x="584" y="168"/>
+                  </a:lnTo>
+                  <a:cubicBezTo>
+                    <a:pt x="584" y="72"/>
+                    <a:pt x="513" y="1"/>
+                    <a:pt x="417" y="1"/>
+                  </a:cubicBezTo>
+                  <a:close/>
+                </a:path>
+              </a:pathLst>
+            </a:custGeom>
+            <a:solidFill>
+              <a:srgbClr val="657E93"/>
+            </a:solidFill>
+            <a:ln>
+              <a:noFill/>
+            </a:ln>
+          </p:spPr>
+          <p:txBody>
+            <a:bodyPr spcFirstLastPara="1" wrap="square" lIns="91425" tIns="91425" rIns="91425" bIns="91425" anchor="ctr" anchorCtr="0">
+              <a:noAutofit/>
+            </a:bodyPr>
+            <a:lstStyle/>
+            <a:p>
+              <a:pPr marL="0" lvl="0" indent="0" algn="l" rtl="0">
+                <a:spcBef>
+                  <a:spcPts val="0"/>
+                </a:spcBef>
+                <a:spcAft>
+                  <a:spcPts val="0"/>
+                </a:spcAft>
+                <a:buNone/>
+              </a:pPr>
+              <a:endParaRPr/>
+            </a:p>
+          </p:txBody>
+        </p:sp>
+        <p:sp>
+          <p:nvSpPr>
+            <p:cNvPr id="17" name="Google Shape;10884;p71"/>
+            <p:cNvSpPr/>
+            <p:nvPr/>
+          </p:nvSpPr>
+          <p:spPr>
+            <a:xfrm>
+              <a:off x="3732591" y="2982552"/>
+              <a:ext cx="18533" cy="18533"/>
+            </a:xfrm>
+            <a:custGeom>
+              <a:avLst/>
+              <a:gdLst/>
+              <a:ahLst/>
+              <a:cxnLst/>
+              <a:rect l="l" t="t" r="r" b="b"/>
+              <a:pathLst>
+                <a:path w="585" h="585" extrusionOk="0">
+                  <a:moveTo>
+                    <a:pt x="168" y="1"/>
+                  </a:moveTo>
+                  <a:cubicBezTo>
+                    <a:pt x="72" y="1"/>
+                    <a:pt x="1" y="72"/>
+                    <a:pt x="1" y="168"/>
+                  </a:cubicBezTo>
+                  <a:lnTo>
+                    <a:pt x="1" y="418"/>
+                  </a:lnTo>
+                  <a:cubicBezTo>
+                    <a:pt x="1" y="513"/>
+                    <a:pt x="72" y="584"/>
+                    <a:pt x="168" y="584"/>
+                  </a:cubicBezTo>
+                  <a:lnTo>
+                    <a:pt x="418" y="584"/>
+                  </a:lnTo>
+                  <a:cubicBezTo>
+                    <a:pt x="513" y="584"/>
+                    <a:pt x="584" y="513"/>
+                    <a:pt x="584" y="418"/>
+                  </a:cubicBezTo>
+                  <a:lnTo>
+                    <a:pt x="584" y="168"/>
+                  </a:lnTo>
+                  <a:cubicBezTo>
+                    <a:pt x="584" y="72"/>
+                    <a:pt x="513" y="1"/>
+                    <a:pt x="418" y="1"/>
+                  </a:cubicBezTo>
+                  <a:close/>
+                </a:path>
+              </a:pathLst>
+            </a:custGeom>
+            <a:solidFill>
+              <a:srgbClr val="657E93"/>
+            </a:solidFill>
+            <a:ln>
+              <a:noFill/>
+            </a:ln>
+          </p:spPr>
+          <p:txBody>
+            <a:bodyPr spcFirstLastPara="1" wrap="square" lIns="91425" tIns="91425" rIns="91425" bIns="91425" anchor="ctr" anchorCtr="0">
+              <a:noAutofit/>
+            </a:bodyPr>
+            <a:lstStyle/>
+            <a:p>
+              <a:pPr marL="0" lvl="0" indent="0" algn="l" rtl="0">
+                <a:spcBef>
+                  <a:spcPts val="0"/>
+                </a:spcBef>
+                <a:spcAft>
+                  <a:spcPts val="0"/>
+                </a:spcAft>
+                <a:buNone/>
+              </a:pPr>
+              <a:endParaRPr/>
+            </a:p>
+          </p:txBody>
+        </p:sp>
+        <p:sp>
+          <p:nvSpPr>
+            <p:cNvPr id="18" name="Google Shape;10885;p71"/>
+            <p:cNvSpPr/>
+            <p:nvPr/>
+          </p:nvSpPr>
+          <p:spPr>
+            <a:xfrm>
+              <a:off x="3759773" y="2982552"/>
+              <a:ext cx="18121" cy="18533"/>
+            </a:xfrm>
+            <a:custGeom>
+              <a:avLst/>
+              <a:gdLst/>
+              <a:ahLst/>
+              <a:cxnLst/>
+              <a:rect l="l" t="t" r="r" b="b"/>
+              <a:pathLst>
+                <a:path w="572" h="585" extrusionOk="0">
+                  <a:moveTo>
+                    <a:pt x="155" y="1"/>
+                  </a:moveTo>
+                  <a:cubicBezTo>
+                    <a:pt x="72" y="1"/>
+                    <a:pt x="0" y="72"/>
+                    <a:pt x="0" y="168"/>
+                  </a:cubicBezTo>
+                  <a:lnTo>
+                    <a:pt x="0" y="418"/>
+                  </a:lnTo>
+                  <a:cubicBezTo>
+                    <a:pt x="0" y="513"/>
+                    <a:pt x="72" y="584"/>
+                    <a:pt x="155" y="584"/>
+                  </a:cubicBezTo>
+                  <a:lnTo>
+                    <a:pt x="417" y="584"/>
+                  </a:lnTo>
+                  <a:cubicBezTo>
+                    <a:pt x="500" y="584"/>
+                    <a:pt x="572" y="513"/>
+                    <a:pt x="572" y="418"/>
+                  </a:cubicBezTo>
+                  <a:lnTo>
+                    <a:pt x="572" y="168"/>
+                  </a:lnTo>
+                  <a:cubicBezTo>
+                    <a:pt x="572" y="72"/>
+                    <a:pt x="500" y="1"/>
+                    <a:pt x="417" y="1"/>
+                  </a:cubicBezTo>
+                  <a:close/>
+                </a:path>
+              </a:pathLst>
+            </a:custGeom>
+            <a:solidFill>
+              <a:srgbClr val="657E93"/>
+            </a:solidFill>
+            <a:ln>
+              <a:noFill/>
+            </a:ln>
+          </p:spPr>
+          <p:txBody>
+            <a:bodyPr spcFirstLastPara="1" wrap="square" lIns="91425" tIns="91425" rIns="91425" bIns="91425" anchor="ctr" anchorCtr="0">
+              <a:noAutofit/>
+            </a:bodyPr>
+            <a:lstStyle/>
+            <a:p>
+              <a:pPr marL="0" lvl="0" indent="0" algn="l" rtl="0">
+                <a:spcBef>
+                  <a:spcPts val="0"/>
+                </a:spcBef>
+                <a:spcAft>
+                  <a:spcPts val="0"/>
+                </a:spcAft>
+                <a:buNone/>
+              </a:pPr>
+              <a:endParaRPr/>
+            </a:p>
+          </p:txBody>
+        </p:sp>
+        <p:sp>
+          <p:nvSpPr>
+            <p:cNvPr id="19" name="Google Shape;10886;p71"/>
+            <p:cNvSpPr/>
+            <p:nvPr/>
+          </p:nvSpPr>
+          <p:spPr>
+            <a:xfrm>
+              <a:off x="3625101" y="3116844"/>
+              <a:ext cx="18501" cy="18501"/>
+            </a:xfrm>
+            <a:custGeom>
+              <a:avLst/>
+              <a:gdLst/>
+              <a:ahLst/>
+              <a:cxnLst/>
+              <a:rect l="l" t="t" r="r" b="b"/>
+              <a:pathLst>
+                <a:path w="584" h="584" extrusionOk="0">
+                  <a:moveTo>
+                    <a:pt x="167" y="1"/>
+                  </a:moveTo>
+                  <a:cubicBezTo>
+                    <a:pt x="84" y="1"/>
+                    <a:pt x="1" y="84"/>
+                    <a:pt x="1" y="167"/>
+                  </a:cubicBezTo>
+                  <a:lnTo>
+                    <a:pt x="1" y="417"/>
+                  </a:lnTo>
+                  <a:cubicBezTo>
+                    <a:pt x="1" y="513"/>
+                    <a:pt x="84" y="584"/>
+                    <a:pt x="167" y="584"/>
+                  </a:cubicBezTo>
+                  <a:lnTo>
+                    <a:pt x="417" y="584"/>
+                  </a:lnTo>
+                  <a:cubicBezTo>
+                    <a:pt x="513" y="584"/>
+                    <a:pt x="584" y="513"/>
+                    <a:pt x="584" y="417"/>
+                  </a:cubicBezTo>
+                  <a:lnTo>
+                    <a:pt x="584" y="167"/>
+                  </a:lnTo>
+                  <a:cubicBezTo>
+                    <a:pt x="584" y="84"/>
+                    <a:pt x="513" y="1"/>
+                    <a:pt x="417" y="1"/>
+                  </a:cubicBezTo>
+                  <a:close/>
+                </a:path>
+              </a:pathLst>
+            </a:custGeom>
+            <a:solidFill>
+              <a:srgbClr val="657E93"/>
+            </a:solidFill>
+            <a:ln>
+              <a:noFill/>
+            </a:ln>
+          </p:spPr>
+          <p:txBody>
+            <a:bodyPr spcFirstLastPara="1" wrap="square" lIns="91425" tIns="91425" rIns="91425" bIns="91425" anchor="ctr" anchorCtr="0">
+              <a:noAutofit/>
+            </a:bodyPr>
+            <a:lstStyle/>
+            <a:p>
+              <a:pPr marL="0" lvl="0" indent="0" algn="l" rtl="0">
+                <a:spcBef>
+                  <a:spcPts val="0"/>
+                </a:spcBef>
+                <a:spcAft>
+                  <a:spcPts val="0"/>
+                </a:spcAft>
+                <a:buNone/>
+              </a:pPr>
+              <a:endParaRPr/>
+            </a:p>
+          </p:txBody>
+        </p:sp>
+        <p:sp>
+          <p:nvSpPr>
+            <p:cNvPr id="20" name="Google Shape;10887;p71"/>
+            <p:cNvSpPr/>
+            <p:nvPr/>
+          </p:nvSpPr>
+          <p:spPr>
+            <a:xfrm>
+              <a:off x="3651522" y="3116844"/>
+              <a:ext cx="18881" cy="18501"/>
+            </a:xfrm>
+            <a:custGeom>
+              <a:avLst/>
+              <a:gdLst/>
+              <a:ahLst/>
+              <a:cxnLst/>
+              <a:rect l="l" t="t" r="r" b="b"/>
+              <a:pathLst>
+                <a:path w="596" h="584" extrusionOk="0">
+                  <a:moveTo>
+                    <a:pt x="167" y="1"/>
+                  </a:moveTo>
+                  <a:cubicBezTo>
+                    <a:pt x="83" y="1"/>
+                    <a:pt x="0" y="84"/>
+                    <a:pt x="0" y="167"/>
+                  </a:cubicBezTo>
+                  <a:lnTo>
+                    <a:pt x="0" y="417"/>
+                  </a:lnTo>
+                  <a:cubicBezTo>
+                    <a:pt x="0" y="513"/>
+                    <a:pt x="83" y="584"/>
+                    <a:pt x="167" y="584"/>
+                  </a:cubicBezTo>
+                  <a:lnTo>
+                    <a:pt x="417" y="584"/>
+                  </a:lnTo>
+                  <a:cubicBezTo>
+                    <a:pt x="512" y="584"/>
+                    <a:pt x="583" y="513"/>
+                    <a:pt x="583" y="417"/>
+                  </a:cubicBezTo>
+                  <a:lnTo>
+                    <a:pt x="583" y="167"/>
+                  </a:lnTo>
+                  <a:cubicBezTo>
+                    <a:pt x="595" y="84"/>
+                    <a:pt x="524" y="1"/>
+                    <a:pt x="441" y="1"/>
+                  </a:cubicBezTo>
+                  <a:close/>
+                </a:path>
+              </a:pathLst>
+            </a:custGeom>
+            <a:solidFill>
+              <a:srgbClr val="657E93"/>
+            </a:solidFill>
+            <a:ln>
+              <a:noFill/>
+            </a:ln>
+          </p:spPr>
+          <p:txBody>
+            <a:bodyPr spcFirstLastPara="1" wrap="square" lIns="91425" tIns="91425" rIns="91425" bIns="91425" anchor="ctr" anchorCtr="0">
+              <a:noAutofit/>
+            </a:bodyPr>
+            <a:lstStyle/>
+            <a:p>
+              <a:pPr marL="0" lvl="0" indent="0" algn="l" rtl="0">
+                <a:spcBef>
+                  <a:spcPts val="0"/>
+                </a:spcBef>
+                <a:spcAft>
+                  <a:spcPts val="0"/>
+                </a:spcAft>
+                <a:buNone/>
+              </a:pPr>
+              <a:endParaRPr/>
+            </a:p>
+          </p:txBody>
+        </p:sp>
+        <p:sp>
+          <p:nvSpPr>
+            <p:cNvPr id="21" name="Google Shape;10888;p71"/>
+            <p:cNvSpPr/>
+            <p:nvPr/>
+          </p:nvSpPr>
+          <p:spPr>
+            <a:xfrm>
+              <a:off x="3679052" y="3116844"/>
+              <a:ext cx="18501" cy="18501"/>
+            </a:xfrm>
+            <a:custGeom>
+              <a:avLst/>
+              <a:gdLst/>
+              <a:ahLst/>
+              <a:cxnLst/>
+              <a:rect l="l" t="t" r="r" b="b"/>
+              <a:pathLst>
+                <a:path w="584" h="584" extrusionOk="0">
+                  <a:moveTo>
+                    <a:pt x="167" y="1"/>
+                  </a:moveTo>
+                  <a:cubicBezTo>
+                    <a:pt x="72" y="1"/>
+                    <a:pt x="0" y="84"/>
+                    <a:pt x="0" y="167"/>
+                  </a:cubicBezTo>
+                  <a:lnTo>
+                    <a:pt x="0" y="417"/>
+                  </a:lnTo>
+                  <a:cubicBezTo>
+                    <a:pt x="0" y="513"/>
+                    <a:pt x="72" y="584"/>
+                    <a:pt x="167" y="584"/>
+                  </a:cubicBezTo>
+                  <a:lnTo>
+                    <a:pt x="417" y="584"/>
+                  </a:lnTo>
+                  <a:cubicBezTo>
+                    <a:pt x="500" y="584"/>
+                    <a:pt x="584" y="513"/>
+                    <a:pt x="584" y="417"/>
+                  </a:cubicBezTo>
+                  <a:lnTo>
+                    <a:pt x="584" y="167"/>
+                  </a:lnTo>
+                  <a:cubicBezTo>
+                    <a:pt x="584" y="84"/>
+                    <a:pt x="500" y="1"/>
+                    <a:pt x="417" y="1"/>
+                  </a:cubicBezTo>
+                  <a:close/>
+                </a:path>
+              </a:pathLst>
+            </a:custGeom>
+            <a:solidFill>
+              <a:srgbClr val="657E93"/>
+            </a:solidFill>
+            <a:ln>
+              <a:noFill/>
+            </a:ln>
+          </p:spPr>
+          <p:txBody>
+            <a:bodyPr spcFirstLastPara="1" wrap="square" lIns="91425" tIns="91425" rIns="91425" bIns="91425" anchor="ctr" anchorCtr="0">
+              <a:noAutofit/>
+            </a:bodyPr>
+            <a:lstStyle/>
+            <a:p>
+              <a:pPr marL="0" lvl="0" indent="0" algn="l" rtl="0">
+                <a:spcBef>
+                  <a:spcPts val="0"/>
+                </a:spcBef>
+                <a:spcAft>
+                  <a:spcPts val="0"/>
+                </a:spcAft>
+                <a:buNone/>
+              </a:pPr>
+              <a:endParaRPr/>
+            </a:p>
+          </p:txBody>
+        </p:sp>
+        <p:sp>
+          <p:nvSpPr>
+            <p:cNvPr id="22" name="Google Shape;10889;p71"/>
+            <p:cNvSpPr/>
+            <p:nvPr/>
+          </p:nvSpPr>
+          <p:spPr>
+            <a:xfrm>
+              <a:off x="3705822" y="3116844"/>
+              <a:ext cx="18501" cy="18501"/>
+            </a:xfrm>
+            <a:custGeom>
+              <a:avLst/>
+              <a:gdLst/>
+              <a:ahLst/>
+              <a:cxnLst/>
+              <a:rect l="l" t="t" r="r" b="b"/>
+              <a:pathLst>
+                <a:path w="584" h="584" extrusionOk="0">
+                  <a:moveTo>
+                    <a:pt x="167" y="1"/>
+                  </a:moveTo>
+                  <a:cubicBezTo>
+                    <a:pt x="72" y="1"/>
+                    <a:pt x="1" y="84"/>
+                    <a:pt x="1" y="167"/>
+                  </a:cubicBezTo>
+                  <a:lnTo>
+                    <a:pt x="1" y="417"/>
+                  </a:lnTo>
+                  <a:cubicBezTo>
+                    <a:pt x="1" y="513"/>
+                    <a:pt x="72" y="584"/>
+                    <a:pt x="167" y="584"/>
+                  </a:cubicBezTo>
+                  <a:lnTo>
+                    <a:pt x="417" y="584"/>
+                  </a:lnTo>
+                  <a:cubicBezTo>
+                    <a:pt x="513" y="584"/>
+                    <a:pt x="584" y="513"/>
+                    <a:pt x="584" y="417"/>
+                  </a:cubicBezTo>
+                  <a:lnTo>
+                    <a:pt x="584" y="167"/>
+                  </a:lnTo>
+                  <a:cubicBezTo>
+                    <a:pt x="584" y="84"/>
+                    <a:pt x="513" y="1"/>
+                    <a:pt x="417" y="1"/>
+                  </a:cubicBezTo>
+                  <a:close/>
+                </a:path>
+              </a:pathLst>
+            </a:custGeom>
+            <a:solidFill>
+              <a:srgbClr val="657E93"/>
+            </a:solidFill>
+            <a:ln>
+              <a:noFill/>
+            </a:ln>
+          </p:spPr>
+          <p:txBody>
+            <a:bodyPr spcFirstLastPara="1" wrap="square" lIns="91425" tIns="91425" rIns="91425" bIns="91425" anchor="ctr" anchorCtr="0">
+              <a:noAutofit/>
+            </a:bodyPr>
+            <a:lstStyle/>
+            <a:p>
+              <a:pPr marL="0" lvl="0" indent="0" algn="l" rtl="0">
+                <a:spcBef>
+                  <a:spcPts val="0"/>
+                </a:spcBef>
+                <a:spcAft>
+                  <a:spcPts val="0"/>
+                </a:spcAft>
+                <a:buNone/>
+              </a:pPr>
+              <a:endParaRPr/>
+            </a:p>
+          </p:txBody>
+        </p:sp>
+        <p:sp>
+          <p:nvSpPr>
+            <p:cNvPr id="23" name="Google Shape;10890;p71"/>
+            <p:cNvSpPr/>
+            <p:nvPr/>
+          </p:nvSpPr>
+          <p:spPr>
+            <a:xfrm>
+              <a:off x="3732591" y="3116844"/>
+              <a:ext cx="18533" cy="18501"/>
+            </a:xfrm>
+            <a:custGeom>
+              <a:avLst/>
+              <a:gdLst/>
+              <a:ahLst/>
+              <a:cxnLst/>
+              <a:rect l="l" t="t" r="r" b="b"/>
+              <a:pathLst>
+                <a:path w="585" h="584" extrusionOk="0">
+                  <a:moveTo>
+                    <a:pt x="168" y="1"/>
+                  </a:moveTo>
+                  <a:cubicBezTo>
+                    <a:pt x="72" y="1"/>
+                    <a:pt x="1" y="84"/>
+                    <a:pt x="1" y="167"/>
+                  </a:cubicBezTo>
+                  <a:lnTo>
+                    <a:pt x="1" y="417"/>
+                  </a:lnTo>
+                  <a:cubicBezTo>
+                    <a:pt x="1" y="513"/>
+                    <a:pt x="72" y="584"/>
+                    <a:pt x="168" y="584"/>
+                  </a:cubicBezTo>
+                  <a:lnTo>
+                    <a:pt x="418" y="584"/>
+                  </a:lnTo>
+                  <a:cubicBezTo>
+                    <a:pt x="513" y="584"/>
+                    <a:pt x="584" y="513"/>
+                    <a:pt x="584" y="417"/>
+                  </a:cubicBezTo>
+                  <a:lnTo>
+                    <a:pt x="584" y="167"/>
+                  </a:lnTo>
+                  <a:cubicBezTo>
+                    <a:pt x="584" y="84"/>
+                    <a:pt x="513" y="1"/>
+                    <a:pt x="418" y="1"/>
+                  </a:cubicBezTo>
+                  <a:close/>
+                </a:path>
+              </a:pathLst>
+            </a:custGeom>
+            <a:solidFill>
+              <a:srgbClr val="657E93"/>
+            </a:solidFill>
+            <a:ln>
+              <a:noFill/>
+            </a:ln>
+          </p:spPr>
+          <p:txBody>
+            <a:bodyPr spcFirstLastPara="1" wrap="square" lIns="91425" tIns="91425" rIns="91425" bIns="91425" anchor="ctr" anchorCtr="0">
+              <a:noAutofit/>
+            </a:bodyPr>
+            <a:lstStyle/>
+            <a:p>
+              <a:pPr marL="0" lvl="0" indent="0" algn="l" rtl="0">
+                <a:spcBef>
+                  <a:spcPts val="0"/>
+                </a:spcBef>
+                <a:spcAft>
+                  <a:spcPts val="0"/>
+                </a:spcAft>
+                <a:buNone/>
+              </a:pPr>
+              <a:endParaRPr/>
+            </a:p>
+          </p:txBody>
+        </p:sp>
+        <p:sp>
+          <p:nvSpPr>
+            <p:cNvPr id="24" name="Google Shape;10891;p71"/>
+            <p:cNvSpPr/>
+            <p:nvPr/>
+          </p:nvSpPr>
+          <p:spPr>
+            <a:xfrm>
+              <a:off x="3759773" y="3116844"/>
+              <a:ext cx="18121" cy="18501"/>
+            </a:xfrm>
+            <a:custGeom>
+              <a:avLst/>
+              <a:gdLst/>
+              <a:ahLst/>
+              <a:cxnLst/>
+              <a:rect l="l" t="t" r="r" b="b"/>
+              <a:pathLst>
+                <a:path w="572" h="584" extrusionOk="0">
+                  <a:moveTo>
+                    <a:pt x="155" y="1"/>
+                  </a:moveTo>
+                  <a:cubicBezTo>
+                    <a:pt x="72" y="1"/>
+                    <a:pt x="0" y="84"/>
+                    <a:pt x="0" y="167"/>
+                  </a:cubicBezTo>
+                  <a:lnTo>
+                    <a:pt x="0" y="417"/>
+                  </a:lnTo>
+                  <a:cubicBezTo>
+                    <a:pt x="0" y="513"/>
+                    <a:pt x="72" y="584"/>
+                    <a:pt x="155" y="584"/>
+                  </a:cubicBezTo>
+                  <a:lnTo>
+                    <a:pt x="417" y="584"/>
+                  </a:lnTo>
+                  <a:cubicBezTo>
+                    <a:pt x="500" y="584"/>
+                    <a:pt x="572" y="513"/>
+                    <a:pt x="572" y="417"/>
+                  </a:cubicBezTo>
+                  <a:lnTo>
+                    <a:pt x="572" y="167"/>
+                  </a:lnTo>
+                  <a:cubicBezTo>
+                    <a:pt x="572" y="84"/>
+                    <a:pt x="500" y="1"/>
+                    <a:pt x="417" y="1"/>
+                  </a:cubicBezTo>
+                  <a:close/>
+                </a:path>
+              </a:pathLst>
+            </a:custGeom>
+            <a:solidFill>
+              <a:srgbClr val="657E93"/>
+            </a:solidFill>
+            <a:ln>
+              <a:noFill/>
+            </a:ln>
+          </p:spPr>
+          <p:txBody>
+            <a:bodyPr spcFirstLastPara="1" wrap="square" lIns="91425" tIns="91425" rIns="91425" bIns="91425" anchor="ctr" anchorCtr="0">
+              <a:noAutofit/>
+            </a:bodyPr>
+            <a:lstStyle/>
+            <a:p>
+              <a:pPr marL="0" lvl="0" indent="0" algn="l" rtl="0">
+                <a:spcBef>
+                  <a:spcPts val="0"/>
+                </a:spcBef>
+                <a:spcAft>
+                  <a:spcPts val="0"/>
+                </a:spcAft>
+                <a:buNone/>
+              </a:pPr>
+              <a:endParaRPr/>
+            </a:p>
+          </p:txBody>
+        </p:sp>
+        <p:sp>
+          <p:nvSpPr>
+            <p:cNvPr id="25" name="Google Shape;10892;p71"/>
+            <p:cNvSpPr/>
+            <p:nvPr/>
+          </p:nvSpPr>
+          <p:spPr>
+            <a:xfrm>
+              <a:off x="3625101" y="3009354"/>
+              <a:ext cx="18501" cy="18501"/>
+            </a:xfrm>
+            <a:custGeom>
+              <a:avLst/>
+              <a:gdLst/>
+              <a:ahLst/>
+              <a:cxnLst/>
+              <a:rect l="l" t="t" r="r" b="b"/>
+              <a:pathLst>
+                <a:path w="584" h="584" extrusionOk="0">
+                  <a:moveTo>
+                    <a:pt x="167" y="0"/>
+                  </a:moveTo>
+                  <a:cubicBezTo>
+                    <a:pt x="84" y="0"/>
+                    <a:pt x="1" y="84"/>
+                    <a:pt x="1" y="167"/>
+                  </a:cubicBezTo>
+                  <a:lnTo>
+                    <a:pt x="1" y="417"/>
+                  </a:lnTo>
+                  <a:cubicBezTo>
+                    <a:pt x="1" y="512"/>
+                    <a:pt x="84" y="584"/>
+                    <a:pt x="167" y="584"/>
+                  </a:cubicBezTo>
+                  <a:lnTo>
+                    <a:pt x="417" y="584"/>
+                  </a:lnTo>
+                  <a:cubicBezTo>
+                    <a:pt x="513" y="584"/>
+                    <a:pt x="584" y="512"/>
+                    <a:pt x="584" y="417"/>
+                  </a:cubicBezTo>
+                  <a:lnTo>
+                    <a:pt x="584" y="167"/>
+                  </a:lnTo>
+                  <a:cubicBezTo>
+                    <a:pt x="584" y="84"/>
+                    <a:pt x="513" y="0"/>
+                    <a:pt x="417" y="0"/>
+                  </a:cubicBezTo>
+                  <a:close/>
+                </a:path>
+              </a:pathLst>
+            </a:custGeom>
+            <a:solidFill>
+              <a:srgbClr val="657E93"/>
+            </a:solidFill>
+            <a:ln>
+              <a:noFill/>
+            </a:ln>
+          </p:spPr>
+          <p:txBody>
+            <a:bodyPr spcFirstLastPara="1" wrap="square" lIns="91425" tIns="91425" rIns="91425" bIns="91425" anchor="ctr" anchorCtr="0">
+              <a:noAutofit/>
+            </a:bodyPr>
+            <a:lstStyle/>
+            <a:p>
+              <a:pPr marL="0" lvl="0" indent="0" algn="l" rtl="0">
+                <a:spcBef>
+                  <a:spcPts val="0"/>
+                </a:spcBef>
+                <a:spcAft>
+                  <a:spcPts val="0"/>
+                </a:spcAft>
+                <a:buNone/>
+              </a:pPr>
+              <a:endParaRPr/>
+            </a:p>
+          </p:txBody>
+        </p:sp>
+        <p:sp>
+          <p:nvSpPr>
+            <p:cNvPr id="26" name="Google Shape;10893;p71"/>
+            <p:cNvSpPr/>
+            <p:nvPr/>
+          </p:nvSpPr>
+          <p:spPr>
+            <a:xfrm>
+              <a:off x="3625101" y="3036503"/>
+              <a:ext cx="18501" cy="18153"/>
+            </a:xfrm>
+            <a:custGeom>
+              <a:avLst/>
+              <a:gdLst/>
+              <a:ahLst/>
+              <a:cxnLst/>
+              <a:rect l="l" t="t" r="r" b="b"/>
+              <a:pathLst>
+                <a:path w="584" h="573" extrusionOk="0">
+                  <a:moveTo>
+                    <a:pt x="167" y="1"/>
+                  </a:moveTo>
+                  <a:cubicBezTo>
+                    <a:pt x="84" y="1"/>
+                    <a:pt x="1" y="72"/>
+                    <a:pt x="1" y="155"/>
+                  </a:cubicBezTo>
+                  <a:lnTo>
+                    <a:pt x="1" y="417"/>
+                  </a:lnTo>
+                  <a:cubicBezTo>
+                    <a:pt x="1" y="501"/>
+                    <a:pt x="84" y="572"/>
+                    <a:pt x="167" y="572"/>
+                  </a:cubicBezTo>
+                  <a:lnTo>
+                    <a:pt x="417" y="572"/>
+                  </a:lnTo>
+                  <a:cubicBezTo>
+                    <a:pt x="513" y="572"/>
+                    <a:pt x="584" y="501"/>
+                    <a:pt x="584" y="417"/>
+                  </a:cubicBezTo>
+                  <a:lnTo>
+                    <a:pt x="584" y="155"/>
+                  </a:lnTo>
+                  <a:cubicBezTo>
+                    <a:pt x="584" y="72"/>
+                    <a:pt x="513" y="1"/>
+                    <a:pt x="417" y="1"/>
+                  </a:cubicBezTo>
+                  <a:close/>
+                </a:path>
+              </a:pathLst>
+            </a:custGeom>
+            <a:solidFill>
+              <a:srgbClr val="657E93"/>
+            </a:solidFill>
+            <a:ln>
+              <a:noFill/>
+            </a:ln>
+          </p:spPr>
+          <p:txBody>
+            <a:bodyPr spcFirstLastPara="1" wrap="square" lIns="91425" tIns="91425" rIns="91425" bIns="91425" anchor="ctr" anchorCtr="0">
+              <a:noAutofit/>
+            </a:bodyPr>
+            <a:lstStyle/>
+            <a:p>
+              <a:pPr marL="0" lvl="0" indent="0" algn="l" rtl="0">
+                <a:spcBef>
+                  <a:spcPts val="0"/>
+                </a:spcBef>
+                <a:spcAft>
+                  <a:spcPts val="0"/>
+                </a:spcAft>
+                <a:buNone/>
+              </a:pPr>
+              <a:endParaRPr/>
+            </a:p>
+          </p:txBody>
+        </p:sp>
+        <p:sp>
+          <p:nvSpPr>
+            <p:cNvPr id="27" name="Google Shape;10894;p71"/>
+            <p:cNvSpPr/>
+            <p:nvPr/>
+          </p:nvSpPr>
+          <p:spPr>
+            <a:xfrm>
+              <a:off x="3625101" y="3063273"/>
+              <a:ext cx="18501" cy="18533"/>
+            </a:xfrm>
+            <a:custGeom>
+              <a:avLst/>
+              <a:gdLst/>
+              <a:ahLst/>
+              <a:cxnLst/>
+              <a:rect l="l" t="t" r="r" b="b"/>
+              <a:pathLst>
+                <a:path w="584" h="585" extrusionOk="0">
+                  <a:moveTo>
+                    <a:pt x="167" y="1"/>
+                  </a:moveTo>
+                  <a:cubicBezTo>
+                    <a:pt x="84" y="1"/>
+                    <a:pt x="1" y="72"/>
+                    <a:pt x="1" y="168"/>
+                  </a:cubicBezTo>
+                  <a:lnTo>
+                    <a:pt x="1" y="418"/>
+                  </a:lnTo>
+                  <a:cubicBezTo>
+                    <a:pt x="1" y="501"/>
+                    <a:pt x="84" y="584"/>
+                    <a:pt x="167" y="584"/>
+                  </a:cubicBezTo>
+                  <a:lnTo>
+                    <a:pt x="417" y="584"/>
+                  </a:lnTo>
+                  <a:cubicBezTo>
+                    <a:pt x="513" y="584"/>
+                    <a:pt x="584" y="501"/>
+                    <a:pt x="584" y="418"/>
+                  </a:cubicBezTo>
+                  <a:lnTo>
+                    <a:pt x="584" y="168"/>
+                  </a:lnTo>
+                  <a:cubicBezTo>
+                    <a:pt x="584" y="72"/>
+                    <a:pt x="513" y="1"/>
+                    <a:pt x="417" y="1"/>
+                  </a:cubicBezTo>
+                  <a:close/>
+                </a:path>
+              </a:pathLst>
+            </a:custGeom>
+            <a:solidFill>
+              <a:srgbClr val="657E93"/>
+            </a:solidFill>
+            <a:ln>
+              <a:noFill/>
+            </a:ln>
+          </p:spPr>
+          <p:txBody>
+            <a:bodyPr spcFirstLastPara="1" wrap="square" lIns="91425" tIns="91425" rIns="91425" bIns="91425" anchor="ctr" anchorCtr="0">
+              <a:noAutofit/>
+            </a:bodyPr>
+            <a:lstStyle/>
+            <a:p>
+              <a:pPr marL="0" lvl="0" indent="0" algn="l" rtl="0">
+                <a:spcBef>
+                  <a:spcPts val="0"/>
+                </a:spcBef>
+                <a:spcAft>
+                  <a:spcPts val="0"/>
+                </a:spcAft>
+                <a:buNone/>
+              </a:pPr>
+              <a:endParaRPr/>
+            </a:p>
+          </p:txBody>
+        </p:sp>
+        <p:sp>
+          <p:nvSpPr>
+            <p:cNvPr id="28" name="Google Shape;10895;p71"/>
+            <p:cNvSpPr/>
+            <p:nvPr/>
+          </p:nvSpPr>
+          <p:spPr>
+            <a:xfrm>
+              <a:off x="3625101" y="3090074"/>
+              <a:ext cx="18501" cy="18501"/>
+            </a:xfrm>
+            <a:custGeom>
+              <a:avLst/>
+              <a:gdLst/>
+              <a:ahLst/>
+              <a:cxnLst/>
+              <a:rect l="l" t="t" r="r" b="b"/>
+              <a:pathLst>
+                <a:path w="584" h="584" extrusionOk="0">
+                  <a:moveTo>
+                    <a:pt x="167" y="0"/>
+                  </a:moveTo>
+                  <a:cubicBezTo>
+                    <a:pt x="84" y="0"/>
+                    <a:pt x="1" y="72"/>
+                    <a:pt x="1" y="167"/>
+                  </a:cubicBezTo>
+                  <a:lnTo>
+                    <a:pt x="1" y="417"/>
+                  </a:lnTo>
+                  <a:cubicBezTo>
+                    <a:pt x="1" y="512"/>
+                    <a:pt x="84" y="584"/>
+                    <a:pt x="167" y="584"/>
+                  </a:cubicBezTo>
+                  <a:lnTo>
+                    <a:pt x="417" y="584"/>
+                  </a:lnTo>
+                  <a:cubicBezTo>
+                    <a:pt x="513" y="584"/>
+                    <a:pt x="584" y="512"/>
+                    <a:pt x="584" y="417"/>
+                  </a:cubicBezTo>
+                  <a:lnTo>
+                    <a:pt x="584" y="167"/>
+                  </a:lnTo>
+                  <a:cubicBezTo>
+                    <a:pt x="584" y="72"/>
+                    <a:pt x="513" y="0"/>
+                    <a:pt x="417" y="0"/>
+                  </a:cubicBezTo>
+                  <a:close/>
+                </a:path>
+              </a:pathLst>
+            </a:custGeom>
+            <a:solidFill>
+              <a:srgbClr val="657E93"/>
+            </a:solidFill>
+            <a:ln>
+              <a:noFill/>
+            </a:ln>
+          </p:spPr>
+          <p:txBody>
+            <a:bodyPr spcFirstLastPara="1" wrap="square" lIns="91425" tIns="91425" rIns="91425" bIns="91425" anchor="ctr" anchorCtr="0">
+              <a:noAutofit/>
+            </a:bodyPr>
+            <a:lstStyle/>
+            <a:p>
+              <a:pPr marL="0" lvl="0" indent="0" algn="l" rtl="0">
+                <a:spcBef>
+                  <a:spcPts val="0"/>
+                </a:spcBef>
+                <a:spcAft>
+                  <a:spcPts val="0"/>
+                </a:spcAft>
+                <a:buNone/>
+              </a:pPr>
+              <a:endParaRPr/>
+            </a:p>
+          </p:txBody>
+        </p:sp>
+        <p:sp>
+          <p:nvSpPr>
+            <p:cNvPr id="29" name="Google Shape;10896;p71"/>
+            <p:cNvSpPr/>
+            <p:nvPr/>
+          </p:nvSpPr>
+          <p:spPr>
+            <a:xfrm>
+              <a:off x="3759773" y="3009354"/>
+              <a:ext cx="18121" cy="18501"/>
+            </a:xfrm>
+            <a:custGeom>
+              <a:avLst/>
+              <a:gdLst/>
+              <a:ahLst/>
+              <a:cxnLst/>
+              <a:rect l="l" t="t" r="r" b="b"/>
+              <a:pathLst>
+                <a:path w="572" h="584" extrusionOk="0">
+                  <a:moveTo>
+                    <a:pt x="155" y="0"/>
+                  </a:moveTo>
+                  <a:cubicBezTo>
+                    <a:pt x="72" y="0"/>
+                    <a:pt x="0" y="84"/>
+                    <a:pt x="0" y="167"/>
+                  </a:cubicBezTo>
+                  <a:lnTo>
+                    <a:pt x="0" y="417"/>
+                  </a:lnTo>
+                  <a:cubicBezTo>
+                    <a:pt x="0" y="512"/>
+                    <a:pt x="72" y="584"/>
+                    <a:pt x="155" y="584"/>
+                  </a:cubicBezTo>
+                  <a:lnTo>
+                    <a:pt x="417" y="584"/>
+                  </a:lnTo>
+                  <a:cubicBezTo>
+                    <a:pt x="500" y="584"/>
+                    <a:pt x="572" y="512"/>
+                    <a:pt x="572" y="417"/>
+                  </a:cubicBezTo>
+                  <a:lnTo>
+                    <a:pt x="572" y="167"/>
+                  </a:lnTo>
+                  <a:cubicBezTo>
+                    <a:pt x="572" y="84"/>
+                    <a:pt x="500" y="0"/>
+                    <a:pt x="417" y="0"/>
+                  </a:cubicBezTo>
+                  <a:close/>
+                </a:path>
+              </a:pathLst>
+            </a:custGeom>
+            <a:solidFill>
+              <a:srgbClr val="657E93"/>
+            </a:solidFill>
+            <a:ln>
+              <a:noFill/>
+            </a:ln>
+          </p:spPr>
+          <p:txBody>
+            <a:bodyPr spcFirstLastPara="1" wrap="square" lIns="91425" tIns="91425" rIns="91425" bIns="91425" anchor="ctr" anchorCtr="0">
+              <a:noAutofit/>
+            </a:bodyPr>
+            <a:lstStyle/>
+            <a:p>
+              <a:pPr marL="0" lvl="0" indent="0" algn="l" rtl="0">
+                <a:spcBef>
+                  <a:spcPts val="0"/>
+                </a:spcBef>
+                <a:spcAft>
+                  <a:spcPts val="0"/>
+                </a:spcAft>
+                <a:buNone/>
+              </a:pPr>
+              <a:endParaRPr/>
+            </a:p>
+          </p:txBody>
+        </p:sp>
+        <p:sp>
+          <p:nvSpPr>
+            <p:cNvPr id="30" name="Google Shape;10897;p71"/>
+            <p:cNvSpPr/>
+            <p:nvPr/>
+          </p:nvSpPr>
+          <p:spPr>
+            <a:xfrm>
+              <a:off x="3759773" y="3036503"/>
+              <a:ext cx="18121" cy="18153"/>
+            </a:xfrm>
+            <a:custGeom>
+              <a:avLst/>
+              <a:gdLst/>
+              <a:ahLst/>
+              <a:cxnLst/>
+              <a:rect l="l" t="t" r="r" b="b"/>
+              <a:pathLst>
+                <a:path w="572" h="573" extrusionOk="0">
+                  <a:moveTo>
+                    <a:pt x="155" y="1"/>
+                  </a:moveTo>
+                  <a:cubicBezTo>
+                    <a:pt x="72" y="1"/>
+                    <a:pt x="0" y="72"/>
+                    <a:pt x="0" y="155"/>
+                  </a:cubicBezTo>
+                  <a:lnTo>
+                    <a:pt x="0" y="417"/>
+                  </a:lnTo>
+                  <a:cubicBezTo>
+                    <a:pt x="0" y="501"/>
+                    <a:pt x="72" y="572"/>
+                    <a:pt x="155" y="572"/>
+                  </a:cubicBezTo>
+                  <a:lnTo>
+                    <a:pt x="417" y="572"/>
+                  </a:lnTo>
+                  <a:cubicBezTo>
+                    <a:pt x="500" y="572"/>
+                    <a:pt x="572" y="501"/>
+                    <a:pt x="572" y="417"/>
+                  </a:cubicBezTo>
+                  <a:lnTo>
+                    <a:pt x="572" y="155"/>
+                  </a:lnTo>
+                  <a:cubicBezTo>
+                    <a:pt x="572" y="72"/>
+                    <a:pt x="500" y="1"/>
+                    <a:pt x="417" y="1"/>
+                  </a:cubicBezTo>
+                  <a:close/>
+                </a:path>
+              </a:pathLst>
+            </a:custGeom>
+            <a:solidFill>
+              <a:srgbClr val="657E93"/>
+            </a:solidFill>
+            <a:ln>
+              <a:noFill/>
+            </a:ln>
+          </p:spPr>
+          <p:txBody>
+            <a:bodyPr spcFirstLastPara="1" wrap="square" lIns="91425" tIns="91425" rIns="91425" bIns="91425" anchor="ctr" anchorCtr="0">
+              <a:noAutofit/>
+            </a:bodyPr>
+            <a:lstStyle/>
+            <a:p>
+              <a:pPr marL="0" lvl="0" indent="0" algn="l" rtl="0">
+                <a:spcBef>
+                  <a:spcPts val="0"/>
+                </a:spcBef>
+                <a:spcAft>
+                  <a:spcPts val="0"/>
+                </a:spcAft>
+                <a:buNone/>
+              </a:pPr>
+              <a:endParaRPr/>
+            </a:p>
+          </p:txBody>
+        </p:sp>
+        <p:sp>
+          <p:nvSpPr>
+            <p:cNvPr id="31" name="Google Shape;10898;p71"/>
+            <p:cNvSpPr/>
+            <p:nvPr/>
+          </p:nvSpPr>
+          <p:spPr>
+            <a:xfrm>
+              <a:off x="3759773" y="3063273"/>
+              <a:ext cx="18121" cy="18533"/>
+            </a:xfrm>
+            <a:custGeom>
+              <a:avLst/>
+              <a:gdLst/>
+              <a:ahLst/>
+              <a:cxnLst/>
+              <a:rect l="l" t="t" r="r" b="b"/>
+              <a:pathLst>
+                <a:path w="572" h="585" extrusionOk="0">
+                  <a:moveTo>
+                    <a:pt x="155" y="1"/>
+                  </a:moveTo>
+                  <a:cubicBezTo>
+                    <a:pt x="72" y="1"/>
+                    <a:pt x="0" y="72"/>
+                    <a:pt x="0" y="168"/>
+                  </a:cubicBezTo>
+                  <a:lnTo>
+                    <a:pt x="0" y="418"/>
+                  </a:lnTo>
+                  <a:cubicBezTo>
+                    <a:pt x="0" y="501"/>
+                    <a:pt x="72" y="584"/>
+                    <a:pt x="155" y="584"/>
+                  </a:cubicBezTo>
+                  <a:lnTo>
+                    <a:pt x="417" y="584"/>
+                  </a:lnTo>
+                  <a:cubicBezTo>
+                    <a:pt x="500" y="584"/>
+                    <a:pt x="572" y="501"/>
+                    <a:pt x="572" y="418"/>
+                  </a:cubicBezTo>
+                  <a:lnTo>
+                    <a:pt x="572" y="168"/>
+                  </a:lnTo>
+                  <a:cubicBezTo>
+                    <a:pt x="572" y="72"/>
+                    <a:pt x="500" y="1"/>
+                    <a:pt x="417" y="1"/>
+                  </a:cubicBezTo>
+                  <a:close/>
+                </a:path>
+              </a:pathLst>
+            </a:custGeom>
+            <a:solidFill>
+              <a:srgbClr val="657E93"/>
+            </a:solidFill>
+            <a:ln>
+              <a:noFill/>
+            </a:ln>
+          </p:spPr>
+          <p:txBody>
+            <a:bodyPr spcFirstLastPara="1" wrap="square" lIns="91425" tIns="91425" rIns="91425" bIns="91425" anchor="ctr" anchorCtr="0">
+              <a:noAutofit/>
+            </a:bodyPr>
+            <a:lstStyle/>
+            <a:p>
+              <a:pPr marL="0" lvl="0" indent="0" algn="l" rtl="0">
+                <a:spcBef>
+                  <a:spcPts val="0"/>
+                </a:spcBef>
+                <a:spcAft>
+                  <a:spcPts val="0"/>
+                </a:spcAft>
+                <a:buNone/>
+              </a:pPr>
+              <a:endParaRPr/>
+            </a:p>
+          </p:txBody>
+        </p:sp>
+        <p:sp>
+          <p:nvSpPr>
+            <p:cNvPr id="33" name="Google Shape;10899;p71"/>
+            <p:cNvSpPr/>
+            <p:nvPr/>
+          </p:nvSpPr>
+          <p:spPr>
+            <a:xfrm>
+              <a:off x="3759773" y="3090074"/>
+              <a:ext cx="18121" cy="18501"/>
+            </a:xfrm>
+            <a:custGeom>
+              <a:avLst/>
+              <a:gdLst/>
+              <a:ahLst/>
+              <a:cxnLst/>
+              <a:rect l="l" t="t" r="r" b="b"/>
+              <a:pathLst>
+                <a:path w="572" h="584" extrusionOk="0">
+                  <a:moveTo>
+                    <a:pt x="155" y="0"/>
+                  </a:moveTo>
+                  <a:cubicBezTo>
+                    <a:pt x="72" y="0"/>
+                    <a:pt x="0" y="72"/>
+                    <a:pt x="0" y="167"/>
+                  </a:cubicBezTo>
+                  <a:lnTo>
+                    <a:pt x="0" y="417"/>
+                  </a:lnTo>
+                  <a:cubicBezTo>
+                    <a:pt x="0" y="512"/>
+                    <a:pt x="72" y="584"/>
+                    <a:pt x="155" y="584"/>
+                  </a:cubicBezTo>
+                  <a:lnTo>
+                    <a:pt x="417" y="584"/>
+                  </a:lnTo>
+                  <a:cubicBezTo>
+                    <a:pt x="500" y="584"/>
+                    <a:pt x="572" y="512"/>
+                    <a:pt x="572" y="417"/>
+                  </a:cubicBezTo>
+                  <a:lnTo>
+                    <a:pt x="572" y="167"/>
+                  </a:lnTo>
+                  <a:cubicBezTo>
+                    <a:pt x="572" y="72"/>
+                    <a:pt x="500" y="0"/>
+                    <a:pt x="417" y="0"/>
+                  </a:cubicBezTo>
+                  <a:close/>
+                </a:path>
+              </a:pathLst>
+            </a:custGeom>
+            <a:solidFill>
+              <a:srgbClr val="657E93"/>
+            </a:solidFill>
+            <a:ln>
+              <a:noFill/>
+            </a:ln>
+          </p:spPr>
+          <p:txBody>
+            <a:bodyPr spcFirstLastPara="1" wrap="square" lIns="91425" tIns="91425" rIns="91425" bIns="91425" anchor="ctr" anchorCtr="0">
+              <a:noAutofit/>
+            </a:bodyPr>
+            <a:lstStyle/>
+            <a:p>
+              <a:pPr marL="0" lvl="0" indent="0" algn="l" rtl="0">
+                <a:spcBef>
+                  <a:spcPts val="0"/>
+                </a:spcBef>
+                <a:spcAft>
+                  <a:spcPts val="0"/>
+                </a:spcAft>
+                <a:buNone/>
+              </a:pPr>
+              <a:endParaRPr/>
+            </a:p>
+          </p:txBody>
+        </p:sp>
+      </p:grpSp>
+      <p:pic>
+        <p:nvPicPr>
+          <p:cNvPr id="2" name="Picture 1"/>
+          <p:cNvPicPr>
+            <a:picLocks noChangeAspect="1"/>
+          </p:cNvPicPr>
+          <p:nvPr/>
+        </p:nvPicPr>
+        <p:blipFill>
+          <a:blip r:embed="rId3"/>
+          <a:stretch>
+            <a:fillRect/>
+          </a:stretch>
+        </p:blipFill>
+        <p:spPr>
+          <a:xfrm>
+            <a:off x="971225" y="1567825"/>
+            <a:ext cx="6882668" cy="757547"/>
+          </a:xfrm>
+          <a:prstGeom prst="rect">
+            <a:avLst/>
+          </a:prstGeom>
+        </p:spPr>
+      </p:pic>
+      <p:pic>
+        <p:nvPicPr>
+          <p:cNvPr id="6" name="Picture 5"/>
+          <p:cNvPicPr>
+            <a:picLocks noChangeAspect="1"/>
+          </p:cNvPicPr>
+          <p:nvPr/>
+        </p:nvPicPr>
+        <p:blipFill>
+          <a:blip r:embed="rId4"/>
+          <a:stretch>
+            <a:fillRect/>
+          </a:stretch>
+        </p:blipFill>
+        <p:spPr>
+          <a:xfrm>
+            <a:off x="971225" y="2820577"/>
+            <a:ext cx="7239224" cy="642865"/>
+          </a:xfrm>
+          <a:prstGeom prst="rect">
+            <a:avLst/>
+          </a:prstGeom>
+        </p:spPr>
+      </p:pic>
+    </p:spTree>
+    <p:extLst>
+      <p:ext uri="{BB962C8B-B14F-4D97-AF65-F5344CB8AC3E}">
+        <p14:creationId xmlns:p14="http://schemas.microsoft.com/office/powerpoint/2010/main" val="2616119870"/>
+      </p:ext>
+    </p:extLst>
+  </p:cSld>
+  <p:clrMapOvr>
+    <a:masterClrMapping/>
+  </p:clrMapOvr>
+</p:sld>
+</file>
+
+<file path=ppt/slides/slide11.xml><?xml version="1.0" encoding="utf-8"?>
+<p:sld xmlns:a="http://schemas.openxmlformats.org/drawingml/2006/main" xmlns:r="http://schemas.openxmlformats.org/officeDocument/2006/relationships" xmlns:p="http://schemas.openxmlformats.org/presentationml/2006/main">
+  <p:cSld>
+    <p:spTree>
+      <p:nvGrpSpPr>
+        <p:cNvPr id="1" name="Shape 498"/>
+        <p:cNvGrpSpPr/>
+        <p:nvPr/>
+      </p:nvGrpSpPr>
+      <p:grpSpPr>
+        <a:xfrm>
+          <a:off x="0" y="0"/>
+          <a:ext cx="0" cy="0"/>
+          <a:chOff x="0" y="0"/>
+          <a:chExt cx="0" cy="0"/>
+        </a:xfrm>
+      </p:grpSpPr>
+      <p:sp>
+        <p:nvSpPr>
+          <p:cNvPr id="500" name="Google Shape;500;p43"/>
+          <p:cNvSpPr txBox="1">
+            <a:spLocks noGrp="1"/>
+          </p:cNvSpPr>
+          <p:nvPr>
+            <p:ph type="title" idx="6"/>
+          </p:nvPr>
+        </p:nvSpPr>
+        <p:spPr>
+          <a:xfrm>
+            <a:off x="1292429" y="413702"/>
+            <a:ext cx="7704000" cy="572700"/>
+          </a:xfrm>
+          <a:prstGeom prst="rect">
+            <a:avLst/>
+          </a:prstGeom>
+        </p:spPr>
+        <p:txBody>
+          <a:bodyPr spcFirstLastPara="1" wrap="square" lIns="91425" tIns="91425" rIns="91425" bIns="91425" anchor="t" anchorCtr="0">
+            <a:noAutofit/>
+          </a:bodyPr>
+          <a:lstStyle/>
+          <a:p>
+            <a:pPr marL="0" lvl="0" indent="0" algn="l" rtl="0">
+              <a:spcBef>
+                <a:spcPts val="0"/>
+              </a:spcBef>
+              <a:spcAft>
+                <a:spcPts val="0"/>
+              </a:spcAft>
+              <a:buNone/>
+            </a:pPr>
+            <a:r>
+              <a:rPr lang="en" dirty="0" smtClean="0"/>
+              <a:t>Phân tích và đánh giá</a:t>
+            </a:r>
+            <a:endParaRPr dirty="0"/>
+          </a:p>
+        </p:txBody>
+      </p:sp>
+      <p:sp>
+        <p:nvSpPr>
+          <p:cNvPr id="32" name="Google Shape;451;p38"/>
+          <p:cNvSpPr txBox="1">
+            <a:spLocks/>
+          </p:cNvSpPr>
+          <p:nvPr/>
+        </p:nvSpPr>
+        <p:spPr>
+          <a:xfrm>
+            <a:off x="650021" y="413702"/>
+            <a:ext cx="642408" cy="612370"/>
+          </a:xfrm>
+          <a:prstGeom prst="rect">
+            <a:avLst/>
+          </a:prstGeom>
+          <a:noFill/>
+          <a:ln w="57150"/>
+        </p:spPr>
+        <p:style>
+          <a:lnRef idx="2">
+            <a:schemeClr val="dk1"/>
+          </a:lnRef>
+          <a:fillRef idx="1">
+            <a:schemeClr val="lt1"/>
+          </a:fillRef>
+          <a:effectRef idx="0">
+            <a:schemeClr val="dk1"/>
+          </a:effectRef>
+          <a:fontRef idx="minor">
+            <a:schemeClr val="dk1"/>
+          </a:fontRef>
+        </p:style>
+        <p:txBody>
+          <a:bodyPr spcFirstLastPara="1" wrap="square" lIns="91425" tIns="91425" rIns="91425" bIns="91425" anchor="ctr" anchorCtr="0">
+            <a:noAutofit/>
+          </a:bodyPr>
+          <a:lstStyle>
+            <a:defPPr marR="0" lvl="0" algn="l" rtl="0">
+              <a:lnSpc>
+                <a:spcPct val="100000"/>
+              </a:lnSpc>
+              <a:spcBef>
+                <a:spcPts val="0"/>
+              </a:spcBef>
+              <a:spcAft>
+                <a:spcPts val="0"/>
+              </a:spcAft>
+            </a:defPPr>
+            <a:lvl1pPr marR="0" lvl="0" algn="ctr" rtl="0">
+              <a:lnSpc>
+                <a:spcPct val="100000"/>
+              </a:lnSpc>
+              <a:spcBef>
+                <a:spcPts val="0"/>
+              </a:spcBef>
+              <a:spcAft>
+                <a:spcPts val="0"/>
+              </a:spcAft>
+              <a:buClr>
+                <a:schemeClr val="accent1"/>
+              </a:buClr>
+              <a:buSzPts val="3000"/>
+              <a:buFont typeface="Archivo ExtraBold"/>
+              <a:buNone/>
+              <a:defRPr sz="1800" b="0" i="0" u="none" strike="noStrike" cap="none">
+                <a:solidFill>
+                  <a:schemeClr val="accent1"/>
+                </a:solidFill>
+                <a:latin typeface="Archivo ExtraBold"/>
+                <a:ea typeface="Archivo ExtraBold"/>
+                <a:cs typeface="Archivo ExtraBold"/>
+                <a:sym typeface="Archivo ExtraBold"/>
+              </a:defRPr>
+            </a:lvl1pPr>
+            <a:lvl2pPr marR="0" lvl="1" algn="ctr" rtl="0">
+              <a:lnSpc>
+                <a:spcPct val="100000"/>
+              </a:lnSpc>
+              <a:spcBef>
+                <a:spcPts val="0"/>
+              </a:spcBef>
+              <a:spcAft>
+                <a:spcPts val="0"/>
+              </a:spcAft>
+              <a:buClr>
+                <a:schemeClr val="accent1"/>
+              </a:buClr>
+              <a:buSzPts val="3000"/>
+              <a:buFont typeface="Archivo ExtraBold"/>
+              <a:buNone/>
+              <a:defRPr sz="3000" b="0" i="0" u="none" strike="noStrike" cap="none">
+                <a:solidFill>
+                  <a:schemeClr val="accent1"/>
+                </a:solidFill>
+                <a:latin typeface="Archivo ExtraBold"/>
+                <a:ea typeface="Archivo ExtraBold"/>
+                <a:cs typeface="Archivo ExtraBold"/>
+                <a:sym typeface="Archivo ExtraBold"/>
+              </a:defRPr>
+            </a:lvl2pPr>
+            <a:lvl3pPr marR="0" lvl="2" algn="ctr" rtl="0">
+              <a:lnSpc>
+                <a:spcPct val="100000"/>
+              </a:lnSpc>
+              <a:spcBef>
+                <a:spcPts val="0"/>
+              </a:spcBef>
+              <a:spcAft>
+                <a:spcPts val="0"/>
+              </a:spcAft>
+              <a:buClr>
+                <a:schemeClr val="accent1"/>
+              </a:buClr>
+              <a:buSzPts val="3000"/>
+              <a:buFont typeface="Archivo ExtraBold"/>
+              <a:buNone/>
+              <a:defRPr sz="3000" b="0" i="0" u="none" strike="noStrike" cap="none">
+                <a:solidFill>
+                  <a:schemeClr val="accent1"/>
+                </a:solidFill>
+                <a:latin typeface="Archivo ExtraBold"/>
+                <a:ea typeface="Archivo ExtraBold"/>
+                <a:cs typeface="Archivo ExtraBold"/>
+                <a:sym typeface="Archivo ExtraBold"/>
+              </a:defRPr>
+            </a:lvl3pPr>
+            <a:lvl4pPr marR="0" lvl="3" algn="ctr" rtl="0">
+              <a:lnSpc>
+                <a:spcPct val="100000"/>
+              </a:lnSpc>
+              <a:spcBef>
+                <a:spcPts val="0"/>
+              </a:spcBef>
+              <a:spcAft>
+                <a:spcPts val="0"/>
+              </a:spcAft>
+              <a:buClr>
+                <a:schemeClr val="accent1"/>
+              </a:buClr>
+              <a:buSzPts val="3000"/>
+              <a:buFont typeface="Archivo ExtraBold"/>
+              <a:buNone/>
+              <a:defRPr sz="3000" b="0" i="0" u="none" strike="noStrike" cap="none">
+                <a:solidFill>
+                  <a:schemeClr val="accent1"/>
+                </a:solidFill>
+                <a:latin typeface="Archivo ExtraBold"/>
+                <a:ea typeface="Archivo ExtraBold"/>
+                <a:cs typeface="Archivo ExtraBold"/>
+                <a:sym typeface="Archivo ExtraBold"/>
+              </a:defRPr>
+            </a:lvl4pPr>
+            <a:lvl5pPr marR="0" lvl="4" algn="ctr" rtl="0">
+              <a:lnSpc>
+                <a:spcPct val="100000"/>
+              </a:lnSpc>
+              <a:spcBef>
+                <a:spcPts val="0"/>
+              </a:spcBef>
+              <a:spcAft>
+                <a:spcPts val="0"/>
+              </a:spcAft>
+              <a:buClr>
+                <a:schemeClr val="accent1"/>
+              </a:buClr>
+              <a:buSzPts val="3000"/>
+              <a:buFont typeface="Archivo ExtraBold"/>
+              <a:buNone/>
+              <a:defRPr sz="3000" b="0" i="0" u="none" strike="noStrike" cap="none">
+                <a:solidFill>
+                  <a:schemeClr val="accent1"/>
+                </a:solidFill>
+                <a:latin typeface="Archivo ExtraBold"/>
+                <a:ea typeface="Archivo ExtraBold"/>
+                <a:cs typeface="Archivo ExtraBold"/>
+                <a:sym typeface="Archivo ExtraBold"/>
+              </a:defRPr>
+            </a:lvl5pPr>
+            <a:lvl6pPr marR="0" lvl="5" algn="ctr" rtl="0">
+              <a:lnSpc>
+                <a:spcPct val="100000"/>
+              </a:lnSpc>
+              <a:spcBef>
+                <a:spcPts val="0"/>
+              </a:spcBef>
+              <a:spcAft>
+                <a:spcPts val="0"/>
+              </a:spcAft>
+              <a:buClr>
+                <a:schemeClr val="accent1"/>
+              </a:buClr>
+              <a:buSzPts val="3000"/>
+              <a:buFont typeface="Archivo ExtraBold"/>
+              <a:buNone/>
+              <a:defRPr sz="3000" b="0" i="0" u="none" strike="noStrike" cap="none">
+                <a:solidFill>
+                  <a:schemeClr val="accent1"/>
+                </a:solidFill>
+                <a:latin typeface="Archivo ExtraBold"/>
+                <a:ea typeface="Archivo ExtraBold"/>
+                <a:cs typeface="Archivo ExtraBold"/>
+                <a:sym typeface="Archivo ExtraBold"/>
+              </a:defRPr>
+            </a:lvl6pPr>
+            <a:lvl7pPr marR="0" lvl="6" algn="ctr" rtl="0">
+              <a:lnSpc>
+                <a:spcPct val="100000"/>
+              </a:lnSpc>
+              <a:spcBef>
+                <a:spcPts val="0"/>
+              </a:spcBef>
+              <a:spcAft>
+                <a:spcPts val="0"/>
+              </a:spcAft>
+              <a:buClr>
+                <a:schemeClr val="accent1"/>
+              </a:buClr>
+              <a:buSzPts val="3000"/>
+              <a:buFont typeface="Archivo ExtraBold"/>
+              <a:buNone/>
+              <a:defRPr sz="3000" b="0" i="0" u="none" strike="noStrike" cap="none">
+                <a:solidFill>
+                  <a:schemeClr val="accent1"/>
+                </a:solidFill>
+                <a:latin typeface="Archivo ExtraBold"/>
+                <a:ea typeface="Archivo ExtraBold"/>
+                <a:cs typeface="Archivo ExtraBold"/>
+                <a:sym typeface="Archivo ExtraBold"/>
+              </a:defRPr>
+            </a:lvl7pPr>
+            <a:lvl8pPr marR="0" lvl="7" algn="ctr" rtl="0">
+              <a:lnSpc>
+                <a:spcPct val="100000"/>
+              </a:lnSpc>
+              <a:spcBef>
+                <a:spcPts val="0"/>
+              </a:spcBef>
+              <a:spcAft>
+                <a:spcPts val="0"/>
+              </a:spcAft>
+              <a:buClr>
+                <a:schemeClr val="accent1"/>
+              </a:buClr>
+              <a:buSzPts val="3000"/>
+              <a:buFont typeface="Archivo ExtraBold"/>
+              <a:buNone/>
+              <a:defRPr sz="3000" b="0" i="0" u="none" strike="noStrike" cap="none">
+                <a:solidFill>
+                  <a:schemeClr val="accent1"/>
+                </a:solidFill>
+                <a:latin typeface="Archivo ExtraBold"/>
+                <a:ea typeface="Archivo ExtraBold"/>
+                <a:cs typeface="Archivo ExtraBold"/>
+                <a:sym typeface="Archivo ExtraBold"/>
+              </a:defRPr>
+            </a:lvl8pPr>
+            <a:lvl9pPr marR="0" lvl="8" algn="ctr" rtl="0">
+              <a:lnSpc>
+                <a:spcPct val="100000"/>
+              </a:lnSpc>
+              <a:spcBef>
+                <a:spcPts val="0"/>
+              </a:spcBef>
+              <a:spcAft>
+                <a:spcPts val="0"/>
+              </a:spcAft>
+              <a:buClr>
+                <a:schemeClr val="accent1"/>
+              </a:buClr>
+              <a:buSzPts val="3000"/>
+              <a:buFont typeface="Archivo ExtraBold"/>
+              <a:buNone/>
+              <a:defRPr sz="3000" b="0" i="0" u="none" strike="noStrike" cap="none">
+                <a:solidFill>
+                  <a:schemeClr val="accent1"/>
+                </a:solidFill>
+                <a:latin typeface="Archivo ExtraBold"/>
+                <a:ea typeface="Archivo ExtraBold"/>
+                <a:cs typeface="Archivo ExtraBold"/>
+                <a:sym typeface="Archivo ExtraBold"/>
+              </a:defRPr>
+            </a:lvl9pPr>
+          </a:lstStyle>
+          <a:p>
+            <a:r>
+              <a:rPr lang="en" dirty="0" smtClean="0"/>
+              <a:t>04</a:t>
+            </a:r>
+            <a:endParaRPr lang="en" dirty="0"/>
+          </a:p>
+        </p:txBody>
+      </p:sp>
+      <p:sp>
+        <p:nvSpPr>
+          <p:cNvPr id="40" name="Subtitle 7"/>
+          <p:cNvSpPr>
+            <a:spLocks noGrp="1"/>
+          </p:cNvSpPr>
+          <p:nvPr>
+            <p:ph type="subTitle" idx="1"/>
+          </p:nvPr>
+        </p:nvSpPr>
+        <p:spPr>
+          <a:xfrm>
+            <a:off x="5218771" y="1108119"/>
+            <a:ext cx="2631687" cy="1687120"/>
+          </a:xfrm>
+        </p:spPr>
+        <p:txBody>
+          <a:bodyPr/>
+          <a:lstStyle/>
+          <a:p>
+            <a:pPr algn="l">
+              <a:spcBef>
+                <a:spcPts val="600"/>
+              </a:spcBef>
+            </a:pPr>
+            <a:r>
+              <a:rPr lang="en-US" sz="1600" dirty="0" smtClean="0">
+                <a:latin typeface="Archivo ExtraBold" panose="020B0604020202020204" charset="0"/>
+                <a:cs typeface="Archivo ExtraBold" panose="020B0604020202020204" charset="0"/>
+              </a:rPr>
+              <a:t>Độ </a:t>
+            </a:r>
+            <a:r>
+              <a:rPr lang="en-US" sz="1600" dirty="0" err="1" smtClean="0">
+                <a:latin typeface="Archivo ExtraBold" panose="020B0604020202020204" charset="0"/>
+                <a:cs typeface="Archivo ExtraBold" panose="020B0604020202020204" charset="0"/>
+              </a:rPr>
+              <a:t>chính</a:t>
+            </a:r>
+            <a:r>
+              <a:rPr lang="en-US" sz="1600" dirty="0" smtClean="0">
+                <a:latin typeface="Archivo ExtraBold" panose="020B0604020202020204" charset="0"/>
+                <a:cs typeface="Archivo ExtraBold" panose="020B0604020202020204" charset="0"/>
+              </a:rPr>
+              <a:t> xác không </a:t>
+            </a:r>
+            <a:r>
+              <a:rPr lang="en-US" sz="1600" dirty="0" err="1" smtClean="0">
+                <a:latin typeface="Archivo ExtraBold" panose="020B0604020202020204" charset="0"/>
+                <a:cs typeface="Archivo ExtraBold" panose="020B0604020202020204" charset="0"/>
+              </a:rPr>
+              <a:t>chênh</a:t>
+            </a:r>
+            <a:r>
+              <a:rPr lang="en-US" sz="1600" dirty="0" smtClean="0">
+                <a:latin typeface="Archivo ExtraBold" panose="020B0604020202020204" charset="0"/>
+                <a:cs typeface="Archivo ExtraBold" panose="020B0604020202020204" charset="0"/>
+              </a:rPr>
+              <a:t> </a:t>
+            </a:r>
+            <a:r>
+              <a:rPr lang="en-US" sz="1600" dirty="0" err="1" smtClean="0">
+                <a:latin typeface="Archivo ExtraBold" panose="020B0604020202020204" charset="0"/>
+                <a:cs typeface="Archivo ExtraBold" panose="020B0604020202020204" charset="0"/>
+              </a:rPr>
+              <a:t>lệch</a:t>
+            </a:r>
+            <a:r>
+              <a:rPr lang="en-US" sz="1600" dirty="0" smtClean="0">
+                <a:latin typeface="Archivo ExtraBold" panose="020B0604020202020204" charset="0"/>
+                <a:cs typeface="Archivo ExtraBold" panose="020B0604020202020204" charset="0"/>
+              </a:rPr>
+              <a:t> nhau quá </a:t>
+            </a:r>
+            <a:r>
+              <a:rPr lang="en-US" sz="1600" dirty="0" err="1" smtClean="0">
+                <a:latin typeface="Archivo ExtraBold" panose="020B0604020202020204" charset="0"/>
+                <a:cs typeface="Archivo ExtraBold" panose="020B0604020202020204" charset="0"/>
+              </a:rPr>
+              <a:t>cao</a:t>
+            </a:r>
+            <a:r>
+              <a:rPr lang="en-US" sz="1600" dirty="0">
+                <a:latin typeface="Archivo ExtraBold" panose="020B0604020202020204" charset="0"/>
+                <a:cs typeface="Archivo ExtraBold" panose="020B0604020202020204" charset="0"/>
+              </a:rPr>
+              <a:t> </a:t>
+            </a:r>
+            <a:r>
+              <a:rPr lang="en-US" sz="1600" dirty="0" smtClean="0">
+                <a:latin typeface="Archivo ExtraBold" panose="020B0604020202020204" charset="0"/>
+                <a:cs typeface="Archivo ExtraBold" panose="020B0604020202020204" charset="0"/>
+              </a:rPr>
+              <a:t>=&gt; </a:t>
+            </a:r>
+            <a:r>
+              <a:rPr lang="en-US" sz="1600" dirty="0" err="1" smtClean="0">
+                <a:latin typeface="Archivo ExtraBold" panose="020B0604020202020204" charset="0"/>
+                <a:cs typeface="Archivo ExtraBold" panose="020B0604020202020204" charset="0"/>
+              </a:rPr>
+              <a:t>Huấn</a:t>
+            </a:r>
+            <a:r>
+              <a:rPr lang="en-US" sz="1600" dirty="0" smtClean="0">
+                <a:latin typeface="Archivo ExtraBold" panose="020B0604020202020204" charset="0"/>
+                <a:cs typeface="Archivo ExtraBold" panose="020B0604020202020204" charset="0"/>
+              </a:rPr>
+              <a:t> luyện </a:t>
+            </a:r>
+            <a:r>
+              <a:rPr lang="en-US" sz="1600" dirty="0" err="1" smtClean="0">
+                <a:latin typeface="Archivo ExtraBold" panose="020B0604020202020204" charset="0"/>
+                <a:cs typeface="Archivo ExtraBold" panose="020B0604020202020204" charset="0"/>
+              </a:rPr>
+              <a:t>mô</a:t>
+            </a:r>
+            <a:r>
+              <a:rPr lang="en-US" sz="1600" dirty="0" smtClean="0">
+                <a:latin typeface="Archivo ExtraBold" panose="020B0604020202020204" charset="0"/>
+                <a:cs typeface="Archivo ExtraBold" panose="020B0604020202020204" charset="0"/>
+              </a:rPr>
+              <a:t> hình có </a:t>
+            </a:r>
+            <a:r>
+              <a:rPr lang="en-US" sz="1600" dirty="0" err="1" smtClean="0">
+                <a:latin typeface="Archivo ExtraBold" panose="020B0604020202020204" charset="0"/>
+                <a:cs typeface="Archivo ExtraBold" panose="020B0604020202020204" charset="0"/>
+              </a:rPr>
+              <a:t>hiệu</a:t>
+            </a:r>
+            <a:r>
+              <a:rPr lang="en-US" sz="1600" dirty="0" smtClean="0">
+                <a:latin typeface="Archivo ExtraBold" panose="020B0604020202020204" charset="0"/>
+                <a:cs typeface="Archivo ExtraBold" panose="020B0604020202020204" charset="0"/>
+              </a:rPr>
+              <a:t> </a:t>
+            </a:r>
+            <a:r>
+              <a:rPr lang="en-US" sz="1600" dirty="0" err="1" smtClean="0">
+                <a:latin typeface="Archivo ExtraBold" panose="020B0604020202020204" charset="0"/>
+                <a:cs typeface="Archivo ExtraBold" panose="020B0604020202020204" charset="0"/>
+              </a:rPr>
+              <a:t>quả</a:t>
+            </a:r>
+            <a:endParaRPr lang="en-US" sz="1600" dirty="0">
+              <a:latin typeface="Archivo ExtraBold" panose="020B0604020202020204" charset="0"/>
+              <a:cs typeface="Archivo ExtraBold" panose="020B0604020202020204" charset="0"/>
+            </a:endParaRPr>
+          </a:p>
+        </p:txBody>
+      </p:sp>
+      <p:sp>
+        <p:nvSpPr>
+          <p:cNvPr id="8" name="Google Shape;11115;p71"/>
+          <p:cNvSpPr/>
+          <p:nvPr/>
+        </p:nvSpPr>
+        <p:spPr>
+          <a:xfrm>
+            <a:off x="40421" y="1160158"/>
+            <a:ext cx="468352" cy="550608"/>
+          </a:xfrm>
+          <a:custGeom>
+            <a:avLst/>
+            <a:gdLst/>
+            <a:ahLst/>
+            <a:cxnLst/>
+            <a:rect l="l" t="t" r="r" b="b"/>
+            <a:pathLst>
+              <a:path w="7276" h="8218" extrusionOk="0">
+                <a:moveTo>
+                  <a:pt x="3322" y="3038"/>
+                </a:moveTo>
+                <a:cubicBezTo>
+                  <a:pt x="3394" y="3038"/>
+                  <a:pt x="3489" y="3074"/>
+                  <a:pt x="3549" y="3134"/>
+                </a:cubicBezTo>
+                <a:cubicBezTo>
+                  <a:pt x="3668" y="3241"/>
+                  <a:pt x="3668" y="3431"/>
+                  <a:pt x="3525" y="3562"/>
+                </a:cubicBezTo>
+                <a:cubicBezTo>
+                  <a:pt x="3465" y="3622"/>
+                  <a:pt x="3388" y="3651"/>
+                  <a:pt x="3311" y="3651"/>
+                </a:cubicBezTo>
+                <a:cubicBezTo>
+                  <a:pt x="3233" y="3651"/>
+                  <a:pt x="3156" y="3622"/>
+                  <a:pt x="3096" y="3562"/>
+                </a:cubicBezTo>
+                <a:cubicBezTo>
+                  <a:pt x="2977" y="3443"/>
+                  <a:pt x="2977" y="3253"/>
+                  <a:pt x="3096" y="3134"/>
+                </a:cubicBezTo>
+                <a:cubicBezTo>
+                  <a:pt x="3156" y="3074"/>
+                  <a:pt x="3227" y="3038"/>
+                  <a:pt x="3322" y="3038"/>
+                </a:cubicBezTo>
+                <a:close/>
+                <a:moveTo>
+                  <a:pt x="2441" y="3919"/>
+                </a:moveTo>
+                <a:cubicBezTo>
+                  <a:pt x="2537" y="3919"/>
+                  <a:pt x="2608" y="3955"/>
+                  <a:pt x="2668" y="4015"/>
+                </a:cubicBezTo>
+                <a:cubicBezTo>
+                  <a:pt x="2727" y="4074"/>
+                  <a:pt x="2751" y="4146"/>
+                  <a:pt x="2751" y="4229"/>
+                </a:cubicBezTo>
+                <a:cubicBezTo>
+                  <a:pt x="2739" y="4312"/>
+                  <a:pt x="2715" y="4384"/>
+                  <a:pt x="2656" y="4443"/>
+                </a:cubicBezTo>
+                <a:cubicBezTo>
+                  <a:pt x="2596" y="4503"/>
+                  <a:pt x="2516" y="4533"/>
+                  <a:pt x="2435" y="4533"/>
+                </a:cubicBezTo>
+                <a:cubicBezTo>
+                  <a:pt x="2355" y="4533"/>
+                  <a:pt x="2275" y="4503"/>
+                  <a:pt x="2215" y="4443"/>
+                </a:cubicBezTo>
+                <a:cubicBezTo>
+                  <a:pt x="2096" y="4324"/>
+                  <a:pt x="2096" y="4134"/>
+                  <a:pt x="2215" y="4015"/>
+                </a:cubicBezTo>
+                <a:cubicBezTo>
+                  <a:pt x="2275" y="3955"/>
+                  <a:pt x="2358" y="3919"/>
+                  <a:pt x="2441" y="3919"/>
+                </a:cubicBezTo>
+                <a:close/>
+                <a:moveTo>
+                  <a:pt x="6109" y="5062"/>
+                </a:moveTo>
+                <a:lnTo>
+                  <a:pt x="6620" y="5586"/>
+                </a:lnTo>
+                <a:lnTo>
+                  <a:pt x="4775" y="7432"/>
+                </a:lnTo>
+                <a:lnTo>
+                  <a:pt x="4656" y="7551"/>
+                </a:lnTo>
+                <a:lnTo>
+                  <a:pt x="4144" y="7027"/>
+                </a:lnTo>
+                <a:lnTo>
+                  <a:pt x="4215" y="6955"/>
+                </a:lnTo>
+                <a:lnTo>
+                  <a:pt x="4680" y="6491"/>
+                </a:lnTo>
+                <a:lnTo>
+                  <a:pt x="5573" y="5598"/>
+                </a:lnTo>
+                <a:lnTo>
+                  <a:pt x="6025" y="5146"/>
+                </a:lnTo>
+                <a:lnTo>
+                  <a:pt x="6109" y="5062"/>
+                </a:lnTo>
+                <a:close/>
+                <a:moveTo>
+                  <a:pt x="6644" y="6062"/>
+                </a:moveTo>
+                <a:lnTo>
+                  <a:pt x="6668" y="6098"/>
+                </a:lnTo>
+                <a:cubicBezTo>
+                  <a:pt x="6859" y="6289"/>
+                  <a:pt x="6978" y="6551"/>
+                  <a:pt x="6978" y="6836"/>
+                </a:cubicBezTo>
+                <a:cubicBezTo>
+                  <a:pt x="6978" y="7122"/>
+                  <a:pt x="6859" y="7384"/>
+                  <a:pt x="6668" y="7586"/>
+                </a:cubicBezTo>
+                <a:cubicBezTo>
+                  <a:pt x="6478" y="7777"/>
+                  <a:pt x="6204" y="7896"/>
+                  <a:pt x="5930" y="7896"/>
+                </a:cubicBezTo>
+                <a:cubicBezTo>
+                  <a:pt x="5644" y="7896"/>
+                  <a:pt x="5370" y="7789"/>
+                  <a:pt x="5180" y="7586"/>
+                </a:cubicBezTo>
+                <a:lnTo>
+                  <a:pt x="5156" y="7551"/>
+                </a:lnTo>
+                <a:lnTo>
+                  <a:pt x="6644" y="6062"/>
+                </a:lnTo>
+                <a:close/>
+                <a:moveTo>
+                  <a:pt x="1942" y="1"/>
+                </a:moveTo>
+                <a:cubicBezTo>
+                  <a:pt x="1249" y="1"/>
+                  <a:pt x="584" y="249"/>
+                  <a:pt x="72" y="693"/>
+                </a:cubicBezTo>
+                <a:cubicBezTo>
+                  <a:pt x="1" y="752"/>
+                  <a:pt x="1" y="859"/>
+                  <a:pt x="60" y="931"/>
+                </a:cubicBezTo>
+                <a:cubicBezTo>
+                  <a:pt x="91" y="968"/>
+                  <a:pt x="135" y="986"/>
+                  <a:pt x="181" y="986"/>
+                </a:cubicBezTo>
+                <a:cubicBezTo>
+                  <a:pt x="222" y="986"/>
+                  <a:pt x="264" y="971"/>
+                  <a:pt x="298" y="943"/>
+                </a:cubicBezTo>
+                <a:cubicBezTo>
+                  <a:pt x="775" y="540"/>
+                  <a:pt x="1365" y="340"/>
+                  <a:pt x="1953" y="340"/>
+                </a:cubicBezTo>
+                <a:cubicBezTo>
+                  <a:pt x="2601" y="340"/>
+                  <a:pt x="3247" y="582"/>
+                  <a:pt x="3739" y="1062"/>
+                </a:cubicBezTo>
+                <a:cubicBezTo>
+                  <a:pt x="4144" y="1467"/>
+                  <a:pt x="4406" y="1967"/>
+                  <a:pt x="4477" y="2538"/>
+                </a:cubicBezTo>
+                <a:cubicBezTo>
+                  <a:pt x="4620" y="3491"/>
+                  <a:pt x="5013" y="4336"/>
+                  <a:pt x="5668" y="5003"/>
+                </a:cubicBezTo>
+                <a:lnTo>
+                  <a:pt x="5454" y="5229"/>
+                </a:lnTo>
+                <a:lnTo>
+                  <a:pt x="3882" y="3669"/>
+                </a:lnTo>
+                <a:cubicBezTo>
+                  <a:pt x="4037" y="3419"/>
+                  <a:pt x="3989" y="3098"/>
+                  <a:pt x="3787" y="2884"/>
+                </a:cubicBezTo>
+                <a:cubicBezTo>
+                  <a:pt x="3656" y="2753"/>
+                  <a:pt x="3486" y="2687"/>
+                  <a:pt x="3318" y="2687"/>
+                </a:cubicBezTo>
+                <a:cubicBezTo>
+                  <a:pt x="3150" y="2687"/>
+                  <a:pt x="2983" y="2753"/>
+                  <a:pt x="2858" y="2884"/>
+                </a:cubicBezTo>
+                <a:cubicBezTo>
+                  <a:pt x="2656" y="3086"/>
+                  <a:pt x="2608" y="3419"/>
+                  <a:pt x="2751" y="3669"/>
+                </a:cubicBezTo>
+                <a:cubicBezTo>
+                  <a:pt x="2656" y="3610"/>
+                  <a:pt x="2549" y="3574"/>
+                  <a:pt x="2429" y="3574"/>
+                </a:cubicBezTo>
+                <a:cubicBezTo>
+                  <a:pt x="2251" y="3574"/>
+                  <a:pt x="2084" y="3657"/>
+                  <a:pt x="1965" y="3776"/>
+                </a:cubicBezTo>
+                <a:cubicBezTo>
+                  <a:pt x="1715" y="4027"/>
+                  <a:pt x="1715" y="4443"/>
+                  <a:pt x="1965" y="4693"/>
+                </a:cubicBezTo>
+                <a:cubicBezTo>
+                  <a:pt x="2096" y="4824"/>
+                  <a:pt x="2263" y="4884"/>
+                  <a:pt x="2429" y="4884"/>
+                </a:cubicBezTo>
+                <a:cubicBezTo>
+                  <a:pt x="2537" y="4884"/>
+                  <a:pt x="2656" y="4860"/>
+                  <a:pt x="2739" y="4800"/>
+                </a:cubicBezTo>
+                <a:cubicBezTo>
+                  <a:pt x="2834" y="4884"/>
+                  <a:pt x="2906" y="4967"/>
+                  <a:pt x="2989" y="5039"/>
+                </a:cubicBezTo>
+                <a:cubicBezTo>
+                  <a:pt x="3025" y="5062"/>
+                  <a:pt x="3072" y="5086"/>
+                  <a:pt x="3108" y="5086"/>
+                </a:cubicBezTo>
+                <a:cubicBezTo>
+                  <a:pt x="3156" y="5086"/>
+                  <a:pt x="3203" y="5062"/>
+                  <a:pt x="3227" y="5027"/>
+                </a:cubicBezTo>
+                <a:cubicBezTo>
+                  <a:pt x="3287" y="4943"/>
+                  <a:pt x="3287" y="4848"/>
+                  <a:pt x="3215" y="4789"/>
+                </a:cubicBezTo>
+                <a:cubicBezTo>
+                  <a:pt x="3144" y="4705"/>
+                  <a:pt x="3049" y="4634"/>
+                  <a:pt x="2977" y="4562"/>
+                </a:cubicBezTo>
+                <a:cubicBezTo>
+                  <a:pt x="3037" y="4455"/>
+                  <a:pt x="3072" y="4348"/>
+                  <a:pt x="3072" y="4229"/>
+                </a:cubicBezTo>
+                <a:cubicBezTo>
+                  <a:pt x="3072" y="4110"/>
+                  <a:pt x="3037" y="3991"/>
+                  <a:pt x="2977" y="3907"/>
+                </a:cubicBezTo>
+                <a:lnTo>
+                  <a:pt x="2977" y="3907"/>
+                </a:lnTo>
+                <a:cubicBezTo>
+                  <a:pt x="3084" y="3967"/>
+                  <a:pt x="3203" y="3991"/>
+                  <a:pt x="3311" y="3991"/>
+                </a:cubicBezTo>
+                <a:cubicBezTo>
+                  <a:pt x="3430" y="3991"/>
+                  <a:pt x="3525" y="3967"/>
+                  <a:pt x="3632" y="3907"/>
+                </a:cubicBezTo>
+                <a:lnTo>
+                  <a:pt x="5192" y="5467"/>
+                </a:lnTo>
+                <a:lnTo>
+                  <a:pt x="4537" y="6122"/>
+                </a:lnTo>
+                <a:lnTo>
+                  <a:pt x="3751" y="5336"/>
+                </a:lnTo>
+                <a:cubicBezTo>
+                  <a:pt x="3721" y="5300"/>
+                  <a:pt x="3677" y="5283"/>
+                  <a:pt x="3632" y="5283"/>
+                </a:cubicBezTo>
+                <a:cubicBezTo>
+                  <a:pt x="3587" y="5283"/>
+                  <a:pt x="3543" y="5300"/>
+                  <a:pt x="3513" y="5336"/>
+                </a:cubicBezTo>
+                <a:cubicBezTo>
+                  <a:pt x="3442" y="5396"/>
+                  <a:pt x="3442" y="5515"/>
+                  <a:pt x="3513" y="5574"/>
+                </a:cubicBezTo>
+                <a:lnTo>
+                  <a:pt x="4299" y="6360"/>
+                </a:lnTo>
+                <a:lnTo>
+                  <a:pt x="4084" y="6586"/>
+                </a:lnTo>
+                <a:cubicBezTo>
+                  <a:pt x="3394" y="5932"/>
+                  <a:pt x="2537" y="5515"/>
+                  <a:pt x="1620" y="5396"/>
+                </a:cubicBezTo>
+                <a:cubicBezTo>
+                  <a:pt x="1286" y="5348"/>
+                  <a:pt x="941" y="5229"/>
+                  <a:pt x="644" y="5050"/>
+                </a:cubicBezTo>
+                <a:cubicBezTo>
+                  <a:pt x="621" y="5035"/>
+                  <a:pt x="595" y="5029"/>
+                  <a:pt x="568" y="5029"/>
+                </a:cubicBezTo>
+                <a:cubicBezTo>
+                  <a:pt x="510" y="5029"/>
+                  <a:pt x="446" y="5061"/>
+                  <a:pt x="405" y="5110"/>
+                </a:cubicBezTo>
+                <a:cubicBezTo>
+                  <a:pt x="358" y="5181"/>
+                  <a:pt x="394" y="5289"/>
+                  <a:pt x="465" y="5348"/>
+                </a:cubicBezTo>
+                <a:cubicBezTo>
+                  <a:pt x="810" y="5562"/>
+                  <a:pt x="1179" y="5681"/>
+                  <a:pt x="1560" y="5741"/>
+                </a:cubicBezTo>
+                <a:cubicBezTo>
+                  <a:pt x="2394" y="5836"/>
+                  <a:pt x="3191" y="6229"/>
+                  <a:pt x="3823" y="6824"/>
+                </a:cubicBezTo>
+                <a:lnTo>
+                  <a:pt x="3751" y="6896"/>
+                </a:lnTo>
+                <a:cubicBezTo>
+                  <a:pt x="3692" y="6955"/>
+                  <a:pt x="3692" y="7075"/>
+                  <a:pt x="3751" y="7134"/>
+                </a:cubicBezTo>
+                <a:lnTo>
+                  <a:pt x="4525" y="7908"/>
+                </a:lnTo>
+                <a:cubicBezTo>
+                  <a:pt x="4561" y="7944"/>
+                  <a:pt x="4596" y="7956"/>
+                  <a:pt x="4644" y="7956"/>
+                </a:cubicBezTo>
+                <a:cubicBezTo>
+                  <a:pt x="4692" y="7956"/>
+                  <a:pt x="4739" y="7944"/>
+                  <a:pt x="4763" y="7908"/>
+                </a:cubicBezTo>
+                <a:lnTo>
+                  <a:pt x="4882" y="7789"/>
+                </a:lnTo>
+                <a:lnTo>
+                  <a:pt x="4918" y="7825"/>
+                </a:lnTo>
+                <a:cubicBezTo>
+                  <a:pt x="5180" y="8087"/>
+                  <a:pt x="5525" y="8217"/>
+                  <a:pt x="5894" y="8217"/>
+                </a:cubicBezTo>
+                <a:cubicBezTo>
+                  <a:pt x="6263" y="8217"/>
+                  <a:pt x="6620" y="8075"/>
+                  <a:pt x="6882" y="7825"/>
+                </a:cubicBezTo>
+                <a:cubicBezTo>
+                  <a:pt x="7144" y="7551"/>
+                  <a:pt x="7275" y="7205"/>
+                  <a:pt x="7275" y="6836"/>
+                </a:cubicBezTo>
+                <a:cubicBezTo>
+                  <a:pt x="7275" y="6467"/>
+                  <a:pt x="7180" y="6122"/>
+                  <a:pt x="6906" y="5860"/>
+                </a:cubicBezTo>
+                <a:lnTo>
+                  <a:pt x="6882" y="5824"/>
+                </a:lnTo>
+                <a:lnTo>
+                  <a:pt x="6990" y="5705"/>
+                </a:lnTo>
+                <a:cubicBezTo>
+                  <a:pt x="7049" y="5646"/>
+                  <a:pt x="7049" y="5527"/>
+                  <a:pt x="6990" y="5467"/>
+                </a:cubicBezTo>
+                <a:lnTo>
+                  <a:pt x="6216" y="4693"/>
+                </a:lnTo>
+                <a:cubicBezTo>
+                  <a:pt x="6192" y="4669"/>
+                  <a:pt x="6144" y="4646"/>
+                  <a:pt x="6097" y="4646"/>
+                </a:cubicBezTo>
+                <a:cubicBezTo>
+                  <a:pt x="6061" y="4646"/>
+                  <a:pt x="6013" y="4669"/>
+                  <a:pt x="5989" y="4693"/>
+                </a:cubicBezTo>
+                <a:lnTo>
+                  <a:pt x="5906" y="4765"/>
+                </a:lnTo>
+                <a:cubicBezTo>
+                  <a:pt x="5311" y="4157"/>
+                  <a:pt x="4942" y="3372"/>
+                  <a:pt x="4823" y="2491"/>
+                </a:cubicBezTo>
+                <a:cubicBezTo>
+                  <a:pt x="4739" y="1848"/>
+                  <a:pt x="4454" y="1276"/>
+                  <a:pt x="3977" y="824"/>
+                </a:cubicBezTo>
+                <a:cubicBezTo>
+                  <a:pt x="3453" y="324"/>
+                  <a:pt x="2775" y="26"/>
+                  <a:pt x="2037" y="2"/>
+                </a:cubicBezTo>
+                <a:cubicBezTo>
+                  <a:pt x="2005" y="1"/>
+                  <a:pt x="1973" y="1"/>
+                  <a:pt x="1942" y="1"/>
+                </a:cubicBezTo>
+                <a:close/>
+              </a:path>
+            </a:pathLst>
+          </a:custGeom>
+          <a:solidFill>
+            <a:srgbClr val="657E93"/>
+          </a:solidFill>
+          <a:ln>
+            <a:noFill/>
+          </a:ln>
+        </p:spPr>
+        <p:txBody>
+          <a:bodyPr spcFirstLastPara="1" wrap="square" lIns="91425" tIns="91425" rIns="91425" bIns="91425" anchor="ctr" anchorCtr="0">
+            <a:noAutofit/>
+          </a:bodyPr>
+          <a:lstStyle/>
+          <a:p>
+            <a:pPr marL="0" lvl="0" indent="0" algn="l" rtl="0">
+              <a:spcBef>
+                <a:spcPts val="0"/>
+              </a:spcBef>
+              <a:spcAft>
+                <a:spcPts val="0"/>
+              </a:spcAft>
+              <a:buNone/>
+            </a:pPr>
+            <a:endParaRPr/>
+          </a:p>
+        </p:txBody>
+      </p:sp>
+      <p:pic>
+        <p:nvPicPr>
+          <p:cNvPr id="2" name="Picture 1"/>
+          <p:cNvPicPr>
+            <a:picLocks noChangeAspect="1"/>
+          </p:cNvPicPr>
+          <p:nvPr/>
+        </p:nvPicPr>
+        <p:blipFill>
+          <a:blip r:embed="rId3">
+            <a:extLst>
+              <a:ext uri="{28A0092B-C50C-407E-A947-70E740481C1C}">
+                <a14:useLocalDpi xmlns:a14="http://schemas.microsoft.com/office/drawing/2010/main" val="0"/>
+              </a:ext>
+            </a:extLst>
+          </a:blip>
+          <a:stretch>
+            <a:fillRect/>
+          </a:stretch>
+        </p:blipFill>
+        <p:spPr>
+          <a:xfrm>
+            <a:off x="738948" y="1245586"/>
+            <a:ext cx="4405481" cy="3304111"/>
+          </a:xfrm>
+          <a:prstGeom prst="rect">
+            <a:avLst/>
+          </a:prstGeom>
+        </p:spPr>
+      </p:pic>
+    </p:spTree>
+    <p:extLst>
+      <p:ext uri="{BB962C8B-B14F-4D97-AF65-F5344CB8AC3E}">
+        <p14:creationId xmlns:p14="http://schemas.microsoft.com/office/powerpoint/2010/main" val="800802913"/>
+      </p:ext>
+    </p:extLst>
+  </p:cSld>
+  <p:clrMapOvr>
+    <a:masterClrMapping/>
+  </p:clrMapOvr>
+</p:sld>
+</file>
+
+<file path=ppt/slides/slide12.xml><?xml version="1.0" encoding="utf-8"?>
+<p:sld xmlns:a="http://schemas.openxmlformats.org/drawingml/2006/main" xmlns:r="http://schemas.openxmlformats.org/officeDocument/2006/relationships" xmlns:p="http://schemas.openxmlformats.org/presentationml/2006/main">
+  <p:cSld>
+    <p:spTree>
+      <p:nvGrpSpPr>
+        <p:cNvPr id="1" name="Shape 498"/>
+        <p:cNvGrpSpPr/>
+        <p:nvPr/>
+      </p:nvGrpSpPr>
+      <p:grpSpPr>
+        <a:xfrm>
+          <a:off x="0" y="0"/>
+          <a:ext cx="0" cy="0"/>
+          <a:chOff x="0" y="0"/>
+          <a:chExt cx="0" cy="0"/>
+        </a:xfrm>
+      </p:grpSpPr>
+      <p:sp>
+        <p:nvSpPr>
+          <p:cNvPr id="500" name="Google Shape;500;p43"/>
+          <p:cNvSpPr txBox="1">
+            <a:spLocks noGrp="1"/>
+          </p:cNvSpPr>
+          <p:nvPr>
+            <p:ph type="title" idx="6"/>
+          </p:nvPr>
+        </p:nvSpPr>
+        <p:spPr>
+          <a:xfrm>
+            <a:off x="1292429" y="413702"/>
+            <a:ext cx="7704000" cy="572700"/>
+          </a:xfrm>
+          <a:prstGeom prst="rect">
+            <a:avLst/>
+          </a:prstGeom>
+        </p:spPr>
+        <p:txBody>
+          <a:bodyPr spcFirstLastPara="1" wrap="square" lIns="91425" tIns="91425" rIns="91425" bIns="91425" anchor="t" anchorCtr="0">
+            <a:noAutofit/>
+          </a:bodyPr>
+          <a:lstStyle/>
+          <a:p>
+            <a:pPr marL="0" lvl="0" indent="0" algn="l" rtl="0">
+              <a:spcBef>
+                <a:spcPts val="0"/>
+              </a:spcBef>
+              <a:spcAft>
+                <a:spcPts val="0"/>
+              </a:spcAft>
+              <a:buNone/>
+            </a:pPr>
+            <a:r>
+              <a:rPr lang="en" dirty="0" smtClean="0"/>
+              <a:t>Phân tích và đánh giá</a:t>
+            </a:r>
+            <a:endParaRPr dirty="0"/>
+          </a:p>
+        </p:txBody>
+      </p:sp>
+      <p:sp>
+        <p:nvSpPr>
+          <p:cNvPr id="32" name="Google Shape;451;p38"/>
+          <p:cNvSpPr txBox="1">
+            <a:spLocks/>
+          </p:cNvSpPr>
+          <p:nvPr/>
+        </p:nvSpPr>
+        <p:spPr>
+          <a:xfrm>
+            <a:off x="650021" y="413702"/>
+            <a:ext cx="642408" cy="612370"/>
+          </a:xfrm>
+          <a:prstGeom prst="rect">
+            <a:avLst/>
+          </a:prstGeom>
+          <a:noFill/>
+          <a:ln w="57150"/>
+        </p:spPr>
+        <p:style>
+          <a:lnRef idx="2">
+            <a:schemeClr val="dk1"/>
+          </a:lnRef>
+          <a:fillRef idx="1">
+            <a:schemeClr val="lt1"/>
+          </a:fillRef>
+          <a:effectRef idx="0">
+            <a:schemeClr val="dk1"/>
+          </a:effectRef>
+          <a:fontRef idx="minor">
+            <a:schemeClr val="dk1"/>
+          </a:fontRef>
+        </p:style>
+        <p:txBody>
+          <a:bodyPr spcFirstLastPara="1" wrap="square" lIns="91425" tIns="91425" rIns="91425" bIns="91425" anchor="ctr" anchorCtr="0">
+            <a:noAutofit/>
+          </a:bodyPr>
+          <a:lstStyle>
+            <a:defPPr marR="0" lvl="0" algn="l" rtl="0">
+              <a:lnSpc>
+                <a:spcPct val="100000"/>
+              </a:lnSpc>
+              <a:spcBef>
+                <a:spcPts val="0"/>
+              </a:spcBef>
+              <a:spcAft>
+                <a:spcPts val="0"/>
+              </a:spcAft>
+            </a:defPPr>
+            <a:lvl1pPr marR="0" lvl="0" algn="ctr" rtl="0">
+              <a:lnSpc>
+                <a:spcPct val="100000"/>
+              </a:lnSpc>
+              <a:spcBef>
+                <a:spcPts val="0"/>
+              </a:spcBef>
+              <a:spcAft>
+                <a:spcPts val="0"/>
+              </a:spcAft>
+              <a:buClr>
+                <a:schemeClr val="accent1"/>
+              </a:buClr>
+              <a:buSzPts val="3000"/>
+              <a:buFont typeface="Archivo ExtraBold"/>
+              <a:buNone/>
+              <a:defRPr sz="1800" b="0" i="0" u="none" strike="noStrike" cap="none">
+                <a:solidFill>
+                  <a:schemeClr val="accent1"/>
+                </a:solidFill>
+                <a:latin typeface="Archivo ExtraBold"/>
+                <a:ea typeface="Archivo ExtraBold"/>
+                <a:cs typeface="Archivo ExtraBold"/>
+                <a:sym typeface="Archivo ExtraBold"/>
+              </a:defRPr>
+            </a:lvl1pPr>
+            <a:lvl2pPr marR="0" lvl="1" algn="ctr" rtl="0">
+              <a:lnSpc>
+                <a:spcPct val="100000"/>
+              </a:lnSpc>
+              <a:spcBef>
+                <a:spcPts val="0"/>
+              </a:spcBef>
+              <a:spcAft>
+                <a:spcPts val="0"/>
+              </a:spcAft>
+              <a:buClr>
+                <a:schemeClr val="accent1"/>
+              </a:buClr>
+              <a:buSzPts val="3000"/>
+              <a:buFont typeface="Archivo ExtraBold"/>
+              <a:buNone/>
+              <a:defRPr sz="3000" b="0" i="0" u="none" strike="noStrike" cap="none">
+                <a:solidFill>
+                  <a:schemeClr val="accent1"/>
+                </a:solidFill>
+                <a:latin typeface="Archivo ExtraBold"/>
+                <a:ea typeface="Archivo ExtraBold"/>
+                <a:cs typeface="Archivo ExtraBold"/>
+                <a:sym typeface="Archivo ExtraBold"/>
+              </a:defRPr>
+            </a:lvl2pPr>
+            <a:lvl3pPr marR="0" lvl="2" algn="ctr" rtl="0">
+              <a:lnSpc>
+                <a:spcPct val="100000"/>
+              </a:lnSpc>
+              <a:spcBef>
+                <a:spcPts val="0"/>
+              </a:spcBef>
+              <a:spcAft>
+                <a:spcPts val="0"/>
+              </a:spcAft>
+              <a:buClr>
+                <a:schemeClr val="accent1"/>
+              </a:buClr>
+              <a:buSzPts val="3000"/>
+              <a:buFont typeface="Archivo ExtraBold"/>
+              <a:buNone/>
+              <a:defRPr sz="3000" b="0" i="0" u="none" strike="noStrike" cap="none">
+                <a:solidFill>
+                  <a:schemeClr val="accent1"/>
+                </a:solidFill>
+                <a:latin typeface="Archivo ExtraBold"/>
+                <a:ea typeface="Archivo ExtraBold"/>
+                <a:cs typeface="Archivo ExtraBold"/>
+                <a:sym typeface="Archivo ExtraBold"/>
+              </a:defRPr>
+            </a:lvl3pPr>
+            <a:lvl4pPr marR="0" lvl="3" algn="ctr" rtl="0">
+              <a:lnSpc>
+                <a:spcPct val="100000"/>
+              </a:lnSpc>
+              <a:spcBef>
+                <a:spcPts val="0"/>
+              </a:spcBef>
+              <a:spcAft>
+                <a:spcPts val="0"/>
+              </a:spcAft>
+              <a:buClr>
+                <a:schemeClr val="accent1"/>
+              </a:buClr>
+              <a:buSzPts val="3000"/>
+              <a:buFont typeface="Archivo ExtraBold"/>
+              <a:buNone/>
+              <a:defRPr sz="3000" b="0" i="0" u="none" strike="noStrike" cap="none">
+                <a:solidFill>
+                  <a:schemeClr val="accent1"/>
+                </a:solidFill>
+                <a:latin typeface="Archivo ExtraBold"/>
+                <a:ea typeface="Archivo ExtraBold"/>
+                <a:cs typeface="Archivo ExtraBold"/>
+                <a:sym typeface="Archivo ExtraBold"/>
+              </a:defRPr>
+            </a:lvl4pPr>
+            <a:lvl5pPr marR="0" lvl="4" algn="ctr" rtl="0">
+              <a:lnSpc>
+                <a:spcPct val="100000"/>
+              </a:lnSpc>
+              <a:spcBef>
+                <a:spcPts val="0"/>
+              </a:spcBef>
+              <a:spcAft>
+                <a:spcPts val="0"/>
+              </a:spcAft>
+              <a:buClr>
+                <a:schemeClr val="accent1"/>
+              </a:buClr>
+              <a:buSzPts val="3000"/>
+              <a:buFont typeface="Archivo ExtraBold"/>
+              <a:buNone/>
+              <a:defRPr sz="3000" b="0" i="0" u="none" strike="noStrike" cap="none">
+                <a:solidFill>
+                  <a:schemeClr val="accent1"/>
+                </a:solidFill>
+                <a:latin typeface="Archivo ExtraBold"/>
+                <a:ea typeface="Archivo ExtraBold"/>
+                <a:cs typeface="Archivo ExtraBold"/>
+                <a:sym typeface="Archivo ExtraBold"/>
+              </a:defRPr>
+            </a:lvl5pPr>
+            <a:lvl6pPr marR="0" lvl="5" algn="ctr" rtl="0">
+              <a:lnSpc>
+                <a:spcPct val="100000"/>
+              </a:lnSpc>
+              <a:spcBef>
+                <a:spcPts val="0"/>
+              </a:spcBef>
+              <a:spcAft>
+                <a:spcPts val="0"/>
+              </a:spcAft>
+              <a:buClr>
+                <a:schemeClr val="accent1"/>
+              </a:buClr>
+              <a:buSzPts val="3000"/>
+              <a:buFont typeface="Archivo ExtraBold"/>
+              <a:buNone/>
+              <a:defRPr sz="3000" b="0" i="0" u="none" strike="noStrike" cap="none">
+                <a:solidFill>
+                  <a:schemeClr val="accent1"/>
+                </a:solidFill>
+                <a:latin typeface="Archivo ExtraBold"/>
+                <a:ea typeface="Archivo ExtraBold"/>
+                <a:cs typeface="Archivo ExtraBold"/>
+                <a:sym typeface="Archivo ExtraBold"/>
+              </a:defRPr>
+            </a:lvl6pPr>
+            <a:lvl7pPr marR="0" lvl="6" algn="ctr" rtl="0">
+              <a:lnSpc>
+                <a:spcPct val="100000"/>
+              </a:lnSpc>
+              <a:spcBef>
+                <a:spcPts val="0"/>
+              </a:spcBef>
+              <a:spcAft>
+                <a:spcPts val="0"/>
+              </a:spcAft>
+              <a:buClr>
+                <a:schemeClr val="accent1"/>
+              </a:buClr>
+              <a:buSzPts val="3000"/>
+              <a:buFont typeface="Archivo ExtraBold"/>
+              <a:buNone/>
+              <a:defRPr sz="3000" b="0" i="0" u="none" strike="noStrike" cap="none">
+                <a:solidFill>
+                  <a:schemeClr val="accent1"/>
+                </a:solidFill>
+                <a:latin typeface="Archivo ExtraBold"/>
+                <a:ea typeface="Archivo ExtraBold"/>
+                <a:cs typeface="Archivo ExtraBold"/>
+                <a:sym typeface="Archivo ExtraBold"/>
+              </a:defRPr>
+            </a:lvl7pPr>
+            <a:lvl8pPr marR="0" lvl="7" algn="ctr" rtl="0">
+              <a:lnSpc>
+                <a:spcPct val="100000"/>
+              </a:lnSpc>
+              <a:spcBef>
+                <a:spcPts val="0"/>
+              </a:spcBef>
+              <a:spcAft>
+                <a:spcPts val="0"/>
+              </a:spcAft>
+              <a:buClr>
+                <a:schemeClr val="accent1"/>
+              </a:buClr>
+              <a:buSzPts val="3000"/>
+              <a:buFont typeface="Archivo ExtraBold"/>
+              <a:buNone/>
+              <a:defRPr sz="3000" b="0" i="0" u="none" strike="noStrike" cap="none">
+                <a:solidFill>
+                  <a:schemeClr val="accent1"/>
+                </a:solidFill>
+                <a:latin typeface="Archivo ExtraBold"/>
+                <a:ea typeface="Archivo ExtraBold"/>
+                <a:cs typeface="Archivo ExtraBold"/>
+                <a:sym typeface="Archivo ExtraBold"/>
+              </a:defRPr>
+            </a:lvl8pPr>
+            <a:lvl9pPr marR="0" lvl="8" algn="ctr" rtl="0">
+              <a:lnSpc>
+                <a:spcPct val="100000"/>
+              </a:lnSpc>
+              <a:spcBef>
+                <a:spcPts val="0"/>
+              </a:spcBef>
+              <a:spcAft>
+                <a:spcPts val="0"/>
+              </a:spcAft>
+              <a:buClr>
+                <a:schemeClr val="accent1"/>
+              </a:buClr>
+              <a:buSzPts val="3000"/>
+              <a:buFont typeface="Archivo ExtraBold"/>
+              <a:buNone/>
+              <a:defRPr sz="3000" b="0" i="0" u="none" strike="noStrike" cap="none">
+                <a:solidFill>
+                  <a:schemeClr val="accent1"/>
+                </a:solidFill>
+                <a:latin typeface="Archivo ExtraBold"/>
+                <a:ea typeface="Archivo ExtraBold"/>
+                <a:cs typeface="Archivo ExtraBold"/>
+                <a:sym typeface="Archivo ExtraBold"/>
+              </a:defRPr>
+            </a:lvl9pPr>
+          </a:lstStyle>
+          <a:p>
+            <a:r>
+              <a:rPr lang="en" dirty="0" smtClean="0"/>
+              <a:t>04</a:t>
+            </a:r>
+            <a:endParaRPr lang="en" dirty="0"/>
+          </a:p>
+        </p:txBody>
+      </p:sp>
+      <p:sp>
+        <p:nvSpPr>
+          <p:cNvPr id="40" name="Subtitle 7"/>
+          <p:cNvSpPr>
+            <a:spLocks noGrp="1"/>
+          </p:cNvSpPr>
+          <p:nvPr>
+            <p:ph type="subTitle" idx="1"/>
+          </p:nvPr>
+        </p:nvSpPr>
+        <p:spPr>
+          <a:xfrm>
+            <a:off x="5218771" y="1108119"/>
+            <a:ext cx="3777658" cy="1687120"/>
+          </a:xfrm>
+        </p:spPr>
+        <p:txBody>
+          <a:bodyPr/>
+          <a:lstStyle/>
+          <a:p>
+            <a:pPr algn="l">
+              <a:spcBef>
+                <a:spcPts val="600"/>
+              </a:spcBef>
+            </a:pPr>
+            <a:r>
+              <a:rPr lang="en-US" sz="1600" dirty="0" err="1" smtClean="0">
+                <a:latin typeface="Archivo ExtraBold" panose="020B0604020202020204" charset="0"/>
+                <a:cs typeface="Archivo ExtraBold" panose="020B0604020202020204" charset="0"/>
+              </a:rPr>
+              <a:t>Mô</a:t>
+            </a:r>
+            <a:r>
+              <a:rPr lang="en-US" sz="1600" dirty="0" smtClean="0">
+                <a:latin typeface="Archivo ExtraBold" panose="020B0604020202020204" charset="0"/>
+                <a:cs typeface="Archivo ExtraBold" panose="020B0604020202020204" charset="0"/>
+              </a:rPr>
+              <a:t> hình có độ chỉnh xác </a:t>
+            </a:r>
+            <a:r>
+              <a:rPr lang="en-US" sz="1600" dirty="0" err="1" smtClean="0">
+                <a:latin typeface="Archivo ExtraBold" panose="020B0604020202020204" charset="0"/>
+                <a:cs typeface="Archivo ExtraBold" panose="020B0604020202020204" charset="0"/>
+              </a:rPr>
+              <a:t>kém</a:t>
+            </a:r>
+            <a:r>
+              <a:rPr lang="en-US" sz="1600" dirty="0" smtClean="0">
+                <a:latin typeface="Archivo ExtraBold" panose="020B0604020202020204" charset="0"/>
+                <a:cs typeface="Archivo ExtraBold" panose="020B0604020202020204" charset="0"/>
+              </a:rPr>
+              <a:t> với các </a:t>
+            </a:r>
+            <a:r>
+              <a:rPr lang="en-US" sz="1600" dirty="0" err="1" smtClean="0">
+                <a:latin typeface="Archivo ExtraBold" panose="020B0604020202020204" charset="0"/>
+                <a:cs typeface="Archivo ExtraBold" panose="020B0604020202020204" charset="0"/>
+              </a:rPr>
+              <a:t>nhãn</a:t>
+            </a:r>
+            <a:r>
+              <a:rPr lang="en-US" sz="1600" dirty="0" smtClean="0">
+                <a:latin typeface="Archivo ExtraBold" panose="020B0604020202020204" charset="0"/>
+                <a:cs typeface="Archivo ExtraBold" panose="020B0604020202020204" charset="0"/>
+              </a:rPr>
+              <a:t> T-shirt, pullover, dress</a:t>
+            </a:r>
+            <a:endParaRPr lang="en-US" sz="1600" dirty="0">
+              <a:latin typeface="Archivo ExtraBold" panose="020B0604020202020204" charset="0"/>
+              <a:cs typeface="Archivo ExtraBold" panose="020B0604020202020204" charset="0"/>
+            </a:endParaRPr>
+          </a:p>
+        </p:txBody>
+      </p:sp>
+      <p:sp>
+        <p:nvSpPr>
+          <p:cNvPr id="8" name="Google Shape;11115;p71"/>
+          <p:cNvSpPr/>
+          <p:nvPr/>
+        </p:nvSpPr>
+        <p:spPr>
+          <a:xfrm>
+            <a:off x="40421" y="1160158"/>
+            <a:ext cx="468352" cy="550608"/>
+          </a:xfrm>
+          <a:custGeom>
+            <a:avLst/>
+            <a:gdLst/>
+            <a:ahLst/>
+            <a:cxnLst/>
+            <a:rect l="l" t="t" r="r" b="b"/>
+            <a:pathLst>
+              <a:path w="7276" h="8218" extrusionOk="0">
+                <a:moveTo>
+                  <a:pt x="3322" y="3038"/>
+                </a:moveTo>
+                <a:cubicBezTo>
+                  <a:pt x="3394" y="3038"/>
+                  <a:pt x="3489" y="3074"/>
+                  <a:pt x="3549" y="3134"/>
+                </a:cubicBezTo>
+                <a:cubicBezTo>
+                  <a:pt x="3668" y="3241"/>
+                  <a:pt x="3668" y="3431"/>
+                  <a:pt x="3525" y="3562"/>
+                </a:cubicBezTo>
+                <a:cubicBezTo>
+                  <a:pt x="3465" y="3622"/>
+                  <a:pt x="3388" y="3651"/>
+                  <a:pt x="3311" y="3651"/>
+                </a:cubicBezTo>
+                <a:cubicBezTo>
+                  <a:pt x="3233" y="3651"/>
+                  <a:pt x="3156" y="3622"/>
+                  <a:pt x="3096" y="3562"/>
+                </a:cubicBezTo>
+                <a:cubicBezTo>
+                  <a:pt x="2977" y="3443"/>
+                  <a:pt x="2977" y="3253"/>
+                  <a:pt x="3096" y="3134"/>
+                </a:cubicBezTo>
+                <a:cubicBezTo>
+                  <a:pt x="3156" y="3074"/>
+                  <a:pt x="3227" y="3038"/>
+                  <a:pt x="3322" y="3038"/>
+                </a:cubicBezTo>
+                <a:close/>
+                <a:moveTo>
+                  <a:pt x="2441" y="3919"/>
+                </a:moveTo>
+                <a:cubicBezTo>
+                  <a:pt x="2537" y="3919"/>
+                  <a:pt x="2608" y="3955"/>
+                  <a:pt x="2668" y="4015"/>
+                </a:cubicBezTo>
+                <a:cubicBezTo>
+                  <a:pt x="2727" y="4074"/>
+                  <a:pt x="2751" y="4146"/>
+                  <a:pt x="2751" y="4229"/>
+                </a:cubicBezTo>
+                <a:cubicBezTo>
+                  <a:pt x="2739" y="4312"/>
+                  <a:pt x="2715" y="4384"/>
+                  <a:pt x="2656" y="4443"/>
+                </a:cubicBezTo>
+                <a:cubicBezTo>
+                  <a:pt x="2596" y="4503"/>
+                  <a:pt x="2516" y="4533"/>
+                  <a:pt x="2435" y="4533"/>
+                </a:cubicBezTo>
+                <a:cubicBezTo>
+                  <a:pt x="2355" y="4533"/>
+                  <a:pt x="2275" y="4503"/>
+                  <a:pt x="2215" y="4443"/>
+                </a:cubicBezTo>
+                <a:cubicBezTo>
+                  <a:pt x="2096" y="4324"/>
+                  <a:pt x="2096" y="4134"/>
+                  <a:pt x="2215" y="4015"/>
+                </a:cubicBezTo>
+                <a:cubicBezTo>
+                  <a:pt x="2275" y="3955"/>
+                  <a:pt x="2358" y="3919"/>
+                  <a:pt x="2441" y="3919"/>
+                </a:cubicBezTo>
+                <a:close/>
+                <a:moveTo>
+                  <a:pt x="6109" y="5062"/>
+                </a:moveTo>
+                <a:lnTo>
+                  <a:pt x="6620" y="5586"/>
+                </a:lnTo>
+                <a:lnTo>
+                  <a:pt x="4775" y="7432"/>
+                </a:lnTo>
+                <a:lnTo>
+                  <a:pt x="4656" y="7551"/>
+                </a:lnTo>
+                <a:lnTo>
+                  <a:pt x="4144" y="7027"/>
+                </a:lnTo>
+                <a:lnTo>
+                  <a:pt x="4215" y="6955"/>
+                </a:lnTo>
+                <a:lnTo>
+                  <a:pt x="4680" y="6491"/>
+                </a:lnTo>
+                <a:lnTo>
+                  <a:pt x="5573" y="5598"/>
+                </a:lnTo>
+                <a:lnTo>
+                  <a:pt x="6025" y="5146"/>
+                </a:lnTo>
+                <a:lnTo>
+                  <a:pt x="6109" y="5062"/>
+                </a:lnTo>
+                <a:close/>
+                <a:moveTo>
+                  <a:pt x="6644" y="6062"/>
+                </a:moveTo>
+                <a:lnTo>
+                  <a:pt x="6668" y="6098"/>
+                </a:lnTo>
+                <a:cubicBezTo>
+                  <a:pt x="6859" y="6289"/>
+                  <a:pt x="6978" y="6551"/>
+                  <a:pt x="6978" y="6836"/>
+                </a:cubicBezTo>
+                <a:cubicBezTo>
+                  <a:pt x="6978" y="7122"/>
+                  <a:pt x="6859" y="7384"/>
+                  <a:pt x="6668" y="7586"/>
+                </a:cubicBezTo>
+                <a:cubicBezTo>
+                  <a:pt x="6478" y="7777"/>
+                  <a:pt x="6204" y="7896"/>
+                  <a:pt x="5930" y="7896"/>
+                </a:cubicBezTo>
+                <a:cubicBezTo>
+                  <a:pt x="5644" y="7896"/>
+                  <a:pt x="5370" y="7789"/>
+                  <a:pt x="5180" y="7586"/>
+                </a:cubicBezTo>
+                <a:lnTo>
+                  <a:pt x="5156" y="7551"/>
+                </a:lnTo>
+                <a:lnTo>
+                  <a:pt x="6644" y="6062"/>
+                </a:lnTo>
+                <a:close/>
+                <a:moveTo>
+                  <a:pt x="1942" y="1"/>
+                </a:moveTo>
+                <a:cubicBezTo>
+                  <a:pt x="1249" y="1"/>
+                  <a:pt x="584" y="249"/>
+                  <a:pt x="72" y="693"/>
+                </a:cubicBezTo>
+                <a:cubicBezTo>
+                  <a:pt x="1" y="752"/>
+                  <a:pt x="1" y="859"/>
+                  <a:pt x="60" y="931"/>
+                </a:cubicBezTo>
+                <a:cubicBezTo>
+                  <a:pt x="91" y="968"/>
+                  <a:pt x="135" y="986"/>
+                  <a:pt x="181" y="986"/>
+                </a:cubicBezTo>
+                <a:cubicBezTo>
+                  <a:pt x="222" y="986"/>
+                  <a:pt x="264" y="971"/>
+                  <a:pt x="298" y="943"/>
+                </a:cubicBezTo>
+                <a:cubicBezTo>
+                  <a:pt x="775" y="540"/>
+                  <a:pt x="1365" y="340"/>
+                  <a:pt x="1953" y="340"/>
+                </a:cubicBezTo>
+                <a:cubicBezTo>
+                  <a:pt x="2601" y="340"/>
+                  <a:pt x="3247" y="582"/>
+                  <a:pt x="3739" y="1062"/>
+                </a:cubicBezTo>
+                <a:cubicBezTo>
+                  <a:pt x="4144" y="1467"/>
+                  <a:pt x="4406" y="1967"/>
+                  <a:pt x="4477" y="2538"/>
+                </a:cubicBezTo>
+                <a:cubicBezTo>
+                  <a:pt x="4620" y="3491"/>
+                  <a:pt x="5013" y="4336"/>
+                  <a:pt x="5668" y="5003"/>
+                </a:cubicBezTo>
+                <a:lnTo>
+                  <a:pt x="5454" y="5229"/>
+                </a:lnTo>
+                <a:lnTo>
+                  <a:pt x="3882" y="3669"/>
+                </a:lnTo>
+                <a:cubicBezTo>
+                  <a:pt x="4037" y="3419"/>
+                  <a:pt x="3989" y="3098"/>
+                  <a:pt x="3787" y="2884"/>
+                </a:cubicBezTo>
+                <a:cubicBezTo>
+                  <a:pt x="3656" y="2753"/>
+                  <a:pt x="3486" y="2687"/>
+                  <a:pt x="3318" y="2687"/>
+                </a:cubicBezTo>
+                <a:cubicBezTo>
+                  <a:pt x="3150" y="2687"/>
+                  <a:pt x="2983" y="2753"/>
+                  <a:pt x="2858" y="2884"/>
+                </a:cubicBezTo>
+                <a:cubicBezTo>
+                  <a:pt x="2656" y="3086"/>
+                  <a:pt x="2608" y="3419"/>
+                  <a:pt x="2751" y="3669"/>
+                </a:cubicBezTo>
+                <a:cubicBezTo>
+                  <a:pt x="2656" y="3610"/>
+                  <a:pt x="2549" y="3574"/>
+                  <a:pt x="2429" y="3574"/>
+                </a:cubicBezTo>
+                <a:cubicBezTo>
+                  <a:pt x="2251" y="3574"/>
+                  <a:pt x="2084" y="3657"/>
+                  <a:pt x="1965" y="3776"/>
+                </a:cubicBezTo>
+                <a:cubicBezTo>
+                  <a:pt x="1715" y="4027"/>
+                  <a:pt x="1715" y="4443"/>
+                  <a:pt x="1965" y="4693"/>
+                </a:cubicBezTo>
+                <a:cubicBezTo>
+                  <a:pt x="2096" y="4824"/>
+                  <a:pt x="2263" y="4884"/>
+                  <a:pt x="2429" y="4884"/>
+                </a:cubicBezTo>
+                <a:cubicBezTo>
+                  <a:pt x="2537" y="4884"/>
+                  <a:pt x="2656" y="4860"/>
+                  <a:pt x="2739" y="4800"/>
+                </a:cubicBezTo>
+                <a:cubicBezTo>
+                  <a:pt x="2834" y="4884"/>
+                  <a:pt x="2906" y="4967"/>
+                  <a:pt x="2989" y="5039"/>
+                </a:cubicBezTo>
+                <a:cubicBezTo>
+                  <a:pt x="3025" y="5062"/>
+                  <a:pt x="3072" y="5086"/>
+                  <a:pt x="3108" y="5086"/>
+                </a:cubicBezTo>
+                <a:cubicBezTo>
+                  <a:pt x="3156" y="5086"/>
+                  <a:pt x="3203" y="5062"/>
+                  <a:pt x="3227" y="5027"/>
+                </a:cubicBezTo>
+                <a:cubicBezTo>
+                  <a:pt x="3287" y="4943"/>
+                  <a:pt x="3287" y="4848"/>
+                  <a:pt x="3215" y="4789"/>
+                </a:cubicBezTo>
+                <a:cubicBezTo>
+                  <a:pt x="3144" y="4705"/>
+                  <a:pt x="3049" y="4634"/>
+                  <a:pt x="2977" y="4562"/>
+                </a:cubicBezTo>
+                <a:cubicBezTo>
+                  <a:pt x="3037" y="4455"/>
+                  <a:pt x="3072" y="4348"/>
+                  <a:pt x="3072" y="4229"/>
+                </a:cubicBezTo>
+                <a:cubicBezTo>
+                  <a:pt x="3072" y="4110"/>
+                  <a:pt x="3037" y="3991"/>
+                  <a:pt x="2977" y="3907"/>
+                </a:cubicBezTo>
+                <a:lnTo>
+                  <a:pt x="2977" y="3907"/>
+                </a:lnTo>
+                <a:cubicBezTo>
+                  <a:pt x="3084" y="3967"/>
+                  <a:pt x="3203" y="3991"/>
+                  <a:pt x="3311" y="3991"/>
+                </a:cubicBezTo>
+                <a:cubicBezTo>
+                  <a:pt x="3430" y="3991"/>
+                  <a:pt x="3525" y="3967"/>
+                  <a:pt x="3632" y="3907"/>
+                </a:cubicBezTo>
+                <a:lnTo>
+                  <a:pt x="5192" y="5467"/>
+                </a:lnTo>
+                <a:lnTo>
+                  <a:pt x="4537" y="6122"/>
+                </a:lnTo>
+                <a:lnTo>
+                  <a:pt x="3751" y="5336"/>
+                </a:lnTo>
+                <a:cubicBezTo>
+                  <a:pt x="3721" y="5300"/>
+                  <a:pt x="3677" y="5283"/>
+                  <a:pt x="3632" y="5283"/>
+                </a:cubicBezTo>
+                <a:cubicBezTo>
+                  <a:pt x="3587" y="5283"/>
+                  <a:pt x="3543" y="5300"/>
+                  <a:pt x="3513" y="5336"/>
+                </a:cubicBezTo>
+                <a:cubicBezTo>
+                  <a:pt x="3442" y="5396"/>
+                  <a:pt x="3442" y="5515"/>
+                  <a:pt x="3513" y="5574"/>
+                </a:cubicBezTo>
+                <a:lnTo>
+                  <a:pt x="4299" y="6360"/>
+                </a:lnTo>
+                <a:lnTo>
+                  <a:pt x="4084" y="6586"/>
+                </a:lnTo>
+                <a:cubicBezTo>
+                  <a:pt x="3394" y="5932"/>
+                  <a:pt x="2537" y="5515"/>
+                  <a:pt x="1620" y="5396"/>
+                </a:cubicBezTo>
+                <a:cubicBezTo>
+                  <a:pt x="1286" y="5348"/>
+                  <a:pt x="941" y="5229"/>
+                  <a:pt x="644" y="5050"/>
+                </a:cubicBezTo>
+                <a:cubicBezTo>
+                  <a:pt x="621" y="5035"/>
+                  <a:pt x="595" y="5029"/>
+                  <a:pt x="568" y="5029"/>
+                </a:cubicBezTo>
+                <a:cubicBezTo>
+                  <a:pt x="510" y="5029"/>
+                  <a:pt x="446" y="5061"/>
+                  <a:pt x="405" y="5110"/>
+                </a:cubicBezTo>
+                <a:cubicBezTo>
+                  <a:pt x="358" y="5181"/>
+                  <a:pt x="394" y="5289"/>
+                  <a:pt x="465" y="5348"/>
+                </a:cubicBezTo>
+                <a:cubicBezTo>
+                  <a:pt x="810" y="5562"/>
+                  <a:pt x="1179" y="5681"/>
+                  <a:pt x="1560" y="5741"/>
+                </a:cubicBezTo>
+                <a:cubicBezTo>
+                  <a:pt x="2394" y="5836"/>
+                  <a:pt x="3191" y="6229"/>
+                  <a:pt x="3823" y="6824"/>
+                </a:cubicBezTo>
+                <a:lnTo>
+                  <a:pt x="3751" y="6896"/>
+                </a:lnTo>
+                <a:cubicBezTo>
+                  <a:pt x="3692" y="6955"/>
+                  <a:pt x="3692" y="7075"/>
+                  <a:pt x="3751" y="7134"/>
+                </a:cubicBezTo>
+                <a:lnTo>
+                  <a:pt x="4525" y="7908"/>
+                </a:lnTo>
+                <a:cubicBezTo>
+                  <a:pt x="4561" y="7944"/>
+                  <a:pt x="4596" y="7956"/>
+                  <a:pt x="4644" y="7956"/>
+                </a:cubicBezTo>
+                <a:cubicBezTo>
+                  <a:pt x="4692" y="7956"/>
+                  <a:pt x="4739" y="7944"/>
+                  <a:pt x="4763" y="7908"/>
+                </a:cubicBezTo>
+                <a:lnTo>
+                  <a:pt x="4882" y="7789"/>
+                </a:lnTo>
+                <a:lnTo>
+                  <a:pt x="4918" y="7825"/>
+                </a:lnTo>
+                <a:cubicBezTo>
+                  <a:pt x="5180" y="8087"/>
+                  <a:pt x="5525" y="8217"/>
+                  <a:pt x="5894" y="8217"/>
+                </a:cubicBezTo>
+                <a:cubicBezTo>
+                  <a:pt x="6263" y="8217"/>
+                  <a:pt x="6620" y="8075"/>
+                  <a:pt x="6882" y="7825"/>
+                </a:cubicBezTo>
+                <a:cubicBezTo>
+                  <a:pt x="7144" y="7551"/>
+                  <a:pt x="7275" y="7205"/>
+                  <a:pt x="7275" y="6836"/>
+                </a:cubicBezTo>
+                <a:cubicBezTo>
+                  <a:pt x="7275" y="6467"/>
+                  <a:pt x="7180" y="6122"/>
+                  <a:pt x="6906" y="5860"/>
+                </a:cubicBezTo>
+                <a:lnTo>
+                  <a:pt x="6882" y="5824"/>
+                </a:lnTo>
+                <a:lnTo>
+                  <a:pt x="6990" y="5705"/>
+                </a:lnTo>
+                <a:cubicBezTo>
+                  <a:pt x="7049" y="5646"/>
+                  <a:pt x="7049" y="5527"/>
+                  <a:pt x="6990" y="5467"/>
+                </a:cubicBezTo>
+                <a:lnTo>
+                  <a:pt x="6216" y="4693"/>
+                </a:lnTo>
+                <a:cubicBezTo>
+                  <a:pt x="6192" y="4669"/>
+                  <a:pt x="6144" y="4646"/>
+                  <a:pt x="6097" y="4646"/>
+                </a:cubicBezTo>
+                <a:cubicBezTo>
+                  <a:pt x="6061" y="4646"/>
+                  <a:pt x="6013" y="4669"/>
+                  <a:pt x="5989" y="4693"/>
+                </a:cubicBezTo>
+                <a:lnTo>
+                  <a:pt x="5906" y="4765"/>
+                </a:lnTo>
+                <a:cubicBezTo>
+                  <a:pt x="5311" y="4157"/>
+                  <a:pt x="4942" y="3372"/>
+                  <a:pt x="4823" y="2491"/>
+                </a:cubicBezTo>
+                <a:cubicBezTo>
+                  <a:pt x="4739" y="1848"/>
+                  <a:pt x="4454" y="1276"/>
+                  <a:pt x="3977" y="824"/>
+                </a:cubicBezTo>
+                <a:cubicBezTo>
+                  <a:pt x="3453" y="324"/>
+                  <a:pt x="2775" y="26"/>
+                  <a:pt x="2037" y="2"/>
+                </a:cubicBezTo>
+                <a:cubicBezTo>
+                  <a:pt x="2005" y="1"/>
+                  <a:pt x="1973" y="1"/>
+                  <a:pt x="1942" y="1"/>
+                </a:cubicBezTo>
+                <a:close/>
+              </a:path>
+            </a:pathLst>
+          </a:custGeom>
+          <a:solidFill>
+            <a:srgbClr val="657E93"/>
+          </a:solidFill>
+          <a:ln>
+            <a:noFill/>
+          </a:ln>
+        </p:spPr>
+        <p:txBody>
+          <a:bodyPr spcFirstLastPara="1" wrap="square" lIns="91425" tIns="91425" rIns="91425" bIns="91425" anchor="ctr" anchorCtr="0">
+            <a:noAutofit/>
+          </a:bodyPr>
+          <a:lstStyle/>
+          <a:p>
+            <a:pPr marL="0" lvl="0" indent="0" algn="l" rtl="0">
+              <a:spcBef>
+                <a:spcPts val="0"/>
+              </a:spcBef>
+              <a:spcAft>
+                <a:spcPts val="0"/>
+              </a:spcAft>
+              <a:buNone/>
+            </a:pPr>
+            <a:endParaRPr/>
+          </a:p>
+        </p:txBody>
+      </p:sp>
+      <p:pic>
+        <p:nvPicPr>
+          <p:cNvPr id="3" name="Picture 2"/>
+          <p:cNvPicPr>
+            <a:picLocks noChangeAspect="1"/>
+          </p:cNvPicPr>
+          <p:nvPr/>
+        </p:nvPicPr>
+        <p:blipFill>
+          <a:blip r:embed="rId3">
+            <a:extLst>
+              <a:ext uri="{28A0092B-C50C-407E-A947-70E740481C1C}">
+                <a14:useLocalDpi xmlns:a14="http://schemas.microsoft.com/office/drawing/2010/main" val="0"/>
+              </a:ext>
+            </a:extLst>
+          </a:blip>
+          <a:stretch>
+            <a:fillRect/>
+          </a:stretch>
+        </p:blipFill>
+        <p:spPr>
+          <a:xfrm>
+            <a:off x="750848" y="1160158"/>
+            <a:ext cx="4591335" cy="3443501"/>
+          </a:xfrm>
+          <a:prstGeom prst="rect">
+            <a:avLst/>
+          </a:prstGeom>
+        </p:spPr>
+      </p:pic>
+    </p:spTree>
+    <p:extLst>
+      <p:ext uri="{BB962C8B-B14F-4D97-AF65-F5344CB8AC3E}">
+        <p14:creationId xmlns:p14="http://schemas.microsoft.com/office/powerpoint/2010/main" val="3950461272"/>
+      </p:ext>
+    </p:extLst>
+  </p:cSld>
+  <p:clrMapOvr>
+    <a:masterClrMapping/>
+  </p:clrMapOvr>
+</p:sld>
+</file>
+
+<file path=ppt/slides/slide13.xml><?xml version="1.0" encoding="utf-8"?>
+<p:sld xmlns:a="http://schemas.openxmlformats.org/drawingml/2006/main" xmlns:r="http://schemas.openxmlformats.org/officeDocument/2006/relationships" xmlns:p="http://schemas.openxmlformats.org/presentationml/2006/main">
+  <p:cSld>
+    <p:spTree>
+      <p:nvGrpSpPr>
         <p:cNvPr id="1" name="Shape 715"/>
         <p:cNvGrpSpPr/>
         <p:nvPr/>
@@ -19158,7 +24749,7 @@
 </p:sld>
 </file>
 
-<file path=ppt/slides/slide11.xml><?xml version="1.0" encoding="utf-8"?>
+<file path=ppt/slides/slide14.xml><?xml version="1.0" encoding="utf-8"?>
 <p:sld xmlns:a="http://schemas.openxmlformats.org/drawingml/2006/main" xmlns:r="http://schemas.openxmlformats.org/officeDocument/2006/relationships" xmlns:p="http://schemas.openxmlformats.org/presentationml/2006/main">
   <p:cSld>
     <p:spTree>
@@ -19343,11 +24934,7 @@
             </a:pPr>
             <a:r>
               <a:rPr lang="en" sz="4400" dirty="0" smtClean="0"/>
-              <a:t>Cảm ơn quý thầy cô và các bạn đã lắng nghe</a:t>
-            </a:r>
-            <a:r>
-              <a:rPr lang="en" sz="4400" dirty="0" smtClean="0"/>
-              <a:t>!</a:t>
+              <a:t>Cảm ơn quý thầy cô và các bạn đã lắng nghe!</a:t>
             </a:r>
             <a:endParaRPr sz="4400" dirty="0"/>
           </a:p>
@@ -23010,7 +28597,6 @@
               <a:rPr lang="en-US" sz="3200" dirty="0"/>
               <a:t>FASHION-MINST</a:t>
             </a:r>
-            <a:endParaRPr lang="en-US" sz="3200" dirty="0"/>
           </a:p>
         </p:txBody>
       </p:sp>
@@ -23276,7 +28862,7 @@
                 <a:latin typeface="Archivo ExtraBold" panose="020B0604020202020204" charset="0"/>
                 <a:cs typeface="Archivo ExtraBold" panose="020B0604020202020204" charset="0"/>
               </a:rPr>
-              <a:t>- L</a:t>
+              <a:t>- </a:t>
             </a:r>
             <a:r>
               <a:rPr lang="vi-VN" sz="1600" dirty="0" smtClean="0">
@@ -23286,15 +28872,18 @@
                 <a:latin typeface="Archivo ExtraBold" panose="020B0604020202020204" charset="0"/>
                 <a:cs typeface="Archivo ExtraBold" panose="020B0604020202020204" charset="0"/>
               </a:rPr>
-              <a:t>à một tập dữ liệu được đề xuất như một tập dữ liệu thay thế khó hơn cho tập dữ liệu MNIST cổ điển. </a:t>
+              <a:t>Bộ </a:t>
             </a:r>
-            <a:endParaRPr lang="en-US" sz="1600" dirty="0">
-              <a:solidFill>
-                <a:schemeClr val="accent1"/>
-              </a:solidFill>
-              <a:latin typeface="Archivo ExtraBold" panose="020B0604020202020204" charset="0"/>
-              <a:cs typeface="Archivo ExtraBold" panose="020B0604020202020204" charset="0"/>
-            </a:endParaRPr>
+            <a:r>
+              <a:rPr lang="vi-VN" sz="1600" dirty="0">
+                <a:solidFill>
+                  <a:schemeClr val="accent1"/>
+                </a:solidFill>
+                <a:latin typeface="Archivo ExtraBold" panose="020B0604020202020204" charset="0"/>
+                <a:cs typeface="Archivo ExtraBold" panose="020B0604020202020204" charset="0"/>
+              </a:rPr>
+              <a:t>dữ liệu Fashion-MNIST được tạo ra bởi Zalando, một công ty thương mại điện tử của Đức. Bộ dữ liệu này được phát hành dưới dạng mã nguồn mở và có thể được tải xuống miễn phí. </a:t>
+            </a:r>
           </a:p>
           <a:p>
             <a:pPr>
@@ -23310,17 +28899,7 @@
                 <a:latin typeface="Archivo ExtraBold" panose="020B0604020202020204" charset="0"/>
                 <a:cs typeface="Archivo ExtraBold" panose="020B0604020202020204" charset="0"/>
               </a:rPr>
-              <a:t>- </a:t>
-            </a:r>
-            <a:r>
-              <a:rPr lang="en-US" sz="1600" dirty="0">
-                <a:solidFill>
-                  <a:schemeClr val="accent1"/>
-                </a:solidFill>
-                <a:latin typeface="Archivo ExtraBold" panose="020B0604020202020204" charset="0"/>
-                <a:cs typeface="Archivo ExtraBold" panose="020B0604020202020204" charset="0"/>
-              </a:rPr>
-              <a:t>B</a:t>
+              <a:t>-</a:t>
             </a:r>
             <a:r>
               <a:rPr lang="vi-VN" sz="1600" dirty="0" smtClean="0">
@@ -23330,8 +28909,25 @@
                 <a:latin typeface="Archivo ExtraBold" panose="020B0604020202020204" charset="0"/>
                 <a:cs typeface="Archivo ExtraBold" panose="020B0604020202020204" charset="0"/>
               </a:rPr>
-              <a:t>ao gồm </a:t>
+              <a:t> </a:t>
             </a:r>
+            <a:r>
+              <a:rPr lang="vi-VN" sz="1600" dirty="0">
+                <a:solidFill>
+                  <a:schemeClr val="accent1"/>
+                </a:solidFill>
+                <a:latin typeface="Archivo ExtraBold" panose="020B0604020202020204" charset="0"/>
+                <a:cs typeface="Archivo ExtraBold" panose="020B0604020202020204" charset="0"/>
+              </a:rPr>
+              <a:t>Bao gồm 70.000 hình ảnh (trong đó gồm 60000 tập training, 10000 tập test)</a:t>
+            </a:r>
+          </a:p>
+          <a:p>
+            <a:pPr>
+              <a:spcBef>
+                <a:spcPts val="600"/>
+              </a:spcBef>
+            </a:pPr>
             <a:r>
               <a:rPr lang="en-US" sz="1600" dirty="0" smtClean="0">
                 <a:solidFill>
@@ -23340,7 +28936,7 @@
                 <a:latin typeface="Archivo ExtraBold" panose="020B0604020202020204" charset="0"/>
                 <a:cs typeface="Archivo ExtraBold" panose="020B0604020202020204" charset="0"/>
               </a:rPr>
-              <a:t>7</a:t>
+              <a:t>-</a:t>
             </a:r>
             <a:r>
               <a:rPr lang="vi-VN" sz="1600" dirty="0" smtClean="0">
@@ -23350,245 +28946,17 @@
                 <a:latin typeface="Archivo ExtraBold" panose="020B0604020202020204" charset="0"/>
                 <a:cs typeface="Archivo ExtraBold" panose="020B0604020202020204" charset="0"/>
               </a:rPr>
-              <a:t>0.000 hình ảnh xám nhỏ vuông 28x28 pixel</a:t>
+              <a:t> </a:t>
             </a:r>
             <a:r>
-              <a:rPr lang="en-US" sz="1600" dirty="0" smtClean="0">
+              <a:rPr lang="vi-VN" sz="1600" dirty="0">
                 <a:solidFill>
                   <a:schemeClr val="accent1"/>
                 </a:solidFill>
                 <a:latin typeface="Archivo ExtraBold" panose="020B0604020202020204" charset="0"/>
                 <a:cs typeface="Archivo ExtraBold" panose="020B0604020202020204" charset="0"/>
               </a:rPr>
-              <a:t> (784p)</a:t>
-            </a:r>
-            <a:r>
-              <a:rPr lang="vi-VN" sz="1600" dirty="0" smtClean="0">
-                <a:solidFill>
-                  <a:schemeClr val="accent1"/>
-                </a:solidFill>
-                <a:latin typeface="Archivo ExtraBold" panose="020B0604020202020204" charset="0"/>
-                <a:cs typeface="Archivo ExtraBold" panose="020B0604020202020204" charset="0"/>
-              </a:rPr>
-              <a:t> của các loại quần áo 10 loại</a:t>
-            </a:r>
-            <a:endParaRPr lang="en-US" sz="1600" dirty="0" smtClean="0">
-              <a:solidFill>
-                <a:schemeClr val="accent1"/>
-              </a:solidFill>
-              <a:latin typeface="Archivo ExtraBold" panose="020B0604020202020204" charset="0"/>
-              <a:cs typeface="Archivo ExtraBold" panose="020B0604020202020204" charset="0"/>
-            </a:endParaRPr>
-          </a:p>
-          <a:p>
-            <a:pPr>
-              <a:spcBef>
-                <a:spcPts val="600"/>
-              </a:spcBef>
-            </a:pPr>
-            <a:r>
-              <a:rPr lang="en-US" sz="1600" dirty="0" smtClean="0">
-                <a:solidFill>
-                  <a:schemeClr val="accent1"/>
-                </a:solidFill>
-                <a:latin typeface="Archivo ExtraBold" panose="020B0604020202020204" charset="0"/>
-                <a:cs typeface="Archivo ExtraBold" panose="020B0604020202020204" charset="0"/>
-              </a:rPr>
-              <a:t>- Các </a:t>
-            </a:r>
-            <a:r>
-              <a:rPr lang="en-US" sz="1600" dirty="0" err="1" smtClean="0">
-                <a:solidFill>
-                  <a:schemeClr val="accent1"/>
-                </a:solidFill>
-                <a:latin typeface="Archivo ExtraBold" panose="020B0604020202020204" charset="0"/>
-                <a:cs typeface="Archivo ExtraBold" panose="020B0604020202020204" charset="0"/>
-              </a:rPr>
-              <a:t>đặc</a:t>
-            </a:r>
-            <a:r>
-              <a:rPr lang="en-US" sz="1600" dirty="0" smtClean="0">
-                <a:solidFill>
-                  <a:schemeClr val="accent1"/>
-                </a:solidFill>
-                <a:latin typeface="Archivo ExtraBold" panose="020B0604020202020204" charset="0"/>
-                <a:cs typeface="Archivo ExtraBold" panose="020B0604020202020204" charset="0"/>
-              </a:rPr>
-              <a:t> </a:t>
-            </a:r>
-            <a:r>
-              <a:rPr lang="en-US" sz="1600" dirty="0" err="1" smtClean="0">
-                <a:solidFill>
-                  <a:schemeClr val="accent1"/>
-                </a:solidFill>
-                <a:latin typeface="Archivo ExtraBold" panose="020B0604020202020204" charset="0"/>
-                <a:cs typeface="Archivo ExtraBold" panose="020B0604020202020204" charset="0"/>
-              </a:rPr>
-              <a:t>trưng</a:t>
-            </a:r>
-            <a:r>
-              <a:rPr lang="en-US" sz="1600" dirty="0" smtClean="0">
-                <a:solidFill>
-                  <a:schemeClr val="accent1"/>
-                </a:solidFill>
-                <a:latin typeface="Archivo ExtraBold" panose="020B0604020202020204" charset="0"/>
-                <a:cs typeface="Archivo ExtraBold" panose="020B0604020202020204" charset="0"/>
-              </a:rPr>
-              <a:t> (pixel) của mỗi ảnh giao động giá </a:t>
-            </a:r>
-            <a:r>
-              <a:rPr lang="en-US" sz="1600" dirty="0" err="1" smtClean="0">
-                <a:solidFill>
-                  <a:schemeClr val="accent1"/>
-                </a:solidFill>
-                <a:latin typeface="Archivo ExtraBold" panose="020B0604020202020204" charset="0"/>
-                <a:cs typeface="Archivo ExtraBold" panose="020B0604020202020204" charset="0"/>
-              </a:rPr>
-              <a:t>trị</a:t>
-            </a:r>
-            <a:r>
-              <a:rPr lang="en-US" sz="1600" dirty="0" smtClean="0">
-                <a:solidFill>
-                  <a:schemeClr val="accent1"/>
-                </a:solidFill>
-                <a:latin typeface="Archivo ExtraBold" panose="020B0604020202020204" charset="0"/>
-                <a:cs typeface="Archivo ExtraBold" panose="020B0604020202020204" charset="0"/>
-              </a:rPr>
-              <a:t> </a:t>
-            </a:r>
-            <a:r>
-              <a:rPr lang="en-US" sz="1600" dirty="0" err="1" smtClean="0">
-                <a:solidFill>
-                  <a:schemeClr val="accent1"/>
-                </a:solidFill>
-                <a:latin typeface="Archivo ExtraBold" panose="020B0604020202020204" charset="0"/>
-                <a:cs typeface="Archivo ExtraBold" panose="020B0604020202020204" charset="0"/>
-              </a:rPr>
-              <a:t>từ</a:t>
-            </a:r>
-            <a:r>
-              <a:rPr lang="en-US" sz="1600" dirty="0" smtClean="0">
-                <a:solidFill>
-                  <a:schemeClr val="accent1"/>
-                </a:solidFill>
-                <a:latin typeface="Archivo ExtraBold" panose="020B0604020202020204" charset="0"/>
-                <a:cs typeface="Archivo ExtraBold" panose="020B0604020202020204" charset="0"/>
-              </a:rPr>
-              <a:t> 0-255</a:t>
-            </a:r>
-          </a:p>
-          <a:p>
-            <a:pPr>
-              <a:spcBef>
-                <a:spcPts val="600"/>
-              </a:spcBef>
-            </a:pPr>
-            <a:r>
-              <a:rPr lang="en-US" sz="1600" dirty="0" smtClean="0">
-                <a:solidFill>
-                  <a:schemeClr val="accent1"/>
-                </a:solidFill>
-                <a:latin typeface="Archivo ExtraBold" panose="020B0604020202020204" charset="0"/>
-                <a:cs typeface="Archivo ExtraBold" panose="020B0604020202020204" charset="0"/>
-              </a:rPr>
-              <a:t>- </a:t>
-            </a:r>
-            <a:r>
-              <a:rPr lang="en-US" sz="1600" dirty="0" err="1" smtClean="0">
-                <a:solidFill>
-                  <a:schemeClr val="accent1"/>
-                </a:solidFill>
-                <a:latin typeface="Archivo ExtraBold" panose="020B0604020202020204" charset="0"/>
-                <a:cs typeface="Archivo ExtraBold" panose="020B0604020202020204" charset="0"/>
-              </a:rPr>
-              <a:t>Nhãn</a:t>
-            </a:r>
-            <a:r>
-              <a:rPr lang="en-US" sz="1600" dirty="0" smtClean="0">
-                <a:solidFill>
-                  <a:schemeClr val="accent1"/>
-                </a:solidFill>
-                <a:latin typeface="Archivo ExtraBold" panose="020B0604020202020204" charset="0"/>
-                <a:cs typeface="Archivo ExtraBold" panose="020B0604020202020204" charset="0"/>
-              </a:rPr>
-              <a:t> </a:t>
-            </a:r>
-            <a:r>
-              <a:rPr lang="en-US" sz="1600" dirty="0" err="1" smtClean="0">
-                <a:solidFill>
-                  <a:schemeClr val="accent1"/>
-                </a:solidFill>
-                <a:latin typeface="Archivo ExtraBold" panose="020B0604020202020204" charset="0"/>
-                <a:cs typeface="Archivo ExtraBold" panose="020B0604020202020204" charset="0"/>
-              </a:rPr>
-              <a:t>được</a:t>
-            </a:r>
-            <a:r>
-              <a:rPr lang="en-US" sz="1600" dirty="0" smtClean="0">
-                <a:solidFill>
-                  <a:schemeClr val="accent1"/>
-                </a:solidFill>
-                <a:latin typeface="Archivo ExtraBold" panose="020B0604020202020204" charset="0"/>
-                <a:cs typeface="Archivo ExtraBold" panose="020B0604020202020204" charset="0"/>
-              </a:rPr>
-              <a:t> </a:t>
-            </a:r>
-            <a:r>
-              <a:rPr lang="en-US" sz="1600" dirty="0" err="1" smtClean="0">
-                <a:solidFill>
-                  <a:schemeClr val="accent1"/>
-                </a:solidFill>
-                <a:latin typeface="Archivo ExtraBold" panose="020B0604020202020204" charset="0"/>
-                <a:cs typeface="Archivo ExtraBold" panose="020B0604020202020204" charset="0"/>
-              </a:rPr>
-              <a:t>đánh</a:t>
-            </a:r>
-            <a:r>
-              <a:rPr lang="en-US" sz="1600" dirty="0" smtClean="0">
-                <a:solidFill>
-                  <a:schemeClr val="accent1"/>
-                </a:solidFill>
-                <a:latin typeface="Archivo ExtraBold" panose="020B0604020202020204" charset="0"/>
-                <a:cs typeface="Archivo ExtraBold" panose="020B0604020202020204" charset="0"/>
-              </a:rPr>
-              <a:t> số </a:t>
-            </a:r>
-            <a:r>
-              <a:rPr lang="en-US" sz="1600" dirty="0" err="1" smtClean="0">
-                <a:solidFill>
-                  <a:schemeClr val="accent1"/>
-                </a:solidFill>
-                <a:latin typeface="Archivo ExtraBold" panose="020B0604020202020204" charset="0"/>
-                <a:cs typeface="Archivo ExtraBold" panose="020B0604020202020204" charset="0"/>
-              </a:rPr>
-              <a:t>từ</a:t>
-            </a:r>
-            <a:r>
-              <a:rPr lang="en-US" sz="1600" dirty="0" smtClean="0">
-                <a:solidFill>
-                  <a:schemeClr val="accent1"/>
-                </a:solidFill>
-                <a:latin typeface="Archivo ExtraBold" panose="020B0604020202020204" charset="0"/>
-                <a:cs typeface="Archivo ExtraBold" panose="020B0604020202020204" charset="0"/>
-              </a:rPr>
-              <a:t> 0 đến 9 lần lượt là: </a:t>
-            </a:r>
-          </a:p>
-          <a:p>
-            <a:pPr>
-              <a:spcBef>
-                <a:spcPts val="600"/>
-              </a:spcBef>
-            </a:pPr>
-            <a:r>
-              <a:rPr lang="en-US" sz="1600" dirty="0" smtClean="0">
-                <a:solidFill>
-                  <a:schemeClr val="accent1"/>
-                </a:solidFill>
-                <a:latin typeface="Archivo ExtraBold" panose="020B0604020202020204" charset="0"/>
-                <a:cs typeface="Archivo ExtraBold" panose="020B0604020202020204" charset="0"/>
-              </a:rPr>
-              <a:t>['T-shirt/top', 'Trouser', 'Pullover', 'Dress', 'Coat', 'Sandal', 'Shirt', 'Sneaker', 'Bag', 'Ankle boot']</a:t>
+              <a:t>Bộ dữ liệu Fashion-MNIST là một bộ dữ liệu hình ảnh được sử dụng để đào tạo và đánh giá các mô hình học máy. Bộ dữ liệu này bao gồm 70.000 hình ảnh kích thước 28x28 pixel của 10 loại quần áo khác nhau, bao gồm: ['T-shirt/top', 'Trouser', 'Pullover', 'Dress', 'Coat', 'Sandal', 'Shirt', 'Sneaker', 'Bag', 'Ankle boot']</a:t>
             </a:r>
             <a:endParaRPr lang="en-US" sz="1600" dirty="0">
               <a:solidFill>
@@ -24930,8 +30298,19 @@
                 <a:latin typeface="Archivo ExtraBold" panose="020B0604020202020204" charset="0"/>
                 <a:cs typeface="Archivo ExtraBold" panose="020B0604020202020204" charset="0"/>
               </a:rPr>
-              <a:t>kết nối đầy đủ (fully connected layer): là mạng neural truyền thống, sử dụng hàm kích hoạt, như ReLU, softmax.</a:t>
+              <a:t>kết nối đầy đủ (fully connected layer): là mạng neural truyền thống, sử dụng hàm kích hoạt, như ReLU, </a:t>
             </a:r>
+            <a:r>
+              <a:rPr lang="en-US" sz="1600" dirty="0" smtClean="0">
+                <a:latin typeface="Archivo ExtraBold" panose="020B0604020202020204" charset="0"/>
+                <a:cs typeface="Archivo ExtraBold" panose="020B0604020202020204" charset="0"/>
+              </a:rPr>
+              <a:t>sigmoid…</a:t>
+            </a:r>
+            <a:endParaRPr lang="vi-VN" sz="1600" dirty="0">
+              <a:latin typeface="Archivo ExtraBold" panose="020B0604020202020204" charset="0"/>
+              <a:cs typeface="Archivo ExtraBold" panose="020B0604020202020204" charset="0"/>
+            </a:endParaRPr>
           </a:p>
           <a:p>
             <a:pPr algn="l">
@@ -24958,7 +30337,28 @@
                 <a:latin typeface="Archivo ExtraBold" panose="020B0604020202020204" charset="0"/>
                 <a:cs typeface="Archivo ExtraBold" panose="020B0604020202020204" charset="0"/>
               </a:rPr>
-              <a:t>đầu ra (output layer): 10 nơ-ron, tương ứng với số lượng lớp trong bộ dữ liệu MNIST FASHION. Lớp này sử dụng một hàm kích hoạt phân loại như softmax, hoặc linear để tính chính xác độ mất mát hơn.</a:t>
+              <a:t>đầu ra (output layer): 10 nơ-ron, tương ứng với số lượng </a:t>
+            </a:r>
+            <a:r>
+              <a:rPr lang="en-US" sz="1600" dirty="0" err="1" smtClean="0">
+                <a:latin typeface="Archivo ExtraBold" panose="020B0604020202020204" charset="0"/>
+                <a:cs typeface="Archivo ExtraBold" panose="020B0604020202020204" charset="0"/>
+              </a:rPr>
+              <a:t>nhãn</a:t>
+            </a:r>
+            <a:r>
+              <a:rPr lang="vi-VN" sz="1600" dirty="0" smtClean="0">
+                <a:latin typeface="Archivo ExtraBold" panose="020B0604020202020204" charset="0"/>
+                <a:cs typeface="Archivo ExtraBold" panose="020B0604020202020204" charset="0"/>
+              </a:rPr>
+              <a:t> </a:t>
+            </a:r>
+            <a:r>
+              <a:rPr lang="vi-VN" sz="1600" dirty="0">
+                <a:latin typeface="Archivo ExtraBold" panose="020B0604020202020204" charset="0"/>
+                <a:cs typeface="Archivo ExtraBold" panose="020B0604020202020204" charset="0"/>
+              </a:rPr>
+              <a:t>trong bộ dữ liệu MNIST FASHION. Lớp này sử dụng một hàm kích hoạt phân loại như softmax, hoặc linear để tính chính xác độ mất mát hơn.</a:t>
             </a:r>
           </a:p>
           <a:p>
@@ -25097,7 +30497,7 @@
         </p:nvSpPr>
         <p:spPr>
           <a:xfrm>
-            <a:off x="650021" y="393867"/>
+            <a:off x="5742411" y="430895"/>
             <a:ext cx="642408" cy="612370"/>
           </a:xfrm>
           <a:prstGeom prst="rect">
@@ -25424,19 +30824,8 @@
                 <a:latin typeface="Archivo ExtraBold" panose="020B0604020202020204" charset="0"/>
                 <a:cs typeface="Archivo ExtraBold" panose="020B0604020202020204" charset="0"/>
               </a:rPr>
-              <a:t> hình CNN </a:t>
+              <a:t> hình CNN</a:t>
             </a:r>
-            <a:r>
-              <a:rPr lang="en-US" sz="1600" dirty="0" err="1" smtClean="0">
-                <a:latin typeface="Archivo ExtraBold" panose="020B0604020202020204" charset="0"/>
-                <a:cs typeface="Archivo ExtraBold" panose="020B0604020202020204" charset="0"/>
-              </a:rPr>
-              <a:t>thuần</a:t>
-            </a:r>
-            <a:endParaRPr lang="en-US" sz="1600" dirty="0" smtClean="0">
-              <a:latin typeface="Archivo ExtraBold" panose="020B0604020202020204" charset="0"/>
-              <a:cs typeface="Archivo ExtraBold" panose="020B0604020202020204" charset="0"/>
-            </a:endParaRPr>
           </a:p>
           <a:p>
             <a:pPr algn="l">
@@ -25510,114 +30899,13 @@
                 <a:spcPts val="600"/>
               </a:spcBef>
             </a:pPr>
-            <a:endParaRPr lang="en-US" sz="1600" dirty="0">
-              <a:latin typeface="Archivo ExtraBold" panose="020B0604020202020204" charset="0"/>
-              <a:cs typeface="Archivo ExtraBold" panose="020B0604020202020204" charset="0"/>
-            </a:endParaRPr>
-          </a:p>
-          <a:p>
-            <a:pPr algn="l">
-              <a:spcBef>
-                <a:spcPts val="600"/>
-              </a:spcBef>
-            </a:pPr>
-            <a:r>
-              <a:rPr lang="en-US" sz="1600" dirty="0" err="1" smtClean="0">
-                <a:latin typeface="Archivo ExtraBold" panose="020B0604020202020204" charset="0"/>
-                <a:cs typeface="Archivo ExtraBold" panose="020B0604020202020204" charset="0"/>
-              </a:rPr>
-              <a:t>Biên</a:t>
-            </a:r>
-            <a:r>
-              <a:rPr lang="en-US" sz="1600" dirty="0" smtClean="0">
-                <a:latin typeface="Archivo ExtraBold" panose="020B0604020202020204" charset="0"/>
-                <a:cs typeface="Archivo ExtraBold" panose="020B0604020202020204" charset="0"/>
-              </a:rPr>
-              <a:t> </a:t>
-            </a:r>
-            <a:r>
-              <a:rPr lang="en-US" sz="1600" dirty="0" err="1" smtClean="0">
-                <a:latin typeface="Archivo ExtraBold" panose="020B0604020202020204" charset="0"/>
-                <a:cs typeface="Archivo ExtraBold" panose="020B0604020202020204" charset="0"/>
-              </a:rPr>
-              <a:t>dịch</a:t>
-            </a:r>
-            <a:r>
-              <a:rPr lang="en-US" sz="1600" dirty="0" smtClean="0">
-                <a:latin typeface="Archivo ExtraBold" panose="020B0604020202020204" charset="0"/>
-                <a:cs typeface="Archivo ExtraBold" panose="020B0604020202020204" charset="0"/>
-              </a:rPr>
-              <a:t> </a:t>
-            </a:r>
-            <a:r>
-              <a:rPr lang="en-US" sz="1600" dirty="0" err="1" smtClean="0">
-                <a:latin typeface="Archivo ExtraBold" panose="020B0604020202020204" charset="0"/>
-                <a:cs typeface="Archivo ExtraBold" panose="020B0604020202020204" charset="0"/>
-              </a:rPr>
-              <a:t>mô</a:t>
-            </a:r>
-            <a:r>
-              <a:rPr lang="en-US" sz="1600" dirty="0" smtClean="0">
-                <a:latin typeface="Archivo ExtraBold" panose="020B0604020202020204" charset="0"/>
-                <a:cs typeface="Archivo ExtraBold" panose="020B0604020202020204" charset="0"/>
-              </a:rPr>
-              <a:t> hình</a:t>
-            </a:r>
-            <a:endParaRPr lang="vi-VN" sz="1600" dirty="0">
+            <a:endParaRPr lang="en-US" sz="1600" dirty="0" smtClean="0">
               <a:latin typeface="Archivo ExtraBold" panose="020B0604020202020204" charset="0"/>
               <a:cs typeface="Archivo ExtraBold" panose="020B0604020202020204" charset="0"/>
             </a:endParaRPr>
           </a:p>
         </p:txBody>
       </p:sp>
-      <p:pic>
-        <p:nvPicPr>
-          <p:cNvPr id="6" name="Picture 5"/>
-          <p:cNvPicPr>
-            <a:picLocks noChangeAspect="1"/>
-          </p:cNvPicPr>
-          <p:nvPr/>
-        </p:nvPicPr>
-        <p:blipFill>
-          <a:blip r:embed="rId3"/>
-          <a:stretch>
-            <a:fillRect/>
-          </a:stretch>
-        </p:blipFill>
-        <p:spPr>
-          <a:xfrm>
-            <a:off x="971225" y="1387398"/>
-            <a:ext cx="6679308" cy="2128293"/>
-          </a:xfrm>
-          <a:prstGeom prst="rect">
-            <a:avLst/>
-          </a:prstGeom>
-        </p:spPr>
-      </p:pic>
-      <p:pic>
-        <p:nvPicPr>
-          <p:cNvPr id="7" name="Picture 6"/>
-          <p:cNvPicPr>
-            <a:picLocks noChangeAspect="1"/>
-          </p:cNvPicPr>
-          <p:nvPr/>
-        </p:nvPicPr>
-        <p:blipFill>
-          <a:blip r:embed="rId4"/>
-          <a:stretch>
-            <a:fillRect/>
-          </a:stretch>
-        </p:blipFill>
-        <p:spPr>
-          <a:xfrm>
-            <a:off x="971225" y="4003289"/>
-            <a:ext cx="7630590" cy="695422"/>
-          </a:xfrm>
-          <a:prstGeom prst="rect">
-            <a:avLst/>
-          </a:prstGeom>
-        </p:spPr>
-      </p:pic>
       <p:grpSp>
         <p:nvGrpSpPr>
           <p:cNvPr id="8" name="Google Shape;10876;p71"/>
@@ -25626,7 +30914,7 @@
         </p:nvGrpSpPr>
         <p:grpSpPr>
           <a:xfrm>
-            <a:off x="7354533" y="1138372"/>
+            <a:off x="7786286" y="968430"/>
             <a:ext cx="591999" cy="498051"/>
             <a:chOff x="3527780" y="2885263"/>
             <a:chExt cx="347435" cy="345534"/>
@@ -28267,6 +33555,54 @@
           </p:txBody>
         </p:sp>
       </p:grpSp>
+      <p:pic>
+        <p:nvPicPr>
+          <p:cNvPr id="2" name="Picture 1"/>
+          <p:cNvPicPr>
+            <a:picLocks noChangeAspect="1"/>
+          </p:cNvPicPr>
+          <p:nvPr/>
+        </p:nvPicPr>
+        <p:blipFill>
+          <a:blip r:embed="rId3"/>
+          <a:stretch>
+            <a:fillRect/>
+          </a:stretch>
+        </p:blipFill>
+        <p:spPr>
+          <a:xfrm>
+            <a:off x="994998" y="1466482"/>
+            <a:ext cx="6259165" cy="1633558"/>
+          </a:xfrm>
+          <a:prstGeom prst="rect">
+            <a:avLst/>
+          </a:prstGeom>
+        </p:spPr>
+      </p:pic>
+      <p:pic>
+        <p:nvPicPr>
+          <p:cNvPr id="3" name="Picture 2"/>
+          <p:cNvPicPr>
+            <a:picLocks noChangeAspect="1"/>
+          </p:cNvPicPr>
+          <p:nvPr/>
+        </p:nvPicPr>
+        <p:blipFill>
+          <a:blip r:embed="rId4"/>
+          <a:stretch>
+            <a:fillRect/>
+          </a:stretch>
+        </p:blipFill>
+        <p:spPr>
+          <a:xfrm>
+            <a:off x="971225" y="3100040"/>
+            <a:ext cx="4373926" cy="2005420"/>
+          </a:xfrm>
+          <a:prstGeom prst="rect">
+            <a:avLst/>
+          </a:prstGeom>
+        </p:spPr>
+      </p:pic>
     </p:spTree>
     <p:extLst>
       <p:ext uri="{BB962C8B-B14F-4D97-AF65-F5344CB8AC3E}">
@@ -28333,7 +33669,7 @@
             </a:pPr>
             <a:r>
               <a:rPr lang="en" dirty="0" smtClean="0"/>
-              <a:t>Phân tích và đánh giá</a:t>
+              <a:t>Xây dựng mô hình CNN</a:t>
             </a:r>
             <a:endParaRPr dirty="0"/>
           </a:p>
@@ -28349,7 +33685,7 @@
         </p:nvSpPr>
         <p:spPr>
           <a:xfrm>
-            <a:off x="650021" y="393867"/>
+            <a:off x="5749845" y="450187"/>
             <a:ext cx="642408" cy="612370"/>
           </a:xfrm>
           <a:prstGeom prst="rect">
@@ -28626,7 +33962,7 @@
           <a:p>
             <a:r>
               <a:rPr lang="en" dirty="0" smtClean="0"/>
-              <a:t>04</a:t>
+              <a:t>03</a:t>
             </a:r>
             <a:endParaRPr lang="en" dirty="0"/>
           </a:p>
@@ -28658,48 +33994,47 @@
               </a:spcBef>
             </a:pPr>
             <a:r>
+              <a:rPr lang="en-US" sz="1600" dirty="0" err="1" smtClean="0">
+                <a:latin typeface="Archivo ExtraBold" panose="020B0604020202020204" charset="0"/>
+                <a:cs typeface="Archivo ExtraBold" panose="020B0604020202020204" charset="0"/>
+              </a:rPr>
+              <a:t>Biên</a:t>
+            </a:r>
+            <a:r>
               <a:rPr lang="en-US" sz="1600" dirty="0" smtClean="0">
                 <a:latin typeface="Archivo ExtraBold" panose="020B0604020202020204" charset="0"/>
                 <a:cs typeface="Archivo ExtraBold" panose="020B0604020202020204" charset="0"/>
               </a:rPr>
-              <a:t>Kết </a:t>
+              <a:t> </a:t>
             </a:r>
             <a:r>
               <a:rPr lang="en-US" sz="1600" dirty="0" err="1" smtClean="0">
                 <a:latin typeface="Archivo ExtraBold" panose="020B0604020202020204" charset="0"/>
                 <a:cs typeface="Archivo ExtraBold" panose="020B0604020202020204" charset="0"/>
               </a:rPr>
-              <a:t>quả</a:t>
+              <a:t>dịch</a:t>
             </a:r>
-            <a:endParaRPr lang="en-US" sz="1600" dirty="0" smtClean="0">
-              <a:latin typeface="Archivo ExtraBold" panose="020B0604020202020204" charset="0"/>
-              <a:cs typeface="Archivo ExtraBold" panose="020B0604020202020204" charset="0"/>
-            </a:endParaRPr>
-          </a:p>
-          <a:p>
-            <a:pPr algn="l">
-              <a:spcBef>
-                <a:spcPts val="600"/>
-              </a:spcBef>
-            </a:pPr>
             <a:r>
               <a:rPr lang="en-US" sz="1600" dirty="0" smtClean="0">
                 <a:latin typeface="Archivo ExtraBold" panose="020B0604020202020204" charset="0"/>
                 <a:cs typeface="Archivo ExtraBold" panose="020B0604020202020204" charset="0"/>
               </a:rPr>
-              <a:t>Nhận </a:t>
+              <a:t> </a:t>
             </a:r>
             <a:r>
               <a:rPr lang="en-US" sz="1600" dirty="0" err="1" smtClean="0">
                 <a:latin typeface="Archivo ExtraBold" panose="020B0604020202020204" charset="0"/>
                 <a:cs typeface="Archivo ExtraBold" panose="020B0604020202020204" charset="0"/>
               </a:rPr>
-              <a:t>xét</a:t>
+              <a:t>mô</a:t>
             </a:r>
-            <a:endParaRPr lang="en-US" sz="1600" dirty="0" smtClean="0">
-              <a:latin typeface="Archivo ExtraBold" panose="020B0604020202020204" charset="0"/>
-              <a:cs typeface="Archivo ExtraBold" panose="020B0604020202020204" charset="0"/>
-            </a:endParaRPr>
+            <a:r>
+              <a:rPr lang="en-US" sz="1600" dirty="0" smtClean="0">
+                <a:latin typeface="Archivo ExtraBold" panose="020B0604020202020204" charset="0"/>
+                <a:cs typeface="Archivo ExtraBold" panose="020B0604020202020204" charset="0"/>
+              </a:rPr>
+              <a:t> hình </a:t>
+            </a:r>
           </a:p>
           <a:p>
             <a:pPr algn="l">
@@ -28723,499 +34058,2822 @@
               <a:cs typeface="Archivo ExtraBold" panose="020B0604020202020204" charset="0"/>
             </a:endParaRPr>
           </a:p>
-        </p:txBody>
-      </p:sp>
-      <p:sp>
-        <p:nvSpPr>
-          <p:cNvPr id="8" name="Google Shape;11115;p71"/>
-          <p:cNvSpPr/>
-          <p:nvPr/>
-        </p:nvSpPr>
-        <p:spPr>
-          <a:xfrm>
-            <a:off x="40421" y="1160158"/>
-            <a:ext cx="468352" cy="550608"/>
-          </a:xfrm>
-          <a:custGeom>
-            <a:avLst/>
-            <a:gdLst/>
-            <a:ahLst/>
-            <a:cxnLst/>
-            <a:rect l="l" t="t" r="r" b="b"/>
-            <a:pathLst>
-              <a:path w="7276" h="8218" extrusionOk="0">
-                <a:moveTo>
-                  <a:pt x="3322" y="3038"/>
-                </a:moveTo>
-                <a:cubicBezTo>
-                  <a:pt x="3394" y="3038"/>
-                  <a:pt x="3489" y="3074"/>
-                  <a:pt x="3549" y="3134"/>
-                </a:cubicBezTo>
-                <a:cubicBezTo>
-                  <a:pt x="3668" y="3241"/>
-                  <a:pt x="3668" y="3431"/>
-                  <a:pt x="3525" y="3562"/>
-                </a:cubicBezTo>
-                <a:cubicBezTo>
-                  <a:pt x="3465" y="3622"/>
-                  <a:pt x="3388" y="3651"/>
-                  <a:pt x="3311" y="3651"/>
-                </a:cubicBezTo>
-                <a:cubicBezTo>
-                  <a:pt x="3233" y="3651"/>
-                  <a:pt x="3156" y="3622"/>
-                  <a:pt x="3096" y="3562"/>
-                </a:cubicBezTo>
-                <a:cubicBezTo>
-                  <a:pt x="2977" y="3443"/>
-                  <a:pt x="2977" y="3253"/>
-                  <a:pt x="3096" y="3134"/>
-                </a:cubicBezTo>
-                <a:cubicBezTo>
-                  <a:pt x="3156" y="3074"/>
-                  <a:pt x="3227" y="3038"/>
-                  <a:pt x="3322" y="3038"/>
-                </a:cubicBezTo>
-                <a:close/>
-                <a:moveTo>
-                  <a:pt x="2441" y="3919"/>
-                </a:moveTo>
-                <a:cubicBezTo>
-                  <a:pt x="2537" y="3919"/>
-                  <a:pt x="2608" y="3955"/>
-                  <a:pt x="2668" y="4015"/>
-                </a:cubicBezTo>
-                <a:cubicBezTo>
-                  <a:pt x="2727" y="4074"/>
-                  <a:pt x="2751" y="4146"/>
-                  <a:pt x="2751" y="4229"/>
-                </a:cubicBezTo>
-                <a:cubicBezTo>
-                  <a:pt x="2739" y="4312"/>
-                  <a:pt x="2715" y="4384"/>
-                  <a:pt x="2656" y="4443"/>
-                </a:cubicBezTo>
-                <a:cubicBezTo>
-                  <a:pt x="2596" y="4503"/>
-                  <a:pt x="2516" y="4533"/>
-                  <a:pt x="2435" y="4533"/>
-                </a:cubicBezTo>
-                <a:cubicBezTo>
-                  <a:pt x="2355" y="4533"/>
-                  <a:pt x="2275" y="4503"/>
-                  <a:pt x="2215" y="4443"/>
-                </a:cubicBezTo>
-                <a:cubicBezTo>
-                  <a:pt x="2096" y="4324"/>
-                  <a:pt x="2096" y="4134"/>
-                  <a:pt x="2215" y="4015"/>
-                </a:cubicBezTo>
-                <a:cubicBezTo>
-                  <a:pt x="2275" y="3955"/>
-                  <a:pt x="2358" y="3919"/>
-                  <a:pt x="2441" y="3919"/>
-                </a:cubicBezTo>
-                <a:close/>
-                <a:moveTo>
-                  <a:pt x="6109" y="5062"/>
-                </a:moveTo>
-                <a:lnTo>
-                  <a:pt x="6620" y="5586"/>
-                </a:lnTo>
-                <a:lnTo>
-                  <a:pt x="4775" y="7432"/>
-                </a:lnTo>
-                <a:lnTo>
-                  <a:pt x="4656" y="7551"/>
-                </a:lnTo>
-                <a:lnTo>
-                  <a:pt x="4144" y="7027"/>
-                </a:lnTo>
-                <a:lnTo>
-                  <a:pt x="4215" y="6955"/>
-                </a:lnTo>
-                <a:lnTo>
-                  <a:pt x="4680" y="6491"/>
-                </a:lnTo>
-                <a:lnTo>
-                  <a:pt x="5573" y="5598"/>
-                </a:lnTo>
-                <a:lnTo>
-                  <a:pt x="6025" y="5146"/>
-                </a:lnTo>
-                <a:lnTo>
-                  <a:pt x="6109" y="5062"/>
-                </a:lnTo>
-                <a:close/>
-                <a:moveTo>
-                  <a:pt x="6644" y="6062"/>
-                </a:moveTo>
-                <a:lnTo>
-                  <a:pt x="6668" y="6098"/>
-                </a:lnTo>
-                <a:cubicBezTo>
-                  <a:pt x="6859" y="6289"/>
-                  <a:pt x="6978" y="6551"/>
-                  <a:pt x="6978" y="6836"/>
-                </a:cubicBezTo>
-                <a:cubicBezTo>
-                  <a:pt x="6978" y="7122"/>
-                  <a:pt x="6859" y="7384"/>
-                  <a:pt x="6668" y="7586"/>
-                </a:cubicBezTo>
-                <a:cubicBezTo>
-                  <a:pt x="6478" y="7777"/>
-                  <a:pt x="6204" y="7896"/>
-                  <a:pt x="5930" y="7896"/>
-                </a:cubicBezTo>
-                <a:cubicBezTo>
-                  <a:pt x="5644" y="7896"/>
-                  <a:pt x="5370" y="7789"/>
-                  <a:pt x="5180" y="7586"/>
-                </a:cubicBezTo>
-                <a:lnTo>
-                  <a:pt x="5156" y="7551"/>
-                </a:lnTo>
-                <a:lnTo>
-                  <a:pt x="6644" y="6062"/>
-                </a:lnTo>
-                <a:close/>
-                <a:moveTo>
-                  <a:pt x="1942" y="1"/>
-                </a:moveTo>
-                <a:cubicBezTo>
-                  <a:pt x="1249" y="1"/>
-                  <a:pt x="584" y="249"/>
-                  <a:pt x="72" y="693"/>
-                </a:cubicBezTo>
-                <a:cubicBezTo>
-                  <a:pt x="1" y="752"/>
-                  <a:pt x="1" y="859"/>
-                  <a:pt x="60" y="931"/>
-                </a:cubicBezTo>
-                <a:cubicBezTo>
-                  <a:pt x="91" y="968"/>
-                  <a:pt x="135" y="986"/>
-                  <a:pt x="181" y="986"/>
-                </a:cubicBezTo>
-                <a:cubicBezTo>
-                  <a:pt x="222" y="986"/>
-                  <a:pt x="264" y="971"/>
-                  <a:pt x="298" y="943"/>
-                </a:cubicBezTo>
-                <a:cubicBezTo>
-                  <a:pt x="775" y="540"/>
-                  <a:pt x="1365" y="340"/>
-                  <a:pt x="1953" y="340"/>
-                </a:cubicBezTo>
-                <a:cubicBezTo>
-                  <a:pt x="2601" y="340"/>
-                  <a:pt x="3247" y="582"/>
-                  <a:pt x="3739" y="1062"/>
-                </a:cubicBezTo>
-                <a:cubicBezTo>
-                  <a:pt x="4144" y="1467"/>
-                  <a:pt x="4406" y="1967"/>
-                  <a:pt x="4477" y="2538"/>
-                </a:cubicBezTo>
-                <a:cubicBezTo>
-                  <a:pt x="4620" y="3491"/>
-                  <a:pt x="5013" y="4336"/>
-                  <a:pt x="5668" y="5003"/>
-                </a:cubicBezTo>
-                <a:lnTo>
-                  <a:pt x="5454" y="5229"/>
-                </a:lnTo>
-                <a:lnTo>
-                  <a:pt x="3882" y="3669"/>
-                </a:lnTo>
-                <a:cubicBezTo>
-                  <a:pt x="4037" y="3419"/>
-                  <a:pt x="3989" y="3098"/>
-                  <a:pt x="3787" y="2884"/>
-                </a:cubicBezTo>
-                <a:cubicBezTo>
-                  <a:pt x="3656" y="2753"/>
-                  <a:pt x="3486" y="2687"/>
-                  <a:pt x="3318" y="2687"/>
-                </a:cubicBezTo>
-                <a:cubicBezTo>
-                  <a:pt x="3150" y="2687"/>
-                  <a:pt x="2983" y="2753"/>
-                  <a:pt x="2858" y="2884"/>
-                </a:cubicBezTo>
-                <a:cubicBezTo>
-                  <a:pt x="2656" y="3086"/>
-                  <a:pt x="2608" y="3419"/>
-                  <a:pt x="2751" y="3669"/>
-                </a:cubicBezTo>
-                <a:cubicBezTo>
-                  <a:pt x="2656" y="3610"/>
-                  <a:pt x="2549" y="3574"/>
-                  <a:pt x="2429" y="3574"/>
-                </a:cubicBezTo>
-                <a:cubicBezTo>
-                  <a:pt x="2251" y="3574"/>
-                  <a:pt x="2084" y="3657"/>
-                  <a:pt x="1965" y="3776"/>
-                </a:cubicBezTo>
-                <a:cubicBezTo>
-                  <a:pt x="1715" y="4027"/>
-                  <a:pt x="1715" y="4443"/>
-                  <a:pt x="1965" y="4693"/>
-                </a:cubicBezTo>
-                <a:cubicBezTo>
-                  <a:pt x="2096" y="4824"/>
-                  <a:pt x="2263" y="4884"/>
-                  <a:pt x="2429" y="4884"/>
-                </a:cubicBezTo>
-                <a:cubicBezTo>
-                  <a:pt x="2537" y="4884"/>
-                  <a:pt x="2656" y="4860"/>
-                  <a:pt x="2739" y="4800"/>
-                </a:cubicBezTo>
-                <a:cubicBezTo>
-                  <a:pt x="2834" y="4884"/>
-                  <a:pt x="2906" y="4967"/>
-                  <a:pt x="2989" y="5039"/>
-                </a:cubicBezTo>
-                <a:cubicBezTo>
-                  <a:pt x="3025" y="5062"/>
-                  <a:pt x="3072" y="5086"/>
-                  <a:pt x="3108" y="5086"/>
-                </a:cubicBezTo>
-                <a:cubicBezTo>
-                  <a:pt x="3156" y="5086"/>
-                  <a:pt x="3203" y="5062"/>
-                  <a:pt x="3227" y="5027"/>
-                </a:cubicBezTo>
-                <a:cubicBezTo>
-                  <a:pt x="3287" y="4943"/>
-                  <a:pt x="3287" y="4848"/>
-                  <a:pt x="3215" y="4789"/>
-                </a:cubicBezTo>
-                <a:cubicBezTo>
-                  <a:pt x="3144" y="4705"/>
-                  <a:pt x="3049" y="4634"/>
-                  <a:pt x="2977" y="4562"/>
-                </a:cubicBezTo>
-                <a:cubicBezTo>
-                  <a:pt x="3037" y="4455"/>
-                  <a:pt x="3072" y="4348"/>
-                  <a:pt x="3072" y="4229"/>
-                </a:cubicBezTo>
-                <a:cubicBezTo>
-                  <a:pt x="3072" y="4110"/>
-                  <a:pt x="3037" y="3991"/>
-                  <a:pt x="2977" y="3907"/>
-                </a:cubicBezTo>
-                <a:lnTo>
-                  <a:pt x="2977" y="3907"/>
-                </a:lnTo>
-                <a:cubicBezTo>
-                  <a:pt x="3084" y="3967"/>
-                  <a:pt x="3203" y="3991"/>
-                  <a:pt x="3311" y="3991"/>
-                </a:cubicBezTo>
-                <a:cubicBezTo>
-                  <a:pt x="3430" y="3991"/>
-                  <a:pt x="3525" y="3967"/>
-                  <a:pt x="3632" y="3907"/>
-                </a:cubicBezTo>
-                <a:lnTo>
-                  <a:pt x="5192" y="5467"/>
-                </a:lnTo>
-                <a:lnTo>
-                  <a:pt x="4537" y="6122"/>
-                </a:lnTo>
-                <a:lnTo>
-                  <a:pt x="3751" y="5336"/>
-                </a:lnTo>
-                <a:cubicBezTo>
-                  <a:pt x="3721" y="5300"/>
-                  <a:pt x="3677" y="5283"/>
-                  <a:pt x="3632" y="5283"/>
-                </a:cubicBezTo>
-                <a:cubicBezTo>
-                  <a:pt x="3587" y="5283"/>
-                  <a:pt x="3543" y="5300"/>
-                  <a:pt x="3513" y="5336"/>
-                </a:cubicBezTo>
-                <a:cubicBezTo>
-                  <a:pt x="3442" y="5396"/>
-                  <a:pt x="3442" y="5515"/>
-                  <a:pt x="3513" y="5574"/>
-                </a:cubicBezTo>
-                <a:lnTo>
-                  <a:pt x="4299" y="6360"/>
-                </a:lnTo>
-                <a:lnTo>
-                  <a:pt x="4084" y="6586"/>
-                </a:lnTo>
-                <a:cubicBezTo>
-                  <a:pt x="3394" y="5932"/>
-                  <a:pt x="2537" y="5515"/>
-                  <a:pt x="1620" y="5396"/>
-                </a:cubicBezTo>
-                <a:cubicBezTo>
-                  <a:pt x="1286" y="5348"/>
-                  <a:pt x="941" y="5229"/>
-                  <a:pt x="644" y="5050"/>
-                </a:cubicBezTo>
-                <a:cubicBezTo>
-                  <a:pt x="621" y="5035"/>
-                  <a:pt x="595" y="5029"/>
-                  <a:pt x="568" y="5029"/>
-                </a:cubicBezTo>
-                <a:cubicBezTo>
-                  <a:pt x="510" y="5029"/>
-                  <a:pt x="446" y="5061"/>
-                  <a:pt x="405" y="5110"/>
-                </a:cubicBezTo>
-                <a:cubicBezTo>
-                  <a:pt x="358" y="5181"/>
-                  <a:pt x="394" y="5289"/>
-                  <a:pt x="465" y="5348"/>
-                </a:cubicBezTo>
-                <a:cubicBezTo>
-                  <a:pt x="810" y="5562"/>
-                  <a:pt x="1179" y="5681"/>
-                  <a:pt x="1560" y="5741"/>
-                </a:cubicBezTo>
-                <a:cubicBezTo>
-                  <a:pt x="2394" y="5836"/>
-                  <a:pt x="3191" y="6229"/>
-                  <a:pt x="3823" y="6824"/>
-                </a:cubicBezTo>
-                <a:lnTo>
-                  <a:pt x="3751" y="6896"/>
-                </a:lnTo>
-                <a:cubicBezTo>
-                  <a:pt x="3692" y="6955"/>
-                  <a:pt x="3692" y="7075"/>
-                  <a:pt x="3751" y="7134"/>
-                </a:cubicBezTo>
-                <a:lnTo>
-                  <a:pt x="4525" y="7908"/>
-                </a:lnTo>
-                <a:cubicBezTo>
-                  <a:pt x="4561" y="7944"/>
-                  <a:pt x="4596" y="7956"/>
-                  <a:pt x="4644" y="7956"/>
-                </a:cubicBezTo>
-                <a:cubicBezTo>
-                  <a:pt x="4692" y="7956"/>
-                  <a:pt x="4739" y="7944"/>
-                  <a:pt x="4763" y="7908"/>
-                </a:cubicBezTo>
-                <a:lnTo>
-                  <a:pt x="4882" y="7789"/>
-                </a:lnTo>
-                <a:lnTo>
-                  <a:pt x="4918" y="7825"/>
-                </a:lnTo>
-                <a:cubicBezTo>
-                  <a:pt x="5180" y="8087"/>
-                  <a:pt x="5525" y="8217"/>
-                  <a:pt x="5894" y="8217"/>
-                </a:cubicBezTo>
-                <a:cubicBezTo>
-                  <a:pt x="6263" y="8217"/>
-                  <a:pt x="6620" y="8075"/>
-                  <a:pt x="6882" y="7825"/>
-                </a:cubicBezTo>
-                <a:cubicBezTo>
-                  <a:pt x="7144" y="7551"/>
-                  <a:pt x="7275" y="7205"/>
-                  <a:pt x="7275" y="6836"/>
-                </a:cubicBezTo>
-                <a:cubicBezTo>
-                  <a:pt x="7275" y="6467"/>
-                  <a:pt x="7180" y="6122"/>
-                  <a:pt x="6906" y="5860"/>
-                </a:cubicBezTo>
-                <a:lnTo>
-                  <a:pt x="6882" y="5824"/>
-                </a:lnTo>
-                <a:lnTo>
-                  <a:pt x="6990" y="5705"/>
-                </a:lnTo>
-                <a:cubicBezTo>
-                  <a:pt x="7049" y="5646"/>
-                  <a:pt x="7049" y="5527"/>
-                  <a:pt x="6990" y="5467"/>
-                </a:cubicBezTo>
-                <a:lnTo>
-                  <a:pt x="6216" y="4693"/>
-                </a:lnTo>
-                <a:cubicBezTo>
-                  <a:pt x="6192" y="4669"/>
-                  <a:pt x="6144" y="4646"/>
-                  <a:pt x="6097" y="4646"/>
-                </a:cubicBezTo>
-                <a:cubicBezTo>
-                  <a:pt x="6061" y="4646"/>
-                  <a:pt x="6013" y="4669"/>
-                  <a:pt x="5989" y="4693"/>
-                </a:cubicBezTo>
-                <a:lnTo>
-                  <a:pt x="5906" y="4765"/>
-                </a:lnTo>
-                <a:cubicBezTo>
-                  <a:pt x="5311" y="4157"/>
-                  <a:pt x="4942" y="3372"/>
-                  <a:pt x="4823" y="2491"/>
-                </a:cubicBezTo>
-                <a:cubicBezTo>
-                  <a:pt x="4739" y="1848"/>
-                  <a:pt x="4454" y="1276"/>
-                  <a:pt x="3977" y="824"/>
-                </a:cubicBezTo>
-                <a:cubicBezTo>
-                  <a:pt x="3453" y="324"/>
-                  <a:pt x="2775" y="26"/>
-                  <a:pt x="2037" y="2"/>
-                </a:cubicBezTo>
-                <a:cubicBezTo>
-                  <a:pt x="2005" y="1"/>
-                  <a:pt x="1973" y="1"/>
-                  <a:pt x="1942" y="1"/>
-                </a:cubicBezTo>
-                <a:close/>
-              </a:path>
-            </a:pathLst>
-          </a:custGeom>
-          <a:solidFill>
-            <a:srgbClr val="657E93"/>
-          </a:solidFill>
-          <a:ln>
-            <a:noFill/>
-          </a:ln>
-        </p:spPr>
-        <p:txBody>
-          <a:bodyPr spcFirstLastPara="1" wrap="square" lIns="91425" tIns="91425" rIns="91425" bIns="91425" anchor="ctr" anchorCtr="0">
-            <a:noAutofit/>
-          </a:bodyPr>
-          <a:lstStyle/>
           <a:p>
-            <a:pPr marL="0" lvl="0" indent="0" algn="l" rtl="0">
-              <a:spcBef>
-                <a:spcPts val="0"/>
-              </a:spcBef>
-              <a:spcAft>
-                <a:spcPts val="0"/>
-              </a:spcAft>
-              <a:buNone/>
+            <a:pPr algn="l">
+              <a:spcBef>
+                <a:spcPts val="600"/>
+              </a:spcBef>
             </a:pPr>
-            <a:endParaRPr/>
+            <a:endParaRPr lang="en-US" sz="1600" dirty="0">
+              <a:latin typeface="Archivo ExtraBold" panose="020B0604020202020204" charset="0"/>
+              <a:cs typeface="Archivo ExtraBold" panose="020B0604020202020204" charset="0"/>
+            </a:endParaRPr>
+          </a:p>
+          <a:p>
+            <a:pPr algn="l">
+              <a:spcBef>
+                <a:spcPts val="600"/>
+              </a:spcBef>
+            </a:pPr>
+            <a:r>
+              <a:rPr lang="en-US" sz="1600" dirty="0" smtClean="0">
+                <a:latin typeface="Archivo ExtraBold" panose="020B0604020202020204" charset="0"/>
+                <a:cs typeface="Archivo ExtraBold" panose="020B0604020202020204" charset="0"/>
+              </a:rPr>
+              <a:t>Callbacks</a:t>
+            </a:r>
+          </a:p>
+          <a:p>
+            <a:pPr algn="l">
+              <a:spcBef>
+                <a:spcPts val="600"/>
+              </a:spcBef>
+            </a:pPr>
+            <a:endParaRPr lang="en-US" sz="1600" dirty="0" smtClean="0">
+              <a:latin typeface="Archivo ExtraBold" panose="020B0604020202020204" charset="0"/>
+              <a:cs typeface="Archivo ExtraBold" panose="020B0604020202020204" charset="0"/>
+            </a:endParaRPr>
+          </a:p>
+          <a:p>
+            <a:pPr algn="l">
+              <a:spcBef>
+                <a:spcPts val="600"/>
+              </a:spcBef>
+            </a:pPr>
+            <a:endParaRPr lang="en-US" sz="1600" dirty="0">
+              <a:latin typeface="Archivo ExtraBold" panose="020B0604020202020204" charset="0"/>
+              <a:cs typeface="Archivo ExtraBold" panose="020B0604020202020204" charset="0"/>
+            </a:endParaRPr>
+          </a:p>
+          <a:p>
+            <a:pPr algn="l">
+              <a:spcBef>
+                <a:spcPts val="600"/>
+              </a:spcBef>
+            </a:pPr>
+            <a:endParaRPr lang="en-US" sz="1600" dirty="0" smtClean="0">
+              <a:latin typeface="Archivo ExtraBold" panose="020B0604020202020204" charset="0"/>
+              <a:cs typeface="Archivo ExtraBold" panose="020B0604020202020204" charset="0"/>
+            </a:endParaRPr>
+          </a:p>
+          <a:p>
+            <a:pPr algn="l">
+              <a:spcBef>
+                <a:spcPts val="600"/>
+              </a:spcBef>
+            </a:pPr>
+            <a:endParaRPr lang="en-US" sz="1600" dirty="0">
+              <a:latin typeface="Archivo ExtraBold" panose="020B0604020202020204" charset="0"/>
+              <a:cs typeface="Archivo ExtraBold" panose="020B0604020202020204" charset="0"/>
+            </a:endParaRPr>
+          </a:p>
+          <a:p>
+            <a:pPr algn="l">
+              <a:spcBef>
+                <a:spcPts val="600"/>
+              </a:spcBef>
+            </a:pPr>
+            <a:endParaRPr lang="en-US" sz="1600" dirty="0" smtClean="0">
+              <a:latin typeface="Archivo ExtraBold" panose="020B0604020202020204" charset="0"/>
+              <a:cs typeface="Archivo ExtraBold" panose="020B0604020202020204" charset="0"/>
+            </a:endParaRPr>
+          </a:p>
+          <a:p>
+            <a:pPr algn="l">
+              <a:spcBef>
+                <a:spcPts val="600"/>
+              </a:spcBef>
+            </a:pPr>
+            <a:endParaRPr lang="en-US" sz="1600" dirty="0">
+              <a:latin typeface="Archivo ExtraBold" panose="020B0604020202020204" charset="0"/>
+              <a:cs typeface="Archivo ExtraBold" panose="020B0604020202020204" charset="0"/>
+            </a:endParaRPr>
+          </a:p>
+          <a:p>
+            <a:pPr algn="l">
+              <a:spcBef>
+                <a:spcPts val="600"/>
+              </a:spcBef>
+            </a:pPr>
+            <a:endParaRPr lang="en-US" sz="1600" dirty="0" smtClean="0">
+              <a:latin typeface="Archivo ExtraBold" panose="020B0604020202020204" charset="0"/>
+              <a:cs typeface="Archivo ExtraBold" panose="020B0604020202020204" charset="0"/>
+            </a:endParaRPr>
+          </a:p>
+          <a:p>
+            <a:pPr algn="l">
+              <a:spcBef>
+                <a:spcPts val="600"/>
+              </a:spcBef>
+            </a:pPr>
+            <a:endParaRPr lang="en-US" sz="1600" dirty="0" smtClean="0">
+              <a:latin typeface="Archivo ExtraBold" panose="020B0604020202020204" charset="0"/>
+              <a:cs typeface="Archivo ExtraBold" panose="020B0604020202020204" charset="0"/>
+            </a:endParaRPr>
           </a:p>
         </p:txBody>
       </p:sp>
+      <p:grpSp>
+        <p:nvGrpSpPr>
+          <p:cNvPr id="8" name="Google Shape;10876;p71"/>
+          <p:cNvGrpSpPr/>
+          <p:nvPr/>
+        </p:nvGrpSpPr>
+        <p:grpSpPr>
+          <a:xfrm>
+            <a:off x="7786286" y="968430"/>
+            <a:ext cx="591999" cy="498051"/>
+            <a:chOff x="3527780" y="2885263"/>
+            <a:chExt cx="347435" cy="345534"/>
+          </a:xfrm>
+        </p:grpSpPr>
+        <p:sp>
+          <p:nvSpPr>
+            <p:cNvPr id="10" name="Google Shape;10877;p71"/>
+            <p:cNvSpPr/>
+            <p:nvPr/>
+          </p:nvSpPr>
+          <p:spPr>
+            <a:xfrm>
+              <a:off x="3527780" y="2885263"/>
+              <a:ext cx="347435" cy="345534"/>
+            </a:xfrm>
+            <a:custGeom>
+              <a:avLst/>
+              <a:gdLst/>
+              <a:ahLst/>
+              <a:cxnLst/>
+              <a:rect l="l" t="t" r="r" b="b"/>
+              <a:pathLst>
+                <a:path w="10967" h="10907" extrusionOk="0">
+                  <a:moveTo>
+                    <a:pt x="3751" y="298"/>
+                  </a:moveTo>
+                  <a:cubicBezTo>
+                    <a:pt x="3811" y="298"/>
+                    <a:pt x="3847" y="345"/>
+                    <a:pt x="3847" y="405"/>
+                  </a:cubicBezTo>
+                  <a:cubicBezTo>
+                    <a:pt x="3847" y="464"/>
+                    <a:pt x="3811" y="512"/>
+                    <a:pt x="3751" y="512"/>
+                  </a:cubicBezTo>
+                  <a:cubicBezTo>
+                    <a:pt x="3692" y="512"/>
+                    <a:pt x="3644" y="464"/>
+                    <a:pt x="3644" y="405"/>
+                  </a:cubicBezTo>
+                  <a:cubicBezTo>
+                    <a:pt x="3656" y="345"/>
+                    <a:pt x="3704" y="298"/>
+                    <a:pt x="3751" y="298"/>
+                  </a:cubicBezTo>
+                  <a:close/>
+                  <a:moveTo>
+                    <a:pt x="5490" y="298"/>
+                  </a:moveTo>
+                  <a:cubicBezTo>
+                    <a:pt x="5549" y="298"/>
+                    <a:pt x="5597" y="345"/>
+                    <a:pt x="5597" y="405"/>
+                  </a:cubicBezTo>
+                  <a:cubicBezTo>
+                    <a:pt x="5597" y="464"/>
+                    <a:pt x="5549" y="512"/>
+                    <a:pt x="5490" y="512"/>
+                  </a:cubicBezTo>
+                  <a:cubicBezTo>
+                    <a:pt x="5430" y="512"/>
+                    <a:pt x="5382" y="464"/>
+                    <a:pt x="5382" y="405"/>
+                  </a:cubicBezTo>
+                  <a:cubicBezTo>
+                    <a:pt x="5382" y="345"/>
+                    <a:pt x="5430" y="298"/>
+                    <a:pt x="5490" y="298"/>
+                  </a:cubicBezTo>
+                  <a:close/>
+                  <a:moveTo>
+                    <a:pt x="7216" y="298"/>
+                  </a:moveTo>
+                  <a:cubicBezTo>
+                    <a:pt x="7276" y="298"/>
+                    <a:pt x="7323" y="345"/>
+                    <a:pt x="7323" y="405"/>
+                  </a:cubicBezTo>
+                  <a:cubicBezTo>
+                    <a:pt x="7323" y="464"/>
+                    <a:pt x="7276" y="512"/>
+                    <a:pt x="7216" y="512"/>
+                  </a:cubicBezTo>
+                  <a:cubicBezTo>
+                    <a:pt x="7156" y="512"/>
+                    <a:pt x="7109" y="464"/>
+                    <a:pt x="7109" y="405"/>
+                  </a:cubicBezTo>
+                  <a:cubicBezTo>
+                    <a:pt x="7109" y="345"/>
+                    <a:pt x="7156" y="298"/>
+                    <a:pt x="7216" y="298"/>
+                  </a:cubicBezTo>
+                  <a:close/>
+                  <a:moveTo>
+                    <a:pt x="394" y="3632"/>
+                  </a:moveTo>
+                  <a:cubicBezTo>
+                    <a:pt x="453" y="3632"/>
+                    <a:pt x="501" y="3679"/>
+                    <a:pt x="501" y="3739"/>
+                  </a:cubicBezTo>
+                  <a:cubicBezTo>
+                    <a:pt x="501" y="3798"/>
+                    <a:pt x="453" y="3846"/>
+                    <a:pt x="394" y="3846"/>
+                  </a:cubicBezTo>
+                  <a:cubicBezTo>
+                    <a:pt x="334" y="3846"/>
+                    <a:pt x="287" y="3798"/>
+                    <a:pt x="287" y="3739"/>
+                  </a:cubicBezTo>
+                  <a:cubicBezTo>
+                    <a:pt x="287" y="3679"/>
+                    <a:pt x="334" y="3632"/>
+                    <a:pt x="394" y="3632"/>
+                  </a:cubicBezTo>
+                  <a:close/>
+                  <a:moveTo>
+                    <a:pt x="10562" y="3655"/>
+                  </a:moveTo>
+                  <a:cubicBezTo>
+                    <a:pt x="10621" y="3655"/>
+                    <a:pt x="10669" y="3691"/>
+                    <a:pt x="10669" y="3763"/>
+                  </a:cubicBezTo>
+                  <a:cubicBezTo>
+                    <a:pt x="10669" y="3822"/>
+                    <a:pt x="10621" y="3858"/>
+                    <a:pt x="10562" y="3858"/>
+                  </a:cubicBezTo>
+                  <a:cubicBezTo>
+                    <a:pt x="10502" y="3858"/>
+                    <a:pt x="10454" y="3822"/>
+                    <a:pt x="10454" y="3763"/>
+                  </a:cubicBezTo>
+                  <a:cubicBezTo>
+                    <a:pt x="10454" y="3691"/>
+                    <a:pt x="10502" y="3655"/>
+                    <a:pt x="10562" y="3655"/>
+                  </a:cubicBezTo>
+                  <a:close/>
+                  <a:moveTo>
+                    <a:pt x="394" y="5382"/>
+                  </a:moveTo>
+                  <a:cubicBezTo>
+                    <a:pt x="453" y="5382"/>
+                    <a:pt x="501" y="5417"/>
+                    <a:pt x="501" y="5477"/>
+                  </a:cubicBezTo>
+                  <a:cubicBezTo>
+                    <a:pt x="501" y="5548"/>
+                    <a:pt x="453" y="5584"/>
+                    <a:pt x="394" y="5584"/>
+                  </a:cubicBezTo>
+                  <a:cubicBezTo>
+                    <a:pt x="334" y="5584"/>
+                    <a:pt x="287" y="5548"/>
+                    <a:pt x="287" y="5477"/>
+                  </a:cubicBezTo>
+                  <a:cubicBezTo>
+                    <a:pt x="287" y="5417"/>
+                    <a:pt x="334" y="5382"/>
+                    <a:pt x="394" y="5382"/>
+                  </a:cubicBezTo>
+                  <a:close/>
+                  <a:moveTo>
+                    <a:pt x="10562" y="5382"/>
+                  </a:moveTo>
+                  <a:cubicBezTo>
+                    <a:pt x="10621" y="5382"/>
+                    <a:pt x="10669" y="5429"/>
+                    <a:pt x="10669" y="5489"/>
+                  </a:cubicBezTo>
+                  <a:cubicBezTo>
+                    <a:pt x="10669" y="5548"/>
+                    <a:pt x="10621" y="5584"/>
+                    <a:pt x="10562" y="5584"/>
+                  </a:cubicBezTo>
+                  <a:cubicBezTo>
+                    <a:pt x="10502" y="5584"/>
+                    <a:pt x="10454" y="5548"/>
+                    <a:pt x="10454" y="5489"/>
+                  </a:cubicBezTo>
+                  <a:cubicBezTo>
+                    <a:pt x="10454" y="5429"/>
+                    <a:pt x="10502" y="5382"/>
+                    <a:pt x="10562" y="5382"/>
+                  </a:cubicBezTo>
+                  <a:close/>
+                  <a:moveTo>
+                    <a:pt x="394" y="7108"/>
+                  </a:moveTo>
+                  <a:cubicBezTo>
+                    <a:pt x="453" y="7108"/>
+                    <a:pt x="501" y="7144"/>
+                    <a:pt x="501" y="7215"/>
+                  </a:cubicBezTo>
+                  <a:cubicBezTo>
+                    <a:pt x="501" y="7275"/>
+                    <a:pt x="453" y="7311"/>
+                    <a:pt x="394" y="7311"/>
+                  </a:cubicBezTo>
+                  <a:cubicBezTo>
+                    <a:pt x="334" y="7311"/>
+                    <a:pt x="287" y="7275"/>
+                    <a:pt x="287" y="7215"/>
+                  </a:cubicBezTo>
+                  <a:cubicBezTo>
+                    <a:pt x="287" y="7144"/>
+                    <a:pt x="334" y="7108"/>
+                    <a:pt x="394" y="7108"/>
+                  </a:cubicBezTo>
+                  <a:close/>
+                  <a:moveTo>
+                    <a:pt x="10562" y="7120"/>
+                  </a:moveTo>
+                  <a:cubicBezTo>
+                    <a:pt x="10621" y="7120"/>
+                    <a:pt x="10669" y="7168"/>
+                    <a:pt x="10669" y="7227"/>
+                  </a:cubicBezTo>
+                  <a:cubicBezTo>
+                    <a:pt x="10669" y="7287"/>
+                    <a:pt x="10621" y="7334"/>
+                    <a:pt x="10562" y="7334"/>
+                  </a:cubicBezTo>
+                  <a:cubicBezTo>
+                    <a:pt x="10502" y="7334"/>
+                    <a:pt x="10454" y="7287"/>
+                    <a:pt x="10454" y="7227"/>
+                  </a:cubicBezTo>
+                  <a:cubicBezTo>
+                    <a:pt x="10454" y="7168"/>
+                    <a:pt x="10502" y="7120"/>
+                    <a:pt x="10562" y="7120"/>
+                  </a:cubicBezTo>
+                  <a:close/>
+                  <a:moveTo>
+                    <a:pt x="3751" y="10454"/>
+                  </a:moveTo>
+                  <a:cubicBezTo>
+                    <a:pt x="3811" y="10454"/>
+                    <a:pt x="3847" y="10501"/>
+                    <a:pt x="3847" y="10561"/>
+                  </a:cubicBezTo>
+                  <a:cubicBezTo>
+                    <a:pt x="3847" y="10621"/>
+                    <a:pt x="3811" y="10668"/>
+                    <a:pt x="3751" y="10668"/>
+                  </a:cubicBezTo>
+                  <a:cubicBezTo>
+                    <a:pt x="3692" y="10668"/>
+                    <a:pt x="3644" y="10621"/>
+                    <a:pt x="3644" y="10561"/>
+                  </a:cubicBezTo>
+                  <a:cubicBezTo>
+                    <a:pt x="3644" y="10501"/>
+                    <a:pt x="3680" y="10454"/>
+                    <a:pt x="3751" y="10454"/>
+                  </a:cubicBezTo>
+                  <a:close/>
+                  <a:moveTo>
+                    <a:pt x="5490" y="10454"/>
+                  </a:moveTo>
+                  <a:cubicBezTo>
+                    <a:pt x="5549" y="10454"/>
+                    <a:pt x="5597" y="10501"/>
+                    <a:pt x="5597" y="10561"/>
+                  </a:cubicBezTo>
+                  <a:cubicBezTo>
+                    <a:pt x="5597" y="10621"/>
+                    <a:pt x="5537" y="10668"/>
+                    <a:pt x="5490" y="10668"/>
+                  </a:cubicBezTo>
+                  <a:cubicBezTo>
+                    <a:pt x="5430" y="10668"/>
+                    <a:pt x="5382" y="10621"/>
+                    <a:pt x="5382" y="10561"/>
+                  </a:cubicBezTo>
+                  <a:cubicBezTo>
+                    <a:pt x="5382" y="10501"/>
+                    <a:pt x="5430" y="10454"/>
+                    <a:pt x="5490" y="10454"/>
+                  </a:cubicBezTo>
+                  <a:close/>
+                  <a:moveTo>
+                    <a:pt x="7216" y="10454"/>
+                  </a:moveTo>
+                  <a:cubicBezTo>
+                    <a:pt x="7276" y="10454"/>
+                    <a:pt x="7323" y="10501"/>
+                    <a:pt x="7323" y="10561"/>
+                  </a:cubicBezTo>
+                  <a:cubicBezTo>
+                    <a:pt x="7323" y="10621"/>
+                    <a:pt x="7276" y="10668"/>
+                    <a:pt x="7216" y="10668"/>
+                  </a:cubicBezTo>
+                  <a:cubicBezTo>
+                    <a:pt x="7156" y="10668"/>
+                    <a:pt x="7109" y="10621"/>
+                    <a:pt x="7109" y="10561"/>
+                  </a:cubicBezTo>
+                  <a:cubicBezTo>
+                    <a:pt x="7109" y="10501"/>
+                    <a:pt x="7156" y="10454"/>
+                    <a:pt x="7216" y="10454"/>
+                  </a:cubicBezTo>
+                  <a:close/>
+                  <a:moveTo>
+                    <a:pt x="3811" y="0"/>
+                  </a:moveTo>
+                  <a:cubicBezTo>
+                    <a:pt x="3561" y="0"/>
+                    <a:pt x="3394" y="203"/>
+                    <a:pt x="3394" y="417"/>
+                  </a:cubicBezTo>
+                  <a:cubicBezTo>
+                    <a:pt x="3394" y="595"/>
+                    <a:pt x="3489" y="750"/>
+                    <a:pt x="3656" y="810"/>
+                  </a:cubicBezTo>
+                  <a:lnTo>
+                    <a:pt x="3656" y="1738"/>
+                  </a:lnTo>
+                  <a:lnTo>
+                    <a:pt x="1965" y="1738"/>
+                  </a:lnTo>
+                  <a:cubicBezTo>
+                    <a:pt x="1870" y="1738"/>
+                    <a:pt x="1799" y="1810"/>
+                    <a:pt x="1799" y="1893"/>
+                  </a:cubicBezTo>
+                  <a:lnTo>
+                    <a:pt x="1799" y="3596"/>
+                  </a:lnTo>
+                  <a:lnTo>
+                    <a:pt x="799" y="3596"/>
+                  </a:lnTo>
+                  <a:cubicBezTo>
+                    <a:pt x="739" y="3441"/>
+                    <a:pt x="596" y="3322"/>
+                    <a:pt x="418" y="3322"/>
+                  </a:cubicBezTo>
+                  <a:cubicBezTo>
+                    <a:pt x="179" y="3322"/>
+                    <a:pt x="1" y="3524"/>
+                    <a:pt x="1" y="3739"/>
+                  </a:cubicBezTo>
+                  <a:cubicBezTo>
+                    <a:pt x="1" y="3977"/>
+                    <a:pt x="191" y="4155"/>
+                    <a:pt x="418" y="4155"/>
+                  </a:cubicBezTo>
+                  <a:cubicBezTo>
+                    <a:pt x="596" y="4155"/>
+                    <a:pt x="739" y="4048"/>
+                    <a:pt x="799" y="3893"/>
+                  </a:cubicBezTo>
+                  <a:lnTo>
+                    <a:pt x="1727" y="3893"/>
+                  </a:lnTo>
+                  <a:lnTo>
+                    <a:pt x="1727" y="5310"/>
+                  </a:lnTo>
+                  <a:lnTo>
+                    <a:pt x="799" y="5310"/>
+                  </a:lnTo>
+                  <a:cubicBezTo>
+                    <a:pt x="739" y="5156"/>
+                    <a:pt x="596" y="5036"/>
+                    <a:pt x="418" y="5036"/>
+                  </a:cubicBezTo>
+                  <a:cubicBezTo>
+                    <a:pt x="179" y="5036"/>
+                    <a:pt x="1" y="5227"/>
+                    <a:pt x="1" y="5453"/>
+                  </a:cubicBezTo>
+                  <a:cubicBezTo>
+                    <a:pt x="1" y="5691"/>
+                    <a:pt x="191" y="5870"/>
+                    <a:pt x="418" y="5870"/>
+                  </a:cubicBezTo>
+                  <a:cubicBezTo>
+                    <a:pt x="596" y="5870"/>
+                    <a:pt x="739" y="5763"/>
+                    <a:pt x="799" y="5608"/>
+                  </a:cubicBezTo>
+                  <a:lnTo>
+                    <a:pt x="1727" y="5608"/>
+                  </a:lnTo>
+                  <a:lnTo>
+                    <a:pt x="1727" y="7013"/>
+                  </a:lnTo>
+                  <a:lnTo>
+                    <a:pt x="799" y="7013"/>
+                  </a:lnTo>
+                  <a:cubicBezTo>
+                    <a:pt x="739" y="6870"/>
+                    <a:pt x="596" y="6751"/>
+                    <a:pt x="418" y="6751"/>
+                  </a:cubicBezTo>
+                  <a:cubicBezTo>
+                    <a:pt x="179" y="6751"/>
+                    <a:pt x="1" y="6941"/>
+                    <a:pt x="1" y="7168"/>
+                  </a:cubicBezTo>
+                  <a:cubicBezTo>
+                    <a:pt x="1" y="7406"/>
+                    <a:pt x="191" y="7584"/>
+                    <a:pt x="418" y="7584"/>
+                  </a:cubicBezTo>
+                  <a:cubicBezTo>
+                    <a:pt x="596" y="7584"/>
+                    <a:pt x="739" y="7477"/>
+                    <a:pt x="799" y="7311"/>
+                  </a:cubicBezTo>
+                  <a:lnTo>
+                    <a:pt x="1727" y="7311"/>
+                  </a:lnTo>
+                  <a:lnTo>
+                    <a:pt x="1727" y="9013"/>
+                  </a:lnTo>
+                  <a:cubicBezTo>
+                    <a:pt x="1727" y="9097"/>
+                    <a:pt x="1799" y="9180"/>
+                    <a:pt x="1882" y="9180"/>
+                  </a:cubicBezTo>
+                  <a:lnTo>
+                    <a:pt x="3585" y="9180"/>
+                  </a:lnTo>
+                  <a:lnTo>
+                    <a:pt x="3585" y="10097"/>
+                  </a:lnTo>
+                  <a:cubicBezTo>
+                    <a:pt x="3430" y="10156"/>
+                    <a:pt x="3311" y="10311"/>
+                    <a:pt x="3311" y="10490"/>
+                  </a:cubicBezTo>
+                  <a:cubicBezTo>
+                    <a:pt x="3311" y="10728"/>
+                    <a:pt x="3513" y="10906"/>
+                    <a:pt x="3727" y="10906"/>
+                  </a:cubicBezTo>
+                  <a:cubicBezTo>
+                    <a:pt x="3966" y="10906"/>
+                    <a:pt x="4144" y="10704"/>
+                    <a:pt x="4144" y="10490"/>
+                  </a:cubicBezTo>
+                  <a:cubicBezTo>
+                    <a:pt x="4144" y="10311"/>
+                    <a:pt x="4049" y="10156"/>
+                    <a:pt x="3882" y="10097"/>
+                  </a:cubicBezTo>
+                  <a:lnTo>
+                    <a:pt x="3882" y="9180"/>
+                  </a:lnTo>
+                  <a:lnTo>
+                    <a:pt x="5299" y="9180"/>
+                  </a:lnTo>
+                  <a:lnTo>
+                    <a:pt x="5299" y="10097"/>
+                  </a:lnTo>
+                  <a:cubicBezTo>
+                    <a:pt x="5144" y="10156"/>
+                    <a:pt x="5025" y="10311"/>
+                    <a:pt x="5025" y="10490"/>
+                  </a:cubicBezTo>
+                  <a:cubicBezTo>
+                    <a:pt x="5025" y="10728"/>
+                    <a:pt x="5216" y="10906"/>
+                    <a:pt x="5442" y="10906"/>
+                  </a:cubicBezTo>
+                  <a:cubicBezTo>
+                    <a:pt x="5680" y="10906"/>
+                    <a:pt x="5859" y="10704"/>
+                    <a:pt x="5859" y="10490"/>
+                  </a:cubicBezTo>
+                  <a:cubicBezTo>
+                    <a:pt x="5859" y="10311"/>
+                    <a:pt x="5752" y="10156"/>
+                    <a:pt x="5597" y="10097"/>
+                  </a:cubicBezTo>
+                  <a:lnTo>
+                    <a:pt x="5597" y="9180"/>
+                  </a:lnTo>
+                  <a:lnTo>
+                    <a:pt x="7002" y="9180"/>
+                  </a:lnTo>
+                  <a:lnTo>
+                    <a:pt x="7002" y="10097"/>
+                  </a:lnTo>
+                  <a:cubicBezTo>
+                    <a:pt x="6859" y="10156"/>
+                    <a:pt x="6740" y="10311"/>
+                    <a:pt x="6740" y="10490"/>
+                  </a:cubicBezTo>
+                  <a:cubicBezTo>
+                    <a:pt x="6740" y="10728"/>
+                    <a:pt x="6930" y="10906"/>
+                    <a:pt x="7156" y="10906"/>
+                  </a:cubicBezTo>
+                  <a:cubicBezTo>
+                    <a:pt x="7383" y="10906"/>
+                    <a:pt x="7573" y="10704"/>
+                    <a:pt x="7573" y="10490"/>
+                  </a:cubicBezTo>
+                  <a:cubicBezTo>
+                    <a:pt x="7573" y="10311"/>
+                    <a:pt x="7466" y="10156"/>
+                    <a:pt x="7299" y="10097"/>
+                  </a:cubicBezTo>
+                  <a:lnTo>
+                    <a:pt x="7299" y="9180"/>
+                  </a:lnTo>
+                  <a:lnTo>
+                    <a:pt x="9002" y="9180"/>
+                  </a:lnTo>
+                  <a:cubicBezTo>
+                    <a:pt x="9085" y="9180"/>
+                    <a:pt x="9169" y="9097"/>
+                    <a:pt x="9169" y="9013"/>
+                  </a:cubicBezTo>
+                  <a:lnTo>
+                    <a:pt x="9169" y="7311"/>
+                  </a:lnTo>
+                  <a:lnTo>
+                    <a:pt x="10085" y="7311"/>
+                  </a:lnTo>
+                  <a:cubicBezTo>
+                    <a:pt x="10145" y="7465"/>
+                    <a:pt x="10300" y="7584"/>
+                    <a:pt x="10478" y="7584"/>
+                  </a:cubicBezTo>
+                  <a:cubicBezTo>
+                    <a:pt x="10716" y="7584"/>
+                    <a:pt x="10895" y="7394"/>
+                    <a:pt x="10895" y="7168"/>
+                  </a:cubicBezTo>
+                  <a:cubicBezTo>
+                    <a:pt x="10895" y="6930"/>
+                    <a:pt x="10693" y="6751"/>
+                    <a:pt x="10478" y="6751"/>
+                  </a:cubicBezTo>
+                  <a:cubicBezTo>
+                    <a:pt x="10300" y="6751"/>
+                    <a:pt x="10145" y="6858"/>
+                    <a:pt x="10085" y="7013"/>
+                  </a:cubicBezTo>
+                  <a:lnTo>
+                    <a:pt x="9169" y="7013"/>
+                  </a:lnTo>
+                  <a:lnTo>
+                    <a:pt x="9240" y="5644"/>
+                  </a:lnTo>
+                  <a:lnTo>
+                    <a:pt x="10157" y="5644"/>
+                  </a:lnTo>
+                  <a:cubicBezTo>
+                    <a:pt x="10216" y="5798"/>
+                    <a:pt x="10371" y="5918"/>
+                    <a:pt x="10550" y="5918"/>
+                  </a:cubicBezTo>
+                  <a:cubicBezTo>
+                    <a:pt x="10788" y="5918"/>
+                    <a:pt x="10966" y="5727"/>
+                    <a:pt x="10966" y="5501"/>
+                  </a:cubicBezTo>
+                  <a:cubicBezTo>
+                    <a:pt x="10966" y="5263"/>
+                    <a:pt x="10776" y="5084"/>
+                    <a:pt x="10550" y="5084"/>
+                  </a:cubicBezTo>
+                  <a:cubicBezTo>
+                    <a:pt x="10371" y="5084"/>
+                    <a:pt x="10216" y="5191"/>
+                    <a:pt x="10157" y="5346"/>
+                  </a:cubicBezTo>
+                  <a:lnTo>
+                    <a:pt x="9240" y="5346"/>
+                  </a:lnTo>
+                  <a:lnTo>
+                    <a:pt x="9240" y="3905"/>
+                  </a:lnTo>
+                  <a:lnTo>
+                    <a:pt x="10157" y="3905"/>
+                  </a:lnTo>
+                  <a:cubicBezTo>
+                    <a:pt x="10216" y="4060"/>
+                    <a:pt x="10371" y="4179"/>
+                    <a:pt x="10550" y="4179"/>
+                  </a:cubicBezTo>
+                  <a:cubicBezTo>
+                    <a:pt x="10788" y="4179"/>
+                    <a:pt x="10966" y="3977"/>
+                    <a:pt x="10966" y="3763"/>
+                  </a:cubicBezTo>
+                  <a:cubicBezTo>
+                    <a:pt x="10966" y="3524"/>
+                    <a:pt x="10776" y="3346"/>
+                    <a:pt x="10550" y="3346"/>
+                  </a:cubicBezTo>
+                  <a:cubicBezTo>
+                    <a:pt x="10371" y="3346"/>
+                    <a:pt x="10216" y="3441"/>
+                    <a:pt x="10157" y="3608"/>
+                  </a:cubicBezTo>
+                  <a:lnTo>
+                    <a:pt x="9240" y="3608"/>
+                  </a:lnTo>
+                  <a:lnTo>
+                    <a:pt x="9240" y="1917"/>
+                  </a:lnTo>
+                  <a:cubicBezTo>
+                    <a:pt x="9240" y="1822"/>
+                    <a:pt x="9169" y="1750"/>
+                    <a:pt x="9073" y="1750"/>
+                  </a:cubicBezTo>
+                  <a:lnTo>
+                    <a:pt x="8395" y="1750"/>
+                  </a:lnTo>
+                  <a:cubicBezTo>
+                    <a:pt x="8299" y="1750"/>
+                    <a:pt x="8228" y="1822"/>
+                    <a:pt x="8228" y="1917"/>
+                  </a:cubicBezTo>
+                  <a:cubicBezTo>
+                    <a:pt x="8228" y="2000"/>
+                    <a:pt x="8299" y="2072"/>
+                    <a:pt x="8395" y="2072"/>
+                  </a:cubicBezTo>
+                  <a:lnTo>
+                    <a:pt x="8930" y="2072"/>
+                  </a:lnTo>
+                  <a:lnTo>
+                    <a:pt x="8930" y="3763"/>
+                  </a:lnTo>
+                  <a:lnTo>
+                    <a:pt x="8930" y="5489"/>
+                  </a:lnTo>
+                  <a:lnTo>
+                    <a:pt x="8930" y="7215"/>
+                  </a:lnTo>
+                  <a:lnTo>
+                    <a:pt x="8930" y="8906"/>
+                  </a:lnTo>
+                  <a:lnTo>
+                    <a:pt x="2049" y="8906"/>
+                  </a:lnTo>
+                  <a:lnTo>
+                    <a:pt x="2049" y="7215"/>
+                  </a:lnTo>
+                  <a:lnTo>
+                    <a:pt x="2049" y="5489"/>
+                  </a:lnTo>
+                  <a:lnTo>
+                    <a:pt x="2049" y="3763"/>
+                  </a:lnTo>
+                  <a:lnTo>
+                    <a:pt x="2049" y="2060"/>
+                  </a:lnTo>
+                  <a:lnTo>
+                    <a:pt x="7752" y="2060"/>
+                  </a:lnTo>
+                  <a:cubicBezTo>
+                    <a:pt x="7835" y="2060"/>
+                    <a:pt x="7918" y="1988"/>
+                    <a:pt x="7918" y="1893"/>
+                  </a:cubicBezTo>
+                  <a:cubicBezTo>
+                    <a:pt x="7918" y="1810"/>
+                    <a:pt x="7835" y="1738"/>
+                    <a:pt x="7752" y="1738"/>
+                  </a:cubicBezTo>
+                  <a:lnTo>
+                    <a:pt x="7383" y="1738"/>
+                  </a:lnTo>
+                  <a:lnTo>
+                    <a:pt x="7383" y="810"/>
+                  </a:lnTo>
+                  <a:cubicBezTo>
+                    <a:pt x="7526" y="750"/>
+                    <a:pt x="7645" y="595"/>
+                    <a:pt x="7645" y="417"/>
+                  </a:cubicBezTo>
+                  <a:cubicBezTo>
+                    <a:pt x="7645" y="179"/>
+                    <a:pt x="7454" y="0"/>
+                    <a:pt x="7228" y="0"/>
+                  </a:cubicBezTo>
+                  <a:cubicBezTo>
+                    <a:pt x="6990" y="0"/>
+                    <a:pt x="6811" y="203"/>
+                    <a:pt x="6811" y="417"/>
+                  </a:cubicBezTo>
+                  <a:cubicBezTo>
+                    <a:pt x="6811" y="595"/>
+                    <a:pt x="6918" y="750"/>
+                    <a:pt x="7085" y="810"/>
+                  </a:cubicBezTo>
+                  <a:lnTo>
+                    <a:pt x="7085" y="1738"/>
+                  </a:lnTo>
+                  <a:lnTo>
+                    <a:pt x="5668" y="1738"/>
+                  </a:lnTo>
+                  <a:lnTo>
+                    <a:pt x="5668" y="810"/>
+                  </a:lnTo>
+                  <a:cubicBezTo>
+                    <a:pt x="5811" y="750"/>
+                    <a:pt x="5930" y="595"/>
+                    <a:pt x="5930" y="417"/>
+                  </a:cubicBezTo>
+                  <a:cubicBezTo>
+                    <a:pt x="5930" y="179"/>
+                    <a:pt x="5740" y="0"/>
+                    <a:pt x="5513" y="0"/>
+                  </a:cubicBezTo>
+                  <a:cubicBezTo>
+                    <a:pt x="5275" y="0"/>
+                    <a:pt x="5097" y="203"/>
+                    <a:pt x="5097" y="417"/>
+                  </a:cubicBezTo>
+                  <a:cubicBezTo>
+                    <a:pt x="5097" y="595"/>
+                    <a:pt x="5204" y="750"/>
+                    <a:pt x="5371" y="810"/>
+                  </a:cubicBezTo>
+                  <a:lnTo>
+                    <a:pt x="5371" y="1738"/>
+                  </a:lnTo>
+                  <a:lnTo>
+                    <a:pt x="3954" y="1738"/>
+                  </a:lnTo>
+                  <a:lnTo>
+                    <a:pt x="3954" y="810"/>
+                  </a:lnTo>
+                  <a:cubicBezTo>
+                    <a:pt x="4108" y="750"/>
+                    <a:pt x="4216" y="595"/>
+                    <a:pt x="4216" y="417"/>
+                  </a:cubicBezTo>
+                  <a:cubicBezTo>
+                    <a:pt x="4216" y="179"/>
+                    <a:pt x="4025" y="0"/>
+                    <a:pt x="3811" y="0"/>
+                  </a:cubicBezTo>
+                  <a:close/>
+                </a:path>
+              </a:pathLst>
+            </a:custGeom>
+            <a:solidFill>
+              <a:srgbClr val="657E93"/>
+            </a:solidFill>
+            <a:ln>
+              <a:noFill/>
+            </a:ln>
+          </p:spPr>
+          <p:txBody>
+            <a:bodyPr spcFirstLastPara="1" wrap="square" lIns="91425" tIns="91425" rIns="91425" bIns="91425" anchor="ctr" anchorCtr="0">
+              <a:noAutofit/>
+            </a:bodyPr>
+            <a:lstStyle/>
+            <a:p>
+              <a:pPr marL="0" lvl="0" indent="0" algn="l" rtl="0">
+                <a:spcBef>
+                  <a:spcPts val="0"/>
+                </a:spcBef>
+                <a:spcAft>
+                  <a:spcPts val="0"/>
+                </a:spcAft>
+                <a:buNone/>
+              </a:pPr>
+              <a:endParaRPr/>
+            </a:p>
+          </p:txBody>
+        </p:sp>
+        <p:sp>
+          <p:nvSpPr>
+            <p:cNvPr id="11" name="Google Shape;10878;p71"/>
+            <p:cNvSpPr/>
+            <p:nvPr/>
+          </p:nvSpPr>
+          <p:spPr>
+            <a:xfrm>
+              <a:off x="3599440" y="2956543"/>
+              <a:ext cx="204494" cy="204843"/>
+            </a:xfrm>
+            <a:custGeom>
+              <a:avLst/>
+              <a:gdLst/>
+              <a:ahLst/>
+              <a:cxnLst/>
+              <a:rect l="l" t="t" r="r" b="b"/>
+              <a:pathLst>
+                <a:path w="6455" h="6466" extrusionOk="0">
+                  <a:moveTo>
+                    <a:pt x="156" y="0"/>
+                  </a:moveTo>
+                  <a:cubicBezTo>
+                    <a:pt x="72" y="0"/>
+                    <a:pt x="1" y="84"/>
+                    <a:pt x="1" y="167"/>
+                  </a:cubicBezTo>
+                  <a:lnTo>
+                    <a:pt x="1" y="4644"/>
+                  </a:lnTo>
+                  <a:cubicBezTo>
+                    <a:pt x="1" y="4739"/>
+                    <a:pt x="72" y="4811"/>
+                    <a:pt x="156" y="4811"/>
+                  </a:cubicBezTo>
+                  <a:cubicBezTo>
+                    <a:pt x="251" y="4811"/>
+                    <a:pt x="322" y="4739"/>
+                    <a:pt x="322" y="4644"/>
+                  </a:cubicBezTo>
+                  <a:lnTo>
+                    <a:pt x="322" y="334"/>
+                  </a:lnTo>
+                  <a:lnTo>
+                    <a:pt x="6133" y="334"/>
+                  </a:lnTo>
+                  <a:lnTo>
+                    <a:pt x="6133" y="6132"/>
+                  </a:lnTo>
+                  <a:lnTo>
+                    <a:pt x="322" y="6132"/>
+                  </a:lnTo>
+                  <a:lnTo>
+                    <a:pt x="322" y="5287"/>
+                  </a:lnTo>
+                  <a:cubicBezTo>
+                    <a:pt x="322" y="5203"/>
+                    <a:pt x="251" y="5120"/>
+                    <a:pt x="156" y="5120"/>
+                  </a:cubicBezTo>
+                  <a:cubicBezTo>
+                    <a:pt x="72" y="5120"/>
+                    <a:pt x="1" y="5203"/>
+                    <a:pt x="1" y="5287"/>
+                  </a:cubicBezTo>
+                  <a:lnTo>
+                    <a:pt x="1" y="6299"/>
+                  </a:lnTo>
+                  <a:cubicBezTo>
+                    <a:pt x="1" y="6394"/>
+                    <a:pt x="72" y="6466"/>
+                    <a:pt x="156" y="6466"/>
+                  </a:cubicBezTo>
+                  <a:lnTo>
+                    <a:pt x="6287" y="6466"/>
+                  </a:lnTo>
+                  <a:cubicBezTo>
+                    <a:pt x="6383" y="6466"/>
+                    <a:pt x="6454" y="6394"/>
+                    <a:pt x="6454" y="6299"/>
+                  </a:cubicBezTo>
+                  <a:lnTo>
+                    <a:pt x="6454" y="167"/>
+                  </a:lnTo>
+                  <a:cubicBezTo>
+                    <a:pt x="6442" y="84"/>
+                    <a:pt x="6383" y="0"/>
+                    <a:pt x="6287" y="0"/>
+                  </a:cubicBezTo>
+                  <a:close/>
+                </a:path>
+              </a:pathLst>
+            </a:custGeom>
+            <a:solidFill>
+              <a:srgbClr val="657E93"/>
+            </a:solidFill>
+            <a:ln>
+              <a:noFill/>
+            </a:ln>
+          </p:spPr>
+          <p:txBody>
+            <a:bodyPr spcFirstLastPara="1" wrap="square" lIns="91425" tIns="91425" rIns="91425" bIns="91425" anchor="ctr" anchorCtr="0">
+              <a:noAutofit/>
+            </a:bodyPr>
+            <a:lstStyle/>
+            <a:p>
+              <a:pPr marL="0" lvl="0" indent="0" algn="l" rtl="0">
+                <a:spcBef>
+                  <a:spcPts val="0"/>
+                </a:spcBef>
+                <a:spcAft>
+                  <a:spcPts val="0"/>
+                </a:spcAft>
+                <a:buNone/>
+              </a:pPr>
+              <a:endParaRPr/>
+            </a:p>
+          </p:txBody>
+        </p:sp>
+        <p:sp>
+          <p:nvSpPr>
+            <p:cNvPr id="12" name="Google Shape;10879;p71"/>
+            <p:cNvSpPr/>
+            <p:nvPr/>
+          </p:nvSpPr>
+          <p:spPr>
+            <a:xfrm>
+              <a:off x="3661691" y="3018763"/>
+              <a:ext cx="79992" cy="80372"/>
+            </a:xfrm>
+            <a:custGeom>
+              <a:avLst/>
+              <a:gdLst/>
+              <a:ahLst/>
+              <a:cxnLst/>
+              <a:rect l="l" t="t" r="r" b="b"/>
+              <a:pathLst>
+                <a:path w="2525" h="2537" extrusionOk="0">
+                  <a:moveTo>
+                    <a:pt x="155" y="1"/>
+                  </a:moveTo>
+                  <a:cubicBezTo>
+                    <a:pt x="72" y="1"/>
+                    <a:pt x="1" y="84"/>
+                    <a:pt x="1" y="168"/>
+                  </a:cubicBezTo>
+                  <a:lnTo>
+                    <a:pt x="1" y="2370"/>
+                  </a:lnTo>
+                  <a:cubicBezTo>
+                    <a:pt x="1" y="2466"/>
+                    <a:pt x="72" y="2537"/>
+                    <a:pt x="155" y="2537"/>
+                  </a:cubicBezTo>
+                  <a:lnTo>
+                    <a:pt x="1013" y="2537"/>
+                  </a:lnTo>
+                  <a:cubicBezTo>
+                    <a:pt x="1096" y="2537"/>
+                    <a:pt x="1167" y="2466"/>
+                    <a:pt x="1167" y="2370"/>
+                  </a:cubicBezTo>
+                  <a:cubicBezTo>
+                    <a:pt x="1167" y="2287"/>
+                    <a:pt x="1096" y="2204"/>
+                    <a:pt x="1013" y="2204"/>
+                  </a:cubicBezTo>
+                  <a:lnTo>
+                    <a:pt x="322" y="2204"/>
+                  </a:lnTo>
+                  <a:lnTo>
+                    <a:pt x="322" y="322"/>
+                  </a:lnTo>
+                  <a:lnTo>
+                    <a:pt x="2215" y="322"/>
+                  </a:lnTo>
+                  <a:lnTo>
+                    <a:pt x="2215" y="2204"/>
+                  </a:lnTo>
+                  <a:lnTo>
+                    <a:pt x="1632" y="2204"/>
+                  </a:lnTo>
+                  <a:cubicBezTo>
+                    <a:pt x="1548" y="2204"/>
+                    <a:pt x="1465" y="2287"/>
+                    <a:pt x="1465" y="2370"/>
+                  </a:cubicBezTo>
+                  <a:cubicBezTo>
+                    <a:pt x="1465" y="2466"/>
+                    <a:pt x="1548" y="2537"/>
+                    <a:pt x="1632" y="2537"/>
+                  </a:cubicBezTo>
+                  <a:lnTo>
+                    <a:pt x="2346" y="2537"/>
+                  </a:lnTo>
+                  <a:cubicBezTo>
+                    <a:pt x="2441" y="2537"/>
+                    <a:pt x="2513" y="2466"/>
+                    <a:pt x="2513" y="2370"/>
+                  </a:cubicBezTo>
+                  <a:lnTo>
+                    <a:pt x="2513" y="168"/>
+                  </a:lnTo>
+                  <a:cubicBezTo>
+                    <a:pt x="2525" y="84"/>
+                    <a:pt x="2453" y="1"/>
+                    <a:pt x="2358" y="1"/>
+                  </a:cubicBezTo>
+                  <a:close/>
+                </a:path>
+              </a:pathLst>
+            </a:custGeom>
+            <a:solidFill>
+              <a:srgbClr val="657E93"/>
+            </a:solidFill>
+            <a:ln>
+              <a:noFill/>
+            </a:ln>
+          </p:spPr>
+          <p:txBody>
+            <a:bodyPr spcFirstLastPara="1" wrap="square" lIns="91425" tIns="91425" rIns="91425" bIns="91425" anchor="ctr" anchorCtr="0">
+              <a:noAutofit/>
+            </a:bodyPr>
+            <a:lstStyle/>
+            <a:p>
+              <a:pPr marL="0" lvl="0" indent="0" algn="l" rtl="0">
+                <a:spcBef>
+                  <a:spcPts val="0"/>
+                </a:spcBef>
+                <a:spcAft>
+                  <a:spcPts val="0"/>
+                </a:spcAft>
+                <a:buNone/>
+              </a:pPr>
+              <a:endParaRPr/>
+            </a:p>
+          </p:txBody>
+        </p:sp>
+        <p:sp>
+          <p:nvSpPr>
+            <p:cNvPr id="13" name="Google Shape;10880;p71"/>
+            <p:cNvSpPr/>
+            <p:nvPr/>
+          </p:nvSpPr>
+          <p:spPr>
+            <a:xfrm>
+              <a:off x="3625101" y="2982552"/>
+              <a:ext cx="18501" cy="18533"/>
+            </a:xfrm>
+            <a:custGeom>
+              <a:avLst/>
+              <a:gdLst/>
+              <a:ahLst/>
+              <a:cxnLst/>
+              <a:rect l="l" t="t" r="r" b="b"/>
+              <a:pathLst>
+                <a:path w="584" h="585" extrusionOk="0">
+                  <a:moveTo>
+                    <a:pt x="167" y="1"/>
+                  </a:moveTo>
+                  <a:cubicBezTo>
+                    <a:pt x="84" y="1"/>
+                    <a:pt x="1" y="72"/>
+                    <a:pt x="1" y="168"/>
+                  </a:cubicBezTo>
+                  <a:lnTo>
+                    <a:pt x="1" y="418"/>
+                  </a:lnTo>
+                  <a:cubicBezTo>
+                    <a:pt x="1" y="513"/>
+                    <a:pt x="84" y="584"/>
+                    <a:pt x="167" y="584"/>
+                  </a:cubicBezTo>
+                  <a:lnTo>
+                    <a:pt x="417" y="584"/>
+                  </a:lnTo>
+                  <a:cubicBezTo>
+                    <a:pt x="513" y="584"/>
+                    <a:pt x="584" y="513"/>
+                    <a:pt x="584" y="418"/>
+                  </a:cubicBezTo>
+                  <a:lnTo>
+                    <a:pt x="584" y="168"/>
+                  </a:lnTo>
+                  <a:cubicBezTo>
+                    <a:pt x="584" y="72"/>
+                    <a:pt x="513" y="1"/>
+                    <a:pt x="417" y="1"/>
+                  </a:cubicBezTo>
+                  <a:close/>
+                </a:path>
+              </a:pathLst>
+            </a:custGeom>
+            <a:solidFill>
+              <a:srgbClr val="657E93"/>
+            </a:solidFill>
+            <a:ln>
+              <a:noFill/>
+            </a:ln>
+          </p:spPr>
+          <p:txBody>
+            <a:bodyPr spcFirstLastPara="1" wrap="square" lIns="91425" tIns="91425" rIns="91425" bIns="91425" anchor="ctr" anchorCtr="0">
+              <a:noAutofit/>
+            </a:bodyPr>
+            <a:lstStyle/>
+            <a:p>
+              <a:pPr marL="0" lvl="0" indent="0" algn="l" rtl="0">
+                <a:spcBef>
+                  <a:spcPts val="0"/>
+                </a:spcBef>
+                <a:spcAft>
+                  <a:spcPts val="0"/>
+                </a:spcAft>
+                <a:buNone/>
+              </a:pPr>
+              <a:endParaRPr/>
+            </a:p>
+          </p:txBody>
+        </p:sp>
+        <p:sp>
+          <p:nvSpPr>
+            <p:cNvPr id="14" name="Google Shape;10881;p71"/>
+            <p:cNvSpPr/>
+            <p:nvPr/>
+          </p:nvSpPr>
+          <p:spPr>
+            <a:xfrm>
+              <a:off x="3651522" y="2982552"/>
+              <a:ext cx="18881" cy="18533"/>
+            </a:xfrm>
+            <a:custGeom>
+              <a:avLst/>
+              <a:gdLst/>
+              <a:ahLst/>
+              <a:cxnLst/>
+              <a:rect l="l" t="t" r="r" b="b"/>
+              <a:pathLst>
+                <a:path w="596" h="585" extrusionOk="0">
+                  <a:moveTo>
+                    <a:pt x="167" y="1"/>
+                  </a:moveTo>
+                  <a:cubicBezTo>
+                    <a:pt x="83" y="1"/>
+                    <a:pt x="0" y="72"/>
+                    <a:pt x="0" y="168"/>
+                  </a:cubicBezTo>
+                  <a:lnTo>
+                    <a:pt x="0" y="418"/>
+                  </a:lnTo>
+                  <a:cubicBezTo>
+                    <a:pt x="0" y="513"/>
+                    <a:pt x="83" y="584"/>
+                    <a:pt x="167" y="584"/>
+                  </a:cubicBezTo>
+                  <a:lnTo>
+                    <a:pt x="417" y="584"/>
+                  </a:lnTo>
+                  <a:cubicBezTo>
+                    <a:pt x="512" y="584"/>
+                    <a:pt x="583" y="513"/>
+                    <a:pt x="583" y="418"/>
+                  </a:cubicBezTo>
+                  <a:lnTo>
+                    <a:pt x="583" y="168"/>
+                  </a:lnTo>
+                  <a:cubicBezTo>
+                    <a:pt x="595" y="72"/>
+                    <a:pt x="524" y="1"/>
+                    <a:pt x="441" y="1"/>
+                  </a:cubicBezTo>
+                  <a:close/>
+                </a:path>
+              </a:pathLst>
+            </a:custGeom>
+            <a:solidFill>
+              <a:srgbClr val="657E93"/>
+            </a:solidFill>
+            <a:ln>
+              <a:noFill/>
+            </a:ln>
+          </p:spPr>
+          <p:txBody>
+            <a:bodyPr spcFirstLastPara="1" wrap="square" lIns="91425" tIns="91425" rIns="91425" bIns="91425" anchor="ctr" anchorCtr="0">
+              <a:noAutofit/>
+            </a:bodyPr>
+            <a:lstStyle/>
+            <a:p>
+              <a:pPr marL="0" lvl="0" indent="0" algn="l" rtl="0">
+                <a:spcBef>
+                  <a:spcPts val="0"/>
+                </a:spcBef>
+                <a:spcAft>
+                  <a:spcPts val="0"/>
+                </a:spcAft>
+                <a:buNone/>
+              </a:pPr>
+              <a:endParaRPr/>
+            </a:p>
+          </p:txBody>
+        </p:sp>
+        <p:sp>
+          <p:nvSpPr>
+            <p:cNvPr id="15" name="Google Shape;10882;p71"/>
+            <p:cNvSpPr/>
+            <p:nvPr/>
+          </p:nvSpPr>
+          <p:spPr>
+            <a:xfrm>
+              <a:off x="3679052" y="2982552"/>
+              <a:ext cx="18501" cy="18533"/>
+            </a:xfrm>
+            <a:custGeom>
+              <a:avLst/>
+              <a:gdLst/>
+              <a:ahLst/>
+              <a:cxnLst/>
+              <a:rect l="l" t="t" r="r" b="b"/>
+              <a:pathLst>
+                <a:path w="584" h="585" extrusionOk="0">
+                  <a:moveTo>
+                    <a:pt x="167" y="1"/>
+                  </a:moveTo>
+                  <a:cubicBezTo>
+                    <a:pt x="72" y="1"/>
+                    <a:pt x="0" y="72"/>
+                    <a:pt x="0" y="168"/>
+                  </a:cubicBezTo>
+                  <a:lnTo>
+                    <a:pt x="0" y="418"/>
+                  </a:lnTo>
+                  <a:cubicBezTo>
+                    <a:pt x="0" y="513"/>
+                    <a:pt x="72" y="584"/>
+                    <a:pt x="167" y="584"/>
+                  </a:cubicBezTo>
+                  <a:lnTo>
+                    <a:pt x="417" y="584"/>
+                  </a:lnTo>
+                  <a:cubicBezTo>
+                    <a:pt x="500" y="584"/>
+                    <a:pt x="584" y="513"/>
+                    <a:pt x="584" y="418"/>
+                  </a:cubicBezTo>
+                  <a:lnTo>
+                    <a:pt x="584" y="168"/>
+                  </a:lnTo>
+                  <a:cubicBezTo>
+                    <a:pt x="584" y="72"/>
+                    <a:pt x="500" y="1"/>
+                    <a:pt x="417" y="1"/>
+                  </a:cubicBezTo>
+                  <a:close/>
+                </a:path>
+              </a:pathLst>
+            </a:custGeom>
+            <a:solidFill>
+              <a:srgbClr val="657E93"/>
+            </a:solidFill>
+            <a:ln>
+              <a:noFill/>
+            </a:ln>
+          </p:spPr>
+          <p:txBody>
+            <a:bodyPr spcFirstLastPara="1" wrap="square" lIns="91425" tIns="91425" rIns="91425" bIns="91425" anchor="ctr" anchorCtr="0">
+              <a:noAutofit/>
+            </a:bodyPr>
+            <a:lstStyle/>
+            <a:p>
+              <a:pPr marL="0" lvl="0" indent="0" algn="l" rtl="0">
+                <a:spcBef>
+                  <a:spcPts val="0"/>
+                </a:spcBef>
+                <a:spcAft>
+                  <a:spcPts val="0"/>
+                </a:spcAft>
+                <a:buNone/>
+              </a:pPr>
+              <a:endParaRPr/>
+            </a:p>
+          </p:txBody>
+        </p:sp>
+        <p:sp>
+          <p:nvSpPr>
+            <p:cNvPr id="16" name="Google Shape;10883;p71"/>
+            <p:cNvSpPr/>
+            <p:nvPr/>
+          </p:nvSpPr>
+          <p:spPr>
+            <a:xfrm>
+              <a:off x="3705822" y="2982552"/>
+              <a:ext cx="18501" cy="18533"/>
+            </a:xfrm>
+            <a:custGeom>
+              <a:avLst/>
+              <a:gdLst/>
+              <a:ahLst/>
+              <a:cxnLst/>
+              <a:rect l="l" t="t" r="r" b="b"/>
+              <a:pathLst>
+                <a:path w="584" h="585" extrusionOk="0">
+                  <a:moveTo>
+                    <a:pt x="167" y="1"/>
+                  </a:moveTo>
+                  <a:cubicBezTo>
+                    <a:pt x="72" y="1"/>
+                    <a:pt x="1" y="72"/>
+                    <a:pt x="1" y="168"/>
+                  </a:cubicBezTo>
+                  <a:lnTo>
+                    <a:pt x="1" y="418"/>
+                  </a:lnTo>
+                  <a:cubicBezTo>
+                    <a:pt x="1" y="513"/>
+                    <a:pt x="72" y="584"/>
+                    <a:pt x="167" y="584"/>
+                  </a:cubicBezTo>
+                  <a:lnTo>
+                    <a:pt x="417" y="584"/>
+                  </a:lnTo>
+                  <a:cubicBezTo>
+                    <a:pt x="513" y="584"/>
+                    <a:pt x="584" y="513"/>
+                    <a:pt x="584" y="418"/>
+                  </a:cubicBezTo>
+                  <a:lnTo>
+                    <a:pt x="584" y="168"/>
+                  </a:lnTo>
+                  <a:cubicBezTo>
+                    <a:pt x="584" y="72"/>
+                    <a:pt x="513" y="1"/>
+                    <a:pt x="417" y="1"/>
+                  </a:cubicBezTo>
+                  <a:close/>
+                </a:path>
+              </a:pathLst>
+            </a:custGeom>
+            <a:solidFill>
+              <a:srgbClr val="657E93"/>
+            </a:solidFill>
+            <a:ln>
+              <a:noFill/>
+            </a:ln>
+          </p:spPr>
+          <p:txBody>
+            <a:bodyPr spcFirstLastPara="1" wrap="square" lIns="91425" tIns="91425" rIns="91425" bIns="91425" anchor="ctr" anchorCtr="0">
+              <a:noAutofit/>
+            </a:bodyPr>
+            <a:lstStyle/>
+            <a:p>
+              <a:pPr marL="0" lvl="0" indent="0" algn="l" rtl="0">
+                <a:spcBef>
+                  <a:spcPts val="0"/>
+                </a:spcBef>
+                <a:spcAft>
+                  <a:spcPts val="0"/>
+                </a:spcAft>
+                <a:buNone/>
+              </a:pPr>
+              <a:endParaRPr/>
+            </a:p>
+          </p:txBody>
+        </p:sp>
+        <p:sp>
+          <p:nvSpPr>
+            <p:cNvPr id="17" name="Google Shape;10884;p71"/>
+            <p:cNvSpPr/>
+            <p:nvPr/>
+          </p:nvSpPr>
+          <p:spPr>
+            <a:xfrm>
+              <a:off x="3732591" y="2982552"/>
+              <a:ext cx="18533" cy="18533"/>
+            </a:xfrm>
+            <a:custGeom>
+              <a:avLst/>
+              <a:gdLst/>
+              <a:ahLst/>
+              <a:cxnLst/>
+              <a:rect l="l" t="t" r="r" b="b"/>
+              <a:pathLst>
+                <a:path w="585" h="585" extrusionOk="0">
+                  <a:moveTo>
+                    <a:pt x="168" y="1"/>
+                  </a:moveTo>
+                  <a:cubicBezTo>
+                    <a:pt x="72" y="1"/>
+                    <a:pt x="1" y="72"/>
+                    <a:pt x="1" y="168"/>
+                  </a:cubicBezTo>
+                  <a:lnTo>
+                    <a:pt x="1" y="418"/>
+                  </a:lnTo>
+                  <a:cubicBezTo>
+                    <a:pt x="1" y="513"/>
+                    <a:pt x="72" y="584"/>
+                    <a:pt x="168" y="584"/>
+                  </a:cubicBezTo>
+                  <a:lnTo>
+                    <a:pt x="418" y="584"/>
+                  </a:lnTo>
+                  <a:cubicBezTo>
+                    <a:pt x="513" y="584"/>
+                    <a:pt x="584" y="513"/>
+                    <a:pt x="584" y="418"/>
+                  </a:cubicBezTo>
+                  <a:lnTo>
+                    <a:pt x="584" y="168"/>
+                  </a:lnTo>
+                  <a:cubicBezTo>
+                    <a:pt x="584" y="72"/>
+                    <a:pt x="513" y="1"/>
+                    <a:pt x="418" y="1"/>
+                  </a:cubicBezTo>
+                  <a:close/>
+                </a:path>
+              </a:pathLst>
+            </a:custGeom>
+            <a:solidFill>
+              <a:srgbClr val="657E93"/>
+            </a:solidFill>
+            <a:ln>
+              <a:noFill/>
+            </a:ln>
+          </p:spPr>
+          <p:txBody>
+            <a:bodyPr spcFirstLastPara="1" wrap="square" lIns="91425" tIns="91425" rIns="91425" bIns="91425" anchor="ctr" anchorCtr="0">
+              <a:noAutofit/>
+            </a:bodyPr>
+            <a:lstStyle/>
+            <a:p>
+              <a:pPr marL="0" lvl="0" indent="0" algn="l" rtl="0">
+                <a:spcBef>
+                  <a:spcPts val="0"/>
+                </a:spcBef>
+                <a:spcAft>
+                  <a:spcPts val="0"/>
+                </a:spcAft>
+                <a:buNone/>
+              </a:pPr>
+              <a:endParaRPr/>
+            </a:p>
+          </p:txBody>
+        </p:sp>
+        <p:sp>
+          <p:nvSpPr>
+            <p:cNvPr id="18" name="Google Shape;10885;p71"/>
+            <p:cNvSpPr/>
+            <p:nvPr/>
+          </p:nvSpPr>
+          <p:spPr>
+            <a:xfrm>
+              <a:off x="3759773" y="2982552"/>
+              <a:ext cx="18121" cy="18533"/>
+            </a:xfrm>
+            <a:custGeom>
+              <a:avLst/>
+              <a:gdLst/>
+              <a:ahLst/>
+              <a:cxnLst/>
+              <a:rect l="l" t="t" r="r" b="b"/>
+              <a:pathLst>
+                <a:path w="572" h="585" extrusionOk="0">
+                  <a:moveTo>
+                    <a:pt x="155" y="1"/>
+                  </a:moveTo>
+                  <a:cubicBezTo>
+                    <a:pt x="72" y="1"/>
+                    <a:pt x="0" y="72"/>
+                    <a:pt x="0" y="168"/>
+                  </a:cubicBezTo>
+                  <a:lnTo>
+                    <a:pt x="0" y="418"/>
+                  </a:lnTo>
+                  <a:cubicBezTo>
+                    <a:pt x="0" y="513"/>
+                    <a:pt x="72" y="584"/>
+                    <a:pt x="155" y="584"/>
+                  </a:cubicBezTo>
+                  <a:lnTo>
+                    <a:pt x="417" y="584"/>
+                  </a:lnTo>
+                  <a:cubicBezTo>
+                    <a:pt x="500" y="584"/>
+                    <a:pt x="572" y="513"/>
+                    <a:pt x="572" y="418"/>
+                  </a:cubicBezTo>
+                  <a:lnTo>
+                    <a:pt x="572" y="168"/>
+                  </a:lnTo>
+                  <a:cubicBezTo>
+                    <a:pt x="572" y="72"/>
+                    <a:pt x="500" y="1"/>
+                    <a:pt x="417" y="1"/>
+                  </a:cubicBezTo>
+                  <a:close/>
+                </a:path>
+              </a:pathLst>
+            </a:custGeom>
+            <a:solidFill>
+              <a:srgbClr val="657E93"/>
+            </a:solidFill>
+            <a:ln>
+              <a:noFill/>
+            </a:ln>
+          </p:spPr>
+          <p:txBody>
+            <a:bodyPr spcFirstLastPara="1" wrap="square" lIns="91425" tIns="91425" rIns="91425" bIns="91425" anchor="ctr" anchorCtr="0">
+              <a:noAutofit/>
+            </a:bodyPr>
+            <a:lstStyle/>
+            <a:p>
+              <a:pPr marL="0" lvl="0" indent="0" algn="l" rtl="0">
+                <a:spcBef>
+                  <a:spcPts val="0"/>
+                </a:spcBef>
+                <a:spcAft>
+                  <a:spcPts val="0"/>
+                </a:spcAft>
+                <a:buNone/>
+              </a:pPr>
+              <a:endParaRPr/>
+            </a:p>
+          </p:txBody>
+        </p:sp>
+        <p:sp>
+          <p:nvSpPr>
+            <p:cNvPr id="19" name="Google Shape;10886;p71"/>
+            <p:cNvSpPr/>
+            <p:nvPr/>
+          </p:nvSpPr>
+          <p:spPr>
+            <a:xfrm>
+              <a:off x="3625101" y="3116844"/>
+              <a:ext cx="18501" cy="18501"/>
+            </a:xfrm>
+            <a:custGeom>
+              <a:avLst/>
+              <a:gdLst/>
+              <a:ahLst/>
+              <a:cxnLst/>
+              <a:rect l="l" t="t" r="r" b="b"/>
+              <a:pathLst>
+                <a:path w="584" h="584" extrusionOk="0">
+                  <a:moveTo>
+                    <a:pt x="167" y="1"/>
+                  </a:moveTo>
+                  <a:cubicBezTo>
+                    <a:pt x="84" y="1"/>
+                    <a:pt x="1" y="84"/>
+                    <a:pt x="1" y="167"/>
+                  </a:cubicBezTo>
+                  <a:lnTo>
+                    <a:pt x="1" y="417"/>
+                  </a:lnTo>
+                  <a:cubicBezTo>
+                    <a:pt x="1" y="513"/>
+                    <a:pt x="84" y="584"/>
+                    <a:pt x="167" y="584"/>
+                  </a:cubicBezTo>
+                  <a:lnTo>
+                    <a:pt x="417" y="584"/>
+                  </a:lnTo>
+                  <a:cubicBezTo>
+                    <a:pt x="513" y="584"/>
+                    <a:pt x="584" y="513"/>
+                    <a:pt x="584" y="417"/>
+                  </a:cubicBezTo>
+                  <a:lnTo>
+                    <a:pt x="584" y="167"/>
+                  </a:lnTo>
+                  <a:cubicBezTo>
+                    <a:pt x="584" y="84"/>
+                    <a:pt x="513" y="1"/>
+                    <a:pt x="417" y="1"/>
+                  </a:cubicBezTo>
+                  <a:close/>
+                </a:path>
+              </a:pathLst>
+            </a:custGeom>
+            <a:solidFill>
+              <a:srgbClr val="657E93"/>
+            </a:solidFill>
+            <a:ln>
+              <a:noFill/>
+            </a:ln>
+          </p:spPr>
+          <p:txBody>
+            <a:bodyPr spcFirstLastPara="1" wrap="square" lIns="91425" tIns="91425" rIns="91425" bIns="91425" anchor="ctr" anchorCtr="0">
+              <a:noAutofit/>
+            </a:bodyPr>
+            <a:lstStyle/>
+            <a:p>
+              <a:pPr marL="0" lvl="0" indent="0" algn="l" rtl="0">
+                <a:spcBef>
+                  <a:spcPts val="0"/>
+                </a:spcBef>
+                <a:spcAft>
+                  <a:spcPts val="0"/>
+                </a:spcAft>
+                <a:buNone/>
+              </a:pPr>
+              <a:endParaRPr/>
+            </a:p>
+          </p:txBody>
+        </p:sp>
+        <p:sp>
+          <p:nvSpPr>
+            <p:cNvPr id="20" name="Google Shape;10887;p71"/>
+            <p:cNvSpPr/>
+            <p:nvPr/>
+          </p:nvSpPr>
+          <p:spPr>
+            <a:xfrm>
+              <a:off x="3651522" y="3116844"/>
+              <a:ext cx="18881" cy="18501"/>
+            </a:xfrm>
+            <a:custGeom>
+              <a:avLst/>
+              <a:gdLst/>
+              <a:ahLst/>
+              <a:cxnLst/>
+              <a:rect l="l" t="t" r="r" b="b"/>
+              <a:pathLst>
+                <a:path w="596" h="584" extrusionOk="0">
+                  <a:moveTo>
+                    <a:pt x="167" y="1"/>
+                  </a:moveTo>
+                  <a:cubicBezTo>
+                    <a:pt x="83" y="1"/>
+                    <a:pt x="0" y="84"/>
+                    <a:pt x="0" y="167"/>
+                  </a:cubicBezTo>
+                  <a:lnTo>
+                    <a:pt x="0" y="417"/>
+                  </a:lnTo>
+                  <a:cubicBezTo>
+                    <a:pt x="0" y="513"/>
+                    <a:pt x="83" y="584"/>
+                    <a:pt x="167" y="584"/>
+                  </a:cubicBezTo>
+                  <a:lnTo>
+                    <a:pt x="417" y="584"/>
+                  </a:lnTo>
+                  <a:cubicBezTo>
+                    <a:pt x="512" y="584"/>
+                    <a:pt x="583" y="513"/>
+                    <a:pt x="583" y="417"/>
+                  </a:cubicBezTo>
+                  <a:lnTo>
+                    <a:pt x="583" y="167"/>
+                  </a:lnTo>
+                  <a:cubicBezTo>
+                    <a:pt x="595" y="84"/>
+                    <a:pt x="524" y="1"/>
+                    <a:pt x="441" y="1"/>
+                  </a:cubicBezTo>
+                  <a:close/>
+                </a:path>
+              </a:pathLst>
+            </a:custGeom>
+            <a:solidFill>
+              <a:srgbClr val="657E93"/>
+            </a:solidFill>
+            <a:ln>
+              <a:noFill/>
+            </a:ln>
+          </p:spPr>
+          <p:txBody>
+            <a:bodyPr spcFirstLastPara="1" wrap="square" lIns="91425" tIns="91425" rIns="91425" bIns="91425" anchor="ctr" anchorCtr="0">
+              <a:noAutofit/>
+            </a:bodyPr>
+            <a:lstStyle/>
+            <a:p>
+              <a:pPr marL="0" lvl="0" indent="0" algn="l" rtl="0">
+                <a:spcBef>
+                  <a:spcPts val="0"/>
+                </a:spcBef>
+                <a:spcAft>
+                  <a:spcPts val="0"/>
+                </a:spcAft>
+                <a:buNone/>
+              </a:pPr>
+              <a:endParaRPr/>
+            </a:p>
+          </p:txBody>
+        </p:sp>
+        <p:sp>
+          <p:nvSpPr>
+            <p:cNvPr id="21" name="Google Shape;10888;p71"/>
+            <p:cNvSpPr/>
+            <p:nvPr/>
+          </p:nvSpPr>
+          <p:spPr>
+            <a:xfrm>
+              <a:off x="3679052" y="3116844"/>
+              <a:ext cx="18501" cy="18501"/>
+            </a:xfrm>
+            <a:custGeom>
+              <a:avLst/>
+              <a:gdLst/>
+              <a:ahLst/>
+              <a:cxnLst/>
+              <a:rect l="l" t="t" r="r" b="b"/>
+              <a:pathLst>
+                <a:path w="584" h="584" extrusionOk="0">
+                  <a:moveTo>
+                    <a:pt x="167" y="1"/>
+                  </a:moveTo>
+                  <a:cubicBezTo>
+                    <a:pt x="72" y="1"/>
+                    <a:pt x="0" y="84"/>
+                    <a:pt x="0" y="167"/>
+                  </a:cubicBezTo>
+                  <a:lnTo>
+                    <a:pt x="0" y="417"/>
+                  </a:lnTo>
+                  <a:cubicBezTo>
+                    <a:pt x="0" y="513"/>
+                    <a:pt x="72" y="584"/>
+                    <a:pt x="167" y="584"/>
+                  </a:cubicBezTo>
+                  <a:lnTo>
+                    <a:pt x="417" y="584"/>
+                  </a:lnTo>
+                  <a:cubicBezTo>
+                    <a:pt x="500" y="584"/>
+                    <a:pt x="584" y="513"/>
+                    <a:pt x="584" y="417"/>
+                  </a:cubicBezTo>
+                  <a:lnTo>
+                    <a:pt x="584" y="167"/>
+                  </a:lnTo>
+                  <a:cubicBezTo>
+                    <a:pt x="584" y="84"/>
+                    <a:pt x="500" y="1"/>
+                    <a:pt x="417" y="1"/>
+                  </a:cubicBezTo>
+                  <a:close/>
+                </a:path>
+              </a:pathLst>
+            </a:custGeom>
+            <a:solidFill>
+              <a:srgbClr val="657E93"/>
+            </a:solidFill>
+            <a:ln>
+              <a:noFill/>
+            </a:ln>
+          </p:spPr>
+          <p:txBody>
+            <a:bodyPr spcFirstLastPara="1" wrap="square" lIns="91425" tIns="91425" rIns="91425" bIns="91425" anchor="ctr" anchorCtr="0">
+              <a:noAutofit/>
+            </a:bodyPr>
+            <a:lstStyle/>
+            <a:p>
+              <a:pPr marL="0" lvl="0" indent="0" algn="l" rtl="0">
+                <a:spcBef>
+                  <a:spcPts val="0"/>
+                </a:spcBef>
+                <a:spcAft>
+                  <a:spcPts val="0"/>
+                </a:spcAft>
+                <a:buNone/>
+              </a:pPr>
+              <a:endParaRPr/>
+            </a:p>
+          </p:txBody>
+        </p:sp>
+        <p:sp>
+          <p:nvSpPr>
+            <p:cNvPr id="22" name="Google Shape;10889;p71"/>
+            <p:cNvSpPr/>
+            <p:nvPr/>
+          </p:nvSpPr>
+          <p:spPr>
+            <a:xfrm>
+              <a:off x="3705822" y="3116844"/>
+              <a:ext cx="18501" cy="18501"/>
+            </a:xfrm>
+            <a:custGeom>
+              <a:avLst/>
+              <a:gdLst/>
+              <a:ahLst/>
+              <a:cxnLst/>
+              <a:rect l="l" t="t" r="r" b="b"/>
+              <a:pathLst>
+                <a:path w="584" h="584" extrusionOk="0">
+                  <a:moveTo>
+                    <a:pt x="167" y="1"/>
+                  </a:moveTo>
+                  <a:cubicBezTo>
+                    <a:pt x="72" y="1"/>
+                    <a:pt x="1" y="84"/>
+                    <a:pt x="1" y="167"/>
+                  </a:cubicBezTo>
+                  <a:lnTo>
+                    <a:pt x="1" y="417"/>
+                  </a:lnTo>
+                  <a:cubicBezTo>
+                    <a:pt x="1" y="513"/>
+                    <a:pt x="72" y="584"/>
+                    <a:pt x="167" y="584"/>
+                  </a:cubicBezTo>
+                  <a:lnTo>
+                    <a:pt x="417" y="584"/>
+                  </a:lnTo>
+                  <a:cubicBezTo>
+                    <a:pt x="513" y="584"/>
+                    <a:pt x="584" y="513"/>
+                    <a:pt x="584" y="417"/>
+                  </a:cubicBezTo>
+                  <a:lnTo>
+                    <a:pt x="584" y="167"/>
+                  </a:lnTo>
+                  <a:cubicBezTo>
+                    <a:pt x="584" y="84"/>
+                    <a:pt x="513" y="1"/>
+                    <a:pt x="417" y="1"/>
+                  </a:cubicBezTo>
+                  <a:close/>
+                </a:path>
+              </a:pathLst>
+            </a:custGeom>
+            <a:solidFill>
+              <a:srgbClr val="657E93"/>
+            </a:solidFill>
+            <a:ln>
+              <a:noFill/>
+            </a:ln>
+          </p:spPr>
+          <p:txBody>
+            <a:bodyPr spcFirstLastPara="1" wrap="square" lIns="91425" tIns="91425" rIns="91425" bIns="91425" anchor="ctr" anchorCtr="0">
+              <a:noAutofit/>
+            </a:bodyPr>
+            <a:lstStyle/>
+            <a:p>
+              <a:pPr marL="0" lvl="0" indent="0" algn="l" rtl="0">
+                <a:spcBef>
+                  <a:spcPts val="0"/>
+                </a:spcBef>
+                <a:spcAft>
+                  <a:spcPts val="0"/>
+                </a:spcAft>
+                <a:buNone/>
+              </a:pPr>
+              <a:endParaRPr/>
+            </a:p>
+          </p:txBody>
+        </p:sp>
+        <p:sp>
+          <p:nvSpPr>
+            <p:cNvPr id="23" name="Google Shape;10890;p71"/>
+            <p:cNvSpPr/>
+            <p:nvPr/>
+          </p:nvSpPr>
+          <p:spPr>
+            <a:xfrm>
+              <a:off x="3732591" y="3116844"/>
+              <a:ext cx="18533" cy="18501"/>
+            </a:xfrm>
+            <a:custGeom>
+              <a:avLst/>
+              <a:gdLst/>
+              <a:ahLst/>
+              <a:cxnLst/>
+              <a:rect l="l" t="t" r="r" b="b"/>
+              <a:pathLst>
+                <a:path w="585" h="584" extrusionOk="0">
+                  <a:moveTo>
+                    <a:pt x="168" y="1"/>
+                  </a:moveTo>
+                  <a:cubicBezTo>
+                    <a:pt x="72" y="1"/>
+                    <a:pt x="1" y="84"/>
+                    <a:pt x="1" y="167"/>
+                  </a:cubicBezTo>
+                  <a:lnTo>
+                    <a:pt x="1" y="417"/>
+                  </a:lnTo>
+                  <a:cubicBezTo>
+                    <a:pt x="1" y="513"/>
+                    <a:pt x="72" y="584"/>
+                    <a:pt x="168" y="584"/>
+                  </a:cubicBezTo>
+                  <a:lnTo>
+                    <a:pt x="418" y="584"/>
+                  </a:lnTo>
+                  <a:cubicBezTo>
+                    <a:pt x="513" y="584"/>
+                    <a:pt x="584" y="513"/>
+                    <a:pt x="584" y="417"/>
+                  </a:cubicBezTo>
+                  <a:lnTo>
+                    <a:pt x="584" y="167"/>
+                  </a:lnTo>
+                  <a:cubicBezTo>
+                    <a:pt x="584" y="84"/>
+                    <a:pt x="513" y="1"/>
+                    <a:pt x="418" y="1"/>
+                  </a:cubicBezTo>
+                  <a:close/>
+                </a:path>
+              </a:pathLst>
+            </a:custGeom>
+            <a:solidFill>
+              <a:srgbClr val="657E93"/>
+            </a:solidFill>
+            <a:ln>
+              <a:noFill/>
+            </a:ln>
+          </p:spPr>
+          <p:txBody>
+            <a:bodyPr spcFirstLastPara="1" wrap="square" lIns="91425" tIns="91425" rIns="91425" bIns="91425" anchor="ctr" anchorCtr="0">
+              <a:noAutofit/>
+            </a:bodyPr>
+            <a:lstStyle/>
+            <a:p>
+              <a:pPr marL="0" lvl="0" indent="0" algn="l" rtl="0">
+                <a:spcBef>
+                  <a:spcPts val="0"/>
+                </a:spcBef>
+                <a:spcAft>
+                  <a:spcPts val="0"/>
+                </a:spcAft>
+                <a:buNone/>
+              </a:pPr>
+              <a:endParaRPr/>
+            </a:p>
+          </p:txBody>
+        </p:sp>
+        <p:sp>
+          <p:nvSpPr>
+            <p:cNvPr id="24" name="Google Shape;10891;p71"/>
+            <p:cNvSpPr/>
+            <p:nvPr/>
+          </p:nvSpPr>
+          <p:spPr>
+            <a:xfrm>
+              <a:off x="3759773" y="3116844"/>
+              <a:ext cx="18121" cy="18501"/>
+            </a:xfrm>
+            <a:custGeom>
+              <a:avLst/>
+              <a:gdLst/>
+              <a:ahLst/>
+              <a:cxnLst/>
+              <a:rect l="l" t="t" r="r" b="b"/>
+              <a:pathLst>
+                <a:path w="572" h="584" extrusionOk="0">
+                  <a:moveTo>
+                    <a:pt x="155" y="1"/>
+                  </a:moveTo>
+                  <a:cubicBezTo>
+                    <a:pt x="72" y="1"/>
+                    <a:pt x="0" y="84"/>
+                    <a:pt x="0" y="167"/>
+                  </a:cubicBezTo>
+                  <a:lnTo>
+                    <a:pt x="0" y="417"/>
+                  </a:lnTo>
+                  <a:cubicBezTo>
+                    <a:pt x="0" y="513"/>
+                    <a:pt x="72" y="584"/>
+                    <a:pt x="155" y="584"/>
+                  </a:cubicBezTo>
+                  <a:lnTo>
+                    <a:pt x="417" y="584"/>
+                  </a:lnTo>
+                  <a:cubicBezTo>
+                    <a:pt x="500" y="584"/>
+                    <a:pt x="572" y="513"/>
+                    <a:pt x="572" y="417"/>
+                  </a:cubicBezTo>
+                  <a:lnTo>
+                    <a:pt x="572" y="167"/>
+                  </a:lnTo>
+                  <a:cubicBezTo>
+                    <a:pt x="572" y="84"/>
+                    <a:pt x="500" y="1"/>
+                    <a:pt x="417" y="1"/>
+                  </a:cubicBezTo>
+                  <a:close/>
+                </a:path>
+              </a:pathLst>
+            </a:custGeom>
+            <a:solidFill>
+              <a:srgbClr val="657E93"/>
+            </a:solidFill>
+            <a:ln>
+              <a:noFill/>
+            </a:ln>
+          </p:spPr>
+          <p:txBody>
+            <a:bodyPr spcFirstLastPara="1" wrap="square" lIns="91425" tIns="91425" rIns="91425" bIns="91425" anchor="ctr" anchorCtr="0">
+              <a:noAutofit/>
+            </a:bodyPr>
+            <a:lstStyle/>
+            <a:p>
+              <a:pPr marL="0" lvl="0" indent="0" algn="l" rtl="0">
+                <a:spcBef>
+                  <a:spcPts val="0"/>
+                </a:spcBef>
+                <a:spcAft>
+                  <a:spcPts val="0"/>
+                </a:spcAft>
+                <a:buNone/>
+              </a:pPr>
+              <a:endParaRPr/>
+            </a:p>
+          </p:txBody>
+        </p:sp>
+        <p:sp>
+          <p:nvSpPr>
+            <p:cNvPr id="25" name="Google Shape;10892;p71"/>
+            <p:cNvSpPr/>
+            <p:nvPr/>
+          </p:nvSpPr>
+          <p:spPr>
+            <a:xfrm>
+              <a:off x="3625101" y="3009354"/>
+              <a:ext cx="18501" cy="18501"/>
+            </a:xfrm>
+            <a:custGeom>
+              <a:avLst/>
+              <a:gdLst/>
+              <a:ahLst/>
+              <a:cxnLst/>
+              <a:rect l="l" t="t" r="r" b="b"/>
+              <a:pathLst>
+                <a:path w="584" h="584" extrusionOk="0">
+                  <a:moveTo>
+                    <a:pt x="167" y="0"/>
+                  </a:moveTo>
+                  <a:cubicBezTo>
+                    <a:pt x="84" y="0"/>
+                    <a:pt x="1" y="84"/>
+                    <a:pt x="1" y="167"/>
+                  </a:cubicBezTo>
+                  <a:lnTo>
+                    <a:pt x="1" y="417"/>
+                  </a:lnTo>
+                  <a:cubicBezTo>
+                    <a:pt x="1" y="512"/>
+                    <a:pt x="84" y="584"/>
+                    <a:pt x="167" y="584"/>
+                  </a:cubicBezTo>
+                  <a:lnTo>
+                    <a:pt x="417" y="584"/>
+                  </a:lnTo>
+                  <a:cubicBezTo>
+                    <a:pt x="513" y="584"/>
+                    <a:pt x="584" y="512"/>
+                    <a:pt x="584" y="417"/>
+                  </a:cubicBezTo>
+                  <a:lnTo>
+                    <a:pt x="584" y="167"/>
+                  </a:lnTo>
+                  <a:cubicBezTo>
+                    <a:pt x="584" y="84"/>
+                    <a:pt x="513" y="0"/>
+                    <a:pt x="417" y="0"/>
+                  </a:cubicBezTo>
+                  <a:close/>
+                </a:path>
+              </a:pathLst>
+            </a:custGeom>
+            <a:solidFill>
+              <a:srgbClr val="657E93"/>
+            </a:solidFill>
+            <a:ln>
+              <a:noFill/>
+            </a:ln>
+          </p:spPr>
+          <p:txBody>
+            <a:bodyPr spcFirstLastPara="1" wrap="square" lIns="91425" tIns="91425" rIns="91425" bIns="91425" anchor="ctr" anchorCtr="0">
+              <a:noAutofit/>
+            </a:bodyPr>
+            <a:lstStyle/>
+            <a:p>
+              <a:pPr marL="0" lvl="0" indent="0" algn="l" rtl="0">
+                <a:spcBef>
+                  <a:spcPts val="0"/>
+                </a:spcBef>
+                <a:spcAft>
+                  <a:spcPts val="0"/>
+                </a:spcAft>
+                <a:buNone/>
+              </a:pPr>
+              <a:endParaRPr/>
+            </a:p>
+          </p:txBody>
+        </p:sp>
+        <p:sp>
+          <p:nvSpPr>
+            <p:cNvPr id="26" name="Google Shape;10893;p71"/>
+            <p:cNvSpPr/>
+            <p:nvPr/>
+          </p:nvSpPr>
+          <p:spPr>
+            <a:xfrm>
+              <a:off x="3625101" y="3036503"/>
+              <a:ext cx="18501" cy="18153"/>
+            </a:xfrm>
+            <a:custGeom>
+              <a:avLst/>
+              <a:gdLst/>
+              <a:ahLst/>
+              <a:cxnLst/>
+              <a:rect l="l" t="t" r="r" b="b"/>
+              <a:pathLst>
+                <a:path w="584" h="573" extrusionOk="0">
+                  <a:moveTo>
+                    <a:pt x="167" y="1"/>
+                  </a:moveTo>
+                  <a:cubicBezTo>
+                    <a:pt x="84" y="1"/>
+                    <a:pt x="1" y="72"/>
+                    <a:pt x="1" y="155"/>
+                  </a:cubicBezTo>
+                  <a:lnTo>
+                    <a:pt x="1" y="417"/>
+                  </a:lnTo>
+                  <a:cubicBezTo>
+                    <a:pt x="1" y="501"/>
+                    <a:pt x="84" y="572"/>
+                    <a:pt x="167" y="572"/>
+                  </a:cubicBezTo>
+                  <a:lnTo>
+                    <a:pt x="417" y="572"/>
+                  </a:lnTo>
+                  <a:cubicBezTo>
+                    <a:pt x="513" y="572"/>
+                    <a:pt x="584" y="501"/>
+                    <a:pt x="584" y="417"/>
+                  </a:cubicBezTo>
+                  <a:lnTo>
+                    <a:pt x="584" y="155"/>
+                  </a:lnTo>
+                  <a:cubicBezTo>
+                    <a:pt x="584" y="72"/>
+                    <a:pt x="513" y="1"/>
+                    <a:pt x="417" y="1"/>
+                  </a:cubicBezTo>
+                  <a:close/>
+                </a:path>
+              </a:pathLst>
+            </a:custGeom>
+            <a:solidFill>
+              <a:srgbClr val="657E93"/>
+            </a:solidFill>
+            <a:ln>
+              <a:noFill/>
+            </a:ln>
+          </p:spPr>
+          <p:txBody>
+            <a:bodyPr spcFirstLastPara="1" wrap="square" lIns="91425" tIns="91425" rIns="91425" bIns="91425" anchor="ctr" anchorCtr="0">
+              <a:noAutofit/>
+            </a:bodyPr>
+            <a:lstStyle/>
+            <a:p>
+              <a:pPr marL="0" lvl="0" indent="0" algn="l" rtl="0">
+                <a:spcBef>
+                  <a:spcPts val="0"/>
+                </a:spcBef>
+                <a:spcAft>
+                  <a:spcPts val="0"/>
+                </a:spcAft>
+                <a:buNone/>
+              </a:pPr>
+              <a:endParaRPr/>
+            </a:p>
+          </p:txBody>
+        </p:sp>
+        <p:sp>
+          <p:nvSpPr>
+            <p:cNvPr id="27" name="Google Shape;10894;p71"/>
+            <p:cNvSpPr/>
+            <p:nvPr/>
+          </p:nvSpPr>
+          <p:spPr>
+            <a:xfrm>
+              <a:off x="3625101" y="3063273"/>
+              <a:ext cx="18501" cy="18533"/>
+            </a:xfrm>
+            <a:custGeom>
+              <a:avLst/>
+              <a:gdLst/>
+              <a:ahLst/>
+              <a:cxnLst/>
+              <a:rect l="l" t="t" r="r" b="b"/>
+              <a:pathLst>
+                <a:path w="584" h="585" extrusionOk="0">
+                  <a:moveTo>
+                    <a:pt x="167" y="1"/>
+                  </a:moveTo>
+                  <a:cubicBezTo>
+                    <a:pt x="84" y="1"/>
+                    <a:pt x="1" y="72"/>
+                    <a:pt x="1" y="168"/>
+                  </a:cubicBezTo>
+                  <a:lnTo>
+                    <a:pt x="1" y="418"/>
+                  </a:lnTo>
+                  <a:cubicBezTo>
+                    <a:pt x="1" y="501"/>
+                    <a:pt x="84" y="584"/>
+                    <a:pt x="167" y="584"/>
+                  </a:cubicBezTo>
+                  <a:lnTo>
+                    <a:pt x="417" y="584"/>
+                  </a:lnTo>
+                  <a:cubicBezTo>
+                    <a:pt x="513" y="584"/>
+                    <a:pt x="584" y="501"/>
+                    <a:pt x="584" y="418"/>
+                  </a:cubicBezTo>
+                  <a:lnTo>
+                    <a:pt x="584" y="168"/>
+                  </a:lnTo>
+                  <a:cubicBezTo>
+                    <a:pt x="584" y="72"/>
+                    <a:pt x="513" y="1"/>
+                    <a:pt x="417" y="1"/>
+                  </a:cubicBezTo>
+                  <a:close/>
+                </a:path>
+              </a:pathLst>
+            </a:custGeom>
+            <a:solidFill>
+              <a:srgbClr val="657E93"/>
+            </a:solidFill>
+            <a:ln>
+              <a:noFill/>
+            </a:ln>
+          </p:spPr>
+          <p:txBody>
+            <a:bodyPr spcFirstLastPara="1" wrap="square" lIns="91425" tIns="91425" rIns="91425" bIns="91425" anchor="ctr" anchorCtr="0">
+              <a:noAutofit/>
+            </a:bodyPr>
+            <a:lstStyle/>
+            <a:p>
+              <a:pPr marL="0" lvl="0" indent="0" algn="l" rtl="0">
+                <a:spcBef>
+                  <a:spcPts val="0"/>
+                </a:spcBef>
+                <a:spcAft>
+                  <a:spcPts val="0"/>
+                </a:spcAft>
+                <a:buNone/>
+              </a:pPr>
+              <a:endParaRPr/>
+            </a:p>
+          </p:txBody>
+        </p:sp>
+        <p:sp>
+          <p:nvSpPr>
+            <p:cNvPr id="28" name="Google Shape;10895;p71"/>
+            <p:cNvSpPr/>
+            <p:nvPr/>
+          </p:nvSpPr>
+          <p:spPr>
+            <a:xfrm>
+              <a:off x="3625101" y="3090074"/>
+              <a:ext cx="18501" cy="18501"/>
+            </a:xfrm>
+            <a:custGeom>
+              <a:avLst/>
+              <a:gdLst/>
+              <a:ahLst/>
+              <a:cxnLst/>
+              <a:rect l="l" t="t" r="r" b="b"/>
+              <a:pathLst>
+                <a:path w="584" h="584" extrusionOk="0">
+                  <a:moveTo>
+                    <a:pt x="167" y="0"/>
+                  </a:moveTo>
+                  <a:cubicBezTo>
+                    <a:pt x="84" y="0"/>
+                    <a:pt x="1" y="72"/>
+                    <a:pt x="1" y="167"/>
+                  </a:cubicBezTo>
+                  <a:lnTo>
+                    <a:pt x="1" y="417"/>
+                  </a:lnTo>
+                  <a:cubicBezTo>
+                    <a:pt x="1" y="512"/>
+                    <a:pt x="84" y="584"/>
+                    <a:pt x="167" y="584"/>
+                  </a:cubicBezTo>
+                  <a:lnTo>
+                    <a:pt x="417" y="584"/>
+                  </a:lnTo>
+                  <a:cubicBezTo>
+                    <a:pt x="513" y="584"/>
+                    <a:pt x="584" y="512"/>
+                    <a:pt x="584" y="417"/>
+                  </a:cubicBezTo>
+                  <a:lnTo>
+                    <a:pt x="584" y="167"/>
+                  </a:lnTo>
+                  <a:cubicBezTo>
+                    <a:pt x="584" y="72"/>
+                    <a:pt x="513" y="0"/>
+                    <a:pt x="417" y="0"/>
+                  </a:cubicBezTo>
+                  <a:close/>
+                </a:path>
+              </a:pathLst>
+            </a:custGeom>
+            <a:solidFill>
+              <a:srgbClr val="657E93"/>
+            </a:solidFill>
+            <a:ln>
+              <a:noFill/>
+            </a:ln>
+          </p:spPr>
+          <p:txBody>
+            <a:bodyPr spcFirstLastPara="1" wrap="square" lIns="91425" tIns="91425" rIns="91425" bIns="91425" anchor="ctr" anchorCtr="0">
+              <a:noAutofit/>
+            </a:bodyPr>
+            <a:lstStyle/>
+            <a:p>
+              <a:pPr marL="0" lvl="0" indent="0" algn="l" rtl="0">
+                <a:spcBef>
+                  <a:spcPts val="0"/>
+                </a:spcBef>
+                <a:spcAft>
+                  <a:spcPts val="0"/>
+                </a:spcAft>
+                <a:buNone/>
+              </a:pPr>
+              <a:endParaRPr/>
+            </a:p>
+          </p:txBody>
+        </p:sp>
+        <p:sp>
+          <p:nvSpPr>
+            <p:cNvPr id="29" name="Google Shape;10896;p71"/>
+            <p:cNvSpPr/>
+            <p:nvPr/>
+          </p:nvSpPr>
+          <p:spPr>
+            <a:xfrm>
+              <a:off x="3759773" y="3009354"/>
+              <a:ext cx="18121" cy="18501"/>
+            </a:xfrm>
+            <a:custGeom>
+              <a:avLst/>
+              <a:gdLst/>
+              <a:ahLst/>
+              <a:cxnLst/>
+              <a:rect l="l" t="t" r="r" b="b"/>
+              <a:pathLst>
+                <a:path w="572" h="584" extrusionOk="0">
+                  <a:moveTo>
+                    <a:pt x="155" y="0"/>
+                  </a:moveTo>
+                  <a:cubicBezTo>
+                    <a:pt x="72" y="0"/>
+                    <a:pt x="0" y="84"/>
+                    <a:pt x="0" y="167"/>
+                  </a:cubicBezTo>
+                  <a:lnTo>
+                    <a:pt x="0" y="417"/>
+                  </a:lnTo>
+                  <a:cubicBezTo>
+                    <a:pt x="0" y="512"/>
+                    <a:pt x="72" y="584"/>
+                    <a:pt x="155" y="584"/>
+                  </a:cubicBezTo>
+                  <a:lnTo>
+                    <a:pt x="417" y="584"/>
+                  </a:lnTo>
+                  <a:cubicBezTo>
+                    <a:pt x="500" y="584"/>
+                    <a:pt x="572" y="512"/>
+                    <a:pt x="572" y="417"/>
+                  </a:cubicBezTo>
+                  <a:lnTo>
+                    <a:pt x="572" y="167"/>
+                  </a:lnTo>
+                  <a:cubicBezTo>
+                    <a:pt x="572" y="84"/>
+                    <a:pt x="500" y="0"/>
+                    <a:pt x="417" y="0"/>
+                  </a:cubicBezTo>
+                  <a:close/>
+                </a:path>
+              </a:pathLst>
+            </a:custGeom>
+            <a:solidFill>
+              <a:srgbClr val="657E93"/>
+            </a:solidFill>
+            <a:ln>
+              <a:noFill/>
+            </a:ln>
+          </p:spPr>
+          <p:txBody>
+            <a:bodyPr spcFirstLastPara="1" wrap="square" lIns="91425" tIns="91425" rIns="91425" bIns="91425" anchor="ctr" anchorCtr="0">
+              <a:noAutofit/>
+            </a:bodyPr>
+            <a:lstStyle/>
+            <a:p>
+              <a:pPr marL="0" lvl="0" indent="0" algn="l" rtl="0">
+                <a:spcBef>
+                  <a:spcPts val="0"/>
+                </a:spcBef>
+                <a:spcAft>
+                  <a:spcPts val="0"/>
+                </a:spcAft>
+                <a:buNone/>
+              </a:pPr>
+              <a:endParaRPr/>
+            </a:p>
+          </p:txBody>
+        </p:sp>
+        <p:sp>
+          <p:nvSpPr>
+            <p:cNvPr id="30" name="Google Shape;10897;p71"/>
+            <p:cNvSpPr/>
+            <p:nvPr/>
+          </p:nvSpPr>
+          <p:spPr>
+            <a:xfrm>
+              <a:off x="3759773" y="3036503"/>
+              <a:ext cx="18121" cy="18153"/>
+            </a:xfrm>
+            <a:custGeom>
+              <a:avLst/>
+              <a:gdLst/>
+              <a:ahLst/>
+              <a:cxnLst/>
+              <a:rect l="l" t="t" r="r" b="b"/>
+              <a:pathLst>
+                <a:path w="572" h="573" extrusionOk="0">
+                  <a:moveTo>
+                    <a:pt x="155" y="1"/>
+                  </a:moveTo>
+                  <a:cubicBezTo>
+                    <a:pt x="72" y="1"/>
+                    <a:pt x="0" y="72"/>
+                    <a:pt x="0" y="155"/>
+                  </a:cubicBezTo>
+                  <a:lnTo>
+                    <a:pt x="0" y="417"/>
+                  </a:lnTo>
+                  <a:cubicBezTo>
+                    <a:pt x="0" y="501"/>
+                    <a:pt x="72" y="572"/>
+                    <a:pt x="155" y="572"/>
+                  </a:cubicBezTo>
+                  <a:lnTo>
+                    <a:pt x="417" y="572"/>
+                  </a:lnTo>
+                  <a:cubicBezTo>
+                    <a:pt x="500" y="572"/>
+                    <a:pt x="572" y="501"/>
+                    <a:pt x="572" y="417"/>
+                  </a:cubicBezTo>
+                  <a:lnTo>
+                    <a:pt x="572" y="155"/>
+                  </a:lnTo>
+                  <a:cubicBezTo>
+                    <a:pt x="572" y="72"/>
+                    <a:pt x="500" y="1"/>
+                    <a:pt x="417" y="1"/>
+                  </a:cubicBezTo>
+                  <a:close/>
+                </a:path>
+              </a:pathLst>
+            </a:custGeom>
+            <a:solidFill>
+              <a:srgbClr val="657E93"/>
+            </a:solidFill>
+            <a:ln>
+              <a:noFill/>
+            </a:ln>
+          </p:spPr>
+          <p:txBody>
+            <a:bodyPr spcFirstLastPara="1" wrap="square" lIns="91425" tIns="91425" rIns="91425" bIns="91425" anchor="ctr" anchorCtr="0">
+              <a:noAutofit/>
+            </a:bodyPr>
+            <a:lstStyle/>
+            <a:p>
+              <a:pPr marL="0" lvl="0" indent="0" algn="l" rtl="0">
+                <a:spcBef>
+                  <a:spcPts val="0"/>
+                </a:spcBef>
+                <a:spcAft>
+                  <a:spcPts val="0"/>
+                </a:spcAft>
+                <a:buNone/>
+              </a:pPr>
+              <a:endParaRPr/>
+            </a:p>
+          </p:txBody>
+        </p:sp>
+        <p:sp>
+          <p:nvSpPr>
+            <p:cNvPr id="31" name="Google Shape;10898;p71"/>
+            <p:cNvSpPr/>
+            <p:nvPr/>
+          </p:nvSpPr>
+          <p:spPr>
+            <a:xfrm>
+              <a:off x="3759773" y="3063273"/>
+              <a:ext cx="18121" cy="18533"/>
+            </a:xfrm>
+            <a:custGeom>
+              <a:avLst/>
+              <a:gdLst/>
+              <a:ahLst/>
+              <a:cxnLst/>
+              <a:rect l="l" t="t" r="r" b="b"/>
+              <a:pathLst>
+                <a:path w="572" h="585" extrusionOk="0">
+                  <a:moveTo>
+                    <a:pt x="155" y="1"/>
+                  </a:moveTo>
+                  <a:cubicBezTo>
+                    <a:pt x="72" y="1"/>
+                    <a:pt x="0" y="72"/>
+                    <a:pt x="0" y="168"/>
+                  </a:cubicBezTo>
+                  <a:lnTo>
+                    <a:pt x="0" y="418"/>
+                  </a:lnTo>
+                  <a:cubicBezTo>
+                    <a:pt x="0" y="501"/>
+                    <a:pt x="72" y="584"/>
+                    <a:pt x="155" y="584"/>
+                  </a:cubicBezTo>
+                  <a:lnTo>
+                    <a:pt x="417" y="584"/>
+                  </a:lnTo>
+                  <a:cubicBezTo>
+                    <a:pt x="500" y="584"/>
+                    <a:pt x="572" y="501"/>
+                    <a:pt x="572" y="418"/>
+                  </a:cubicBezTo>
+                  <a:lnTo>
+                    <a:pt x="572" y="168"/>
+                  </a:lnTo>
+                  <a:cubicBezTo>
+                    <a:pt x="572" y="72"/>
+                    <a:pt x="500" y="1"/>
+                    <a:pt x="417" y="1"/>
+                  </a:cubicBezTo>
+                  <a:close/>
+                </a:path>
+              </a:pathLst>
+            </a:custGeom>
+            <a:solidFill>
+              <a:srgbClr val="657E93"/>
+            </a:solidFill>
+            <a:ln>
+              <a:noFill/>
+            </a:ln>
+          </p:spPr>
+          <p:txBody>
+            <a:bodyPr spcFirstLastPara="1" wrap="square" lIns="91425" tIns="91425" rIns="91425" bIns="91425" anchor="ctr" anchorCtr="0">
+              <a:noAutofit/>
+            </a:bodyPr>
+            <a:lstStyle/>
+            <a:p>
+              <a:pPr marL="0" lvl="0" indent="0" algn="l" rtl="0">
+                <a:spcBef>
+                  <a:spcPts val="0"/>
+                </a:spcBef>
+                <a:spcAft>
+                  <a:spcPts val="0"/>
+                </a:spcAft>
+                <a:buNone/>
+              </a:pPr>
+              <a:endParaRPr/>
+            </a:p>
+          </p:txBody>
+        </p:sp>
+        <p:sp>
+          <p:nvSpPr>
+            <p:cNvPr id="33" name="Google Shape;10899;p71"/>
+            <p:cNvSpPr/>
+            <p:nvPr/>
+          </p:nvSpPr>
+          <p:spPr>
+            <a:xfrm>
+              <a:off x="3759773" y="3090074"/>
+              <a:ext cx="18121" cy="18501"/>
+            </a:xfrm>
+            <a:custGeom>
+              <a:avLst/>
+              <a:gdLst/>
+              <a:ahLst/>
+              <a:cxnLst/>
+              <a:rect l="l" t="t" r="r" b="b"/>
+              <a:pathLst>
+                <a:path w="572" h="584" extrusionOk="0">
+                  <a:moveTo>
+                    <a:pt x="155" y="0"/>
+                  </a:moveTo>
+                  <a:cubicBezTo>
+                    <a:pt x="72" y="0"/>
+                    <a:pt x="0" y="72"/>
+                    <a:pt x="0" y="167"/>
+                  </a:cubicBezTo>
+                  <a:lnTo>
+                    <a:pt x="0" y="417"/>
+                  </a:lnTo>
+                  <a:cubicBezTo>
+                    <a:pt x="0" y="512"/>
+                    <a:pt x="72" y="584"/>
+                    <a:pt x="155" y="584"/>
+                  </a:cubicBezTo>
+                  <a:lnTo>
+                    <a:pt x="417" y="584"/>
+                  </a:lnTo>
+                  <a:cubicBezTo>
+                    <a:pt x="500" y="584"/>
+                    <a:pt x="572" y="512"/>
+                    <a:pt x="572" y="417"/>
+                  </a:cubicBezTo>
+                  <a:lnTo>
+                    <a:pt x="572" y="167"/>
+                  </a:lnTo>
+                  <a:cubicBezTo>
+                    <a:pt x="572" y="72"/>
+                    <a:pt x="500" y="0"/>
+                    <a:pt x="417" y="0"/>
+                  </a:cubicBezTo>
+                  <a:close/>
+                </a:path>
+              </a:pathLst>
+            </a:custGeom>
+            <a:solidFill>
+              <a:srgbClr val="657E93"/>
+            </a:solidFill>
+            <a:ln>
+              <a:noFill/>
+            </a:ln>
+          </p:spPr>
+          <p:txBody>
+            <a:bodyPr spcFirstLastPara="1" wrap="square" lIns="91425" tIns="91425" rIns="91425" bIns="91425" anchor="ctr" anchorCtr="0">
+              <a:noAutofit/>
+            </a:bodyPr>
+            <a:lstStyle/>
+            <a:p>
+              <a:pPr marL="0" lvl="0" indent="0" algn="l" rtl="0">
+                <a:spcBef>
+                  <a:spcPts val="0"/>
+                </a:spcBef>
+                <a:spcAft>
+                  <a:spcPts val="0"/>
+                </a:spcAft>
+                <a:buNone/>
+              </a:pPr>
+              <a:endParaRPr/>
+            </a:p>
+          </p:txBody>
+        </p:sp>
+      </p:grpSp>
+      <p:pic>
+        <p:nvPicPr>
+          <p:cNvPr id="4" name="Picture 3"/>
+          <p:cNvPicPr>
+            <a:picLocks noChangeAspect="1"/>
+          </p:cNvPicPr>
+          <p:nvPr/>
+        </p:nvPicPr>
+        <p:blipFill>
+          <a:blip r:embed="rId3"/>
+          <a:stretch>
+            <a:fillRect/>
+          </a:stretch>
+        </p:blipFill>
+        <p:spPr>
+          <a:xfrm>
+            <a:off x="1353015" y="1556165"/>
+            <a:ext cx="6252117" cy="659212"/>
+          </a:xfrm>
+          <a:prstGeom prst="rect">
+            <a:avLst/>
+          </a:prstGeom>
+        </p:spPr>
+      </p:pic>
+      <p:pic>
+        <p:nvPicPr>
+          <p:cNvPr id="5" name="Picture 4"/>
+          <p:cNvPicPr>
+            <a:picLocks noChangeAspect="1"/>
+          </p:cNvPicPr>
+          <p:nvPr/>
+        </p:nvPicPr>
+        <p:blipFill>
+          <a:blip r:embed="rId4"/>
+          <a:stretch>
+            <a:fillRect/>
+          </a:stretch>
+        </p:blipFill>
+        <p:spPr>
+          <a:xfrm>
+            <a:off x="1292429" y="2793249"/>
+            <a:ext cx="6242156" cy="1663432"/>
+          </a:xfrm>
+          <a:prstGeom prst="rect">
+            <a:avLst/>
+          </a:prstGeom>
+        </p:spPr>
+      </p:pic>
     </p:spTree>
     <p:extLst>
       <p:ext uri="{BB962C8B-B14F-4D97-AF65-F5344CB8AC3E}">
-        <p14:creationId xmlns:p14="http://schemas.microsoft.com/office/powerpoint/2010/main" val="800802913"/>
+        <p14:creationId xmlns:p14="http://schemas.microsoft.com/office/powerpoint/2010/main" val="431984825"/>
       </p:ext>
     </p:extLst>
   </p:cSld>
